--- a/Logging/Lecture.pptx
+++ b/Logging/Lecture.pptx
@@ -19,6 +19,8 @@
     <p:sldId id="263" r:id="rId12"/>
     <p:sldId id="264" r:id="rId13"/>
     <p:sldId id="265" r:id="rId14"/>
+    <p:sldId id="266" r:id="rId15"/>
+    <p:sldId id="267" r:id="rId16"/>
   </p:sldIdLst>
   <p:sldSz cx="9144000" cy="6858000"/>
   <p:notesSz cx="6858000" cy="9144000"/>
@@ -66,56 +68,38 @@
             <a:noAutofit/>
           </a:bodyPr>
           <a:p>
-            <a:pPr algn="r"/>
-            <a:r>
-              <a:rPr b="0" lang="en-US" sz="4400" spc="-1" strike="noStrike">
-                <a:solidFill>
-                  <a:srgbClr val="000000"/>
-                </a:solidFill>
+            <a:pPr algn="ctr"/>
+            <a:r>
+              <a:rPr b="0" lang="en-CA" sz="4400" spc="-1" strike="noStrike">
                 <a:latin typeface="Arial"/>
               </a:rPr>
               <a:t>Click </a:t>
             </a:r>
             <a:r>
-              <a:rPr b="0" lang="en-US" sz="4400" spc="-1" strike="noStrike">
-                <a:solidFill>
-                  <a:srgbClr val="000000"/>
-                </a:solidFill>
+              <a:rPr b="0" lang="en-CA" sz="4400" spc="-1" strike="noStrike">
                 <a:latin typeface="Arial"/>
               </a:rPr>
               <a:t>to </a:t>
             </a:r>
             <a:r>
-              <a:rPr b="0" lang="en-US" sz="4400" spc="-1" strike="noStrike">
-                <a:solidFill>
-                  <a:srgbClr val="000000"/>
-                </a:solidFill>
+              <a:rPr b="0" lang="en-CA" sz="4400" spc="-1" strike="noStrike">
                 <a:latin typeface="Arial"/>
               </a:rPr>
               <a:t>move </a:t>
             </a:r>
             <a:r>
-              <a:rPr b="0" lang="en-US" sz="4400" spc="-1" strike="noStrike">
-                <a:solidFill>
-                  <a:srgbClr val="000000"/>
-                </a:solidFill>
+              <a:rPr b="0" lang="en-CA" sz="4400" spc="-1" strike="noStrike">
                 <a:latin typeface="Arial"/>
               </a:rPr>
               <a:t>the </a:t>
             </a:r>
             <a:r>
-              <a:rPr b="0" lang="en-US" sz="4400" spc="-1" strike="noStrike">
-                <a:solidFill>
-                  <a:srgbClr val="000000"/>
-                </a:solidFill>
+              <a:rPr b="0" lang="en-CA" sz="4400" spc="-1" strike="noStrike">
                 <a:latin typeface="Arial"/>
               </a:rPr>
               <a:t>slide</a:t>
             </a:r>
-            <a:endParaRPr b="0" lang="en-US" sz="4400" spc="-1" strike="noStrike">
-              <a:solidFill>
-                <a:srgbClr val="000000"/>
-              </a:solidFill>
+            <a:endParaRPr b="0" lang="en-CA" sz="4400" spc="-1" strike="noStrike">
               <a:latin typeface="Arial"/>
             </a:endParaRPr>
           </a:p>
@@ -303,7 +287,7 @@
           </a:bodyPr>
           <a:p>
             <a:pPr algn="r"/>
-            <a:fld id="{EF64FA64-AC99-4A4F-833B-EFCE0841359B}" type="slidenum">
+            <a:fld id="{FCF20E27-D0F5-4DEA-8893-805C2C1D104F}" type="slidenum">
               <a:rPr b="0" lang="en-CA" sz="1400" spc="-1" strike="noStrike">
                 <a:latin typeface="Times New Roman"/>
               </a:rPr>
@@ -340,14 +324,14 @@
       </p:grpSpPr>
       <p:sp>
         <p:nvSpPr>
-          <p:cNvPr id="103" name="TextShape 1"/>
-          <p:cNvSpPr txBox="1"/>
+          <p:cNvPr id="108" name="CustomShape 1"/>
+          <p:cNvSpPr/>
           <p:nvPr/>
         </p:nvSpPr>
         <p:spPr>
           <a:xfrm>
             <a:off x="3884760" y="8685360"/>
-            <a:ext cx="2971440" cy="456840"/>
+            <a:ext cx="2971080" cy="456480"/>
           </a:xfrm>
           <a:prstGeom prst="rect">
             <a:avLst/>
@@ -357,8 +341,14 @@
             <a:noFill/>
           </a:ln>
         </p:spPr>
-        <p:txBody>
-          <a:bodyPr anchor="b">
+        <p:style>
+          <a:lnRef idx="0"/>
+          <a:fillRef idx="0"/>
+          <a:effectRef idx="0"/>
+          <a:fontRef idx="minor"/>
+        </p:style>
+        <p:txBody>
+          <a:bodyPr lIns="90000" rIns="90000" tIns="45000" bIns="45000" anchor="b">
             <a:noAutofit/>
           </a:bodyPr>
           <a:p>
@@ -367,7 +357,7 @@
                 <a:spcPct val="100000"/>
               </a:lnSpc>
             </a:pPr>
-            <a:fld id="{059EA1CB-E21C-432E-BEB8-92740B3E7350}" type="slidenum">
+            <a:fld id="{14D05752-239C-496F-8941-DEB474B58D42}" type="slidenum">
               <a:rPr b="0" lang="en-US" sz="1200" spc="-1" strike="noStrike">
                 <a:latin typeface="Times New Roman"/>
                 <a:ea typeface="Lucida Sans Unicode"/>
@@ -375,14 +365,14 @@
               <a:t>&lt;number&gt;</a:t>
             </a:fld>
             <a:endParaRPr b="0" lang="en-CA" sz="1200" spc="-1" strike="noStrike">
-              <a:latin typeface="Times New Roman"/>
-            </a:endParaRPr>
-          </a:p>
-        </p:txBody>
-      </p:sp>
-      <p:sp>
-        <p:nvSpPr>
-          <p:cNvPr id="104" name="PlaceHolder 2"/>
+              <a:latin typeface="Arial"/>
+            </a:endParaRPr>
+          </a:p>
+        </p:txBody>
+      </p:sp>
+      <p:sp>
+        <p:nvSpPr>
+          <p:cNvPr id="109" name="PlaceHolder 2"/>
           <p:cNvSpPr>
             <a:spLocks noGrp="1"/>
           </p:cNvSpPr>
@@ -393,16 +383,16 @@
         <p:spPr>
           <a:xfrm>
             <a:off x="1143000" y="685800"/>
-            <a:ext cx="4571640" cy="3428640"/>
-          </a:xfrm>
-          <a:prstGeom prst="rect">
-            <a:avLst/>
-          </a:prstGeom>
-        </p:spPr>
-      </p:sp>
-      <p:sp>
-        <p:nvSpPr>
-          <p:cNvPr id="105" name="PlaceHolder 3"/>
+            <a:ext cx="4571280" cy="3428280"/>
+          </a:xfrm>
+          <a:prstGeom prst="rect">
+            <a:avLst/>
+          </a:prstGeom>
+        </p:spPr>
+      </p:sp>
+      <p:sp>
+        <p:nvSpPr>
+          <p:cNvPr id="110" name="PlaceHolder 3"/>
           <p:cNvSpPr>
             <a:spLocks noGrp="1"/>
           </p:cNvSpPr>
@@ -413,14 +403,14 @@
         <p:spPr>
           <a:xfrm>
             <a:off x="685800" y="4343400"/>
-            <a:ext cx="5486040" cy="4114440"/>
-          </a:xfrm>
-          <a:prstGeom prst="rect">
-            <a:avLst/>
-          </a:prstGeom>
-        </p:spPr>
-        <p:txBody>
-          <a:bodyPr>
+            <a:ext cx="5485680" cy="4114080"/>
+          </a:xfrm>
+          <a:prstGeom prst="rect">
+            <a:avLst/>
+          </a:prstGeom>
+        </p:spPr>
+        <p:txBody>
+          <a:bodyPr lIns="0" rIns="0" tIns="0" bIns="0">
             <a:noAutofit/>
           </a:bodyPr>
           <a:p>
@@ -454,14 +444,14 @@
       </p:grpSpPr>
       <p:sp>
         <p:nvSpPr>
-          <p:cNvPr id="106" name="TextShape 1"/>
-          <p:cNvSpPr txBox="1"/>
+          <p:cNvPr id="111" name="CustomShape 1"/>
+          <p:cNvSpPr/>
           <p:nvPr/>
         </p:nvSpPr>
         <p:spPr>
           <a:xfrm>
             <a:off x="3884760" y="8685360"/>
-            <a:ext cx="2971440" cy="456840"/>
+            <a:ext cx="2971080" cy="456480"/>
           </a:xfrm>
           <a:prstGeom prst="rect">
             <a:avLst/>
@@ -471,8 +461,14 @@
             <a:noFill/>
           </a:ln>
         </p:spPr>
-        <p:txBody>
-          <a:bodyPr anchor="b">
+        <p:style>
+          <a:lnRef idx="0"/>
+          <a:fillRef idx="0"/>
+          <a:effectRef idx="0"/>
+          <a:fontRef idx="minor"/>
+        </p:style>
+        <p:txBody>
+          <a:bodyPr lIns="90000" rIns="90000" tIns="45000" bIns="45000" anchor="b">
             <a:noAutofit/>
           </a:bodyPr>
           <a:p>
@@ -481,7 +477,7 @@
                 <a:spcPct val="100000"/>
               </a:lnSpc>
             </a:pPr>
-            <a:fld id="{EF7A75FD-6311-44ED-9D91-3C3C107437A4}" type="slidenum">
+            <a:fld id="{677D93F6-6582-40EC-8B61-CB1E3D460690}" type="slidenum">
               <a:rPr b="0" lang="en-US" sz="1200" spc="-1" strike="noStrike">
                 <a:latin typeface="Times New Roman"/>
                 <a:ea typeface="Lucida Sans Unicode"/>
@@ -489,14 +485,14 @@
               <a:t>&lt;number&gt;</a:t>
             </a:fld>
             <a:endParaRPr b="0" lang="en-CA" sz="1200" spc="-1" strike="noStrike">
-              <a:latin typeface="Times New Roman"/>
-            </a:endParaRPr>
-          </a:p>
-        </p:txBody>
-      </p:sp>
-      <p:sp>
-        <p:nvSpPr>
-          <p:cNvPr id="107" name="PlaceHolder 2"/>
+              <a:latin typeface="Arial"/>
+            </a:endParaRPr>
+          </a:p>
+        </p:txBody>
+      </p:sp>
+      <p:sp>
+        <p:nvSpPr>
+          <p:cNvPr id="112" name="PlaceHolder 2"/>
           <p:cNvSpPr>
             <a:spLocks noGrp="1"/>
           </p:cNvSpPr>
@@ -507,16 +503,16 @@
         <p:spPr>
           <a:xfrm>
             <a:off x="1143000" y="685800"/>
-            <a:ext cx="4571640" cy="3428640"/>
-          </a:xfrm>
-          <a:prstGeom prst="rect">
-            <a:avLst/>
-          </a:prstGeom>
-        </p:spPr>
-      </p:sp>
-      <p:sp>
-        <p:nvSpPr>
-          <p:cNvPr id="108" name="PlaceHolder 3"/>
+            <a:ext cx="4571280" cy="3428280"/>
+          </a:xfrm>
+          <a:prstGeom prst="rect">
+            <a:avLst/>
+          </a:prstGeom>
+        </p:spPr>
+      </p:sp>
+      <p:sp>
+        <p:nvSpPr>
+          <p:cNvPr id="113" name="PlaceHolder 3"/>
           <p:cNvSpPr>
             <a:spLocks noGrp="1"/>
           </p:cNvSpPr>
@@ -527,14 +523,14 @@
         <p:spPr>
           <a:xfrm>
             <a:off x="685800" y="4343400"/>
-            <a:ext cx="5486040" cy="4114440"/>
-          </a:xfrm>
-          <a:prstGeom prst="rect">
-            <a:avLst/>
-          </a:prstGeom>
-        </p:spPr>
-        <p:txBody>
-          <a:bodyPr>
+            <a:ext cx="5485680" cy="4114080"/>
+          </a:xfrm>
+          <a:prstGeom prst="rect">
+            <a:avLst/>
+          </a:prstGeom>
+        </p:spPr>
+        <p:txBody>
+          <a:bodyPr lIns="0" rIns="0" tIns="0" bIns="0">
             <a:noAutofit/>
           </a:bodyPr>
           <a:p>
@@ -568,14 +564,14 @@
       </p:grpSpPr>
       <p:sp>
         <p:nvSpPr>
-          <p:cNvPr id="109" name="TextShape 1"/>
-          <p:cNvSpPr txBox="1"/>
+          <p:cNvPr id="114" name="CustomShape 1"/>
+          <p:cNvSpPr/>
           <p:nvPr/>
         </p:nvSpPr>
         <p:spPr>
           <a:xfrm>
             <a:off x="3884760" y="8685360"/>
-            <a:ext cx="2971440" cy="456840"/>
+            <a:ext cx="2971080" cy="456480"/>
           </a:xfrm>
           <a:prstGeom prst="rect">
             <a:avLst/>
@@ -585,8 +581,14 @@
             <a:noFill/>
           </a:ln>
         </p:spPr>
-        <p:txBody>
-          <a:bodyPr anchor="b">
+        <p:style>
+          <a:lnRef idx="0"/>
+          <a:fillRef idx="0"/>
+          <a:effectRef idx="0"/>
+          <a:fontRef idx="minor"/>
+        </p:style>
+        <p:txBody>
+          <a:bodyPr lIns="90000" rIns="90000" tIns="45000" bIns="45000" anchor="b">
             <a:noAutofit/>
           </a:bodyPr>
           <a:p>
@@ -595,7 +597,7 @@
                 <a:spcPct val="100000"/>
               </a:lnSpc>
             </a:pPr>
-            <a:fld id="{D01322B9-F976-47EF-9364-90CF0FEBB37B}" type="slidenum">
+            <a:fld id="{B7C66B4C-7A72-47F5-826D-0851BDAA654D}" type="slidenum">
               <a:rPr b="0" lang="en-US" sz="1200" spc="-1" strike="noStrike">
                 <a:latin typeface="Times New Roman"/>
                 <a:ea typeface="Lucida Sans Unicode"/>
@@ -603,14 +605,14 @@
               <a:t>&lt;number&gt;</a:t>
             </a:fld>
             <a:endParaRPr b="0" lang="en-CA" sz="1200" spc="-1" strike="noStrike">
-              <a:latin typeface="Times New Roman"/>
-            </a:endParaRPr>
-          </a:p>
-        </p:txBody>
-      </p:sp>
-      <p:sp>
-        <p:nvSpPr>
-          <p:cNvPr id="110" name="PlaceHolder 2"/>
+              <a:latin typeface="Arial"/>
+            </a:endParaRPr>
+          </a:p>
+        </p:txBody>
+      </p:sp>
+      <p:sp>
+        <p:nvSpPr>
+          <p:cNvPr id="115" name="PlaceHolder 2"/>
           <p:cNvSpPr>
             <a:spLocks noGrp="1"/>
           </p:cNvSpPr>
@@ -621,16 +623,16 @@
         <p:spPr>
           <a:xfrm>
             <a:off x="1143000" y="685800"/>
-            <a:ext cx="4571640" cy="3428640"/>
-          </a:xfrm>
-          <a:prstGeom prst="rect">
-            <a:avLst/>
-          </a:prstGeom>
-        </p:spPr>
-      </p:sp>
-      <p:sp>
-        <p:nvSpPr>
-          <p:cNvPr id="111" name="PlaceHolder 3"/>
+            <a:ext cx="4571280" cy="3428280"/>
+          </a:xfrm>
+          <a:prstGeom prst="rect">
+            <a:avLst/>
+          </a:prstGeom>
+        </p:spPr>
+      </p:sp>
+      <p:sp>
+        <p:nvSpPr>
+          <p:cNvPr id="116" name="PlaceHolder 3"/>
           <p:cNvSpPr>
             <a:spLocks noGrp="1"/>
           </p:cNvSpPr>
@@ -641,14 +643,14 @@
         <p:spPr>
           <a:xfrm>
             <a:off x="685800" y="4343400"/>
-            <a:ext cx="5486040" cy="4114440"/>
-          </a:xfrm>
-          <a:prstGeom prst="rect">
-            <a:avLst/>
-          </a:prstGeom>
-        </p:spPr>
-        <p:txBody>
-          <a:bodyPr>
+            <a:ext cx="5485680" cy="4114080"/>
+          </a:xfrm>
+          <a:prstGeom prst="rect">
+            <a:avLst/>
+          </a:prstGeom>
+        </p:spPr>
+        <p:txBody>
+          <a:bodyPr lIns="0" rIns="0" tIns="0" bIns="0">
             <a:noAutofit/>
           </a:bodyPr>
           <a:p>
@@ -714,8 +716,8 @@
         </p:nvSpPr>
         <p:spPr>
           <a:xfrm>
-            <a:off x="457200" y="274680"/>
-            <a:ext cx="8229240" cy="1142640"/>
+            <a:off x="457200" y="273600"/>
+            <a:ext cx="8229240" cy="1144800"/>
           </a:xfrm>
           <a:prstGeom prst="rect">
             <a:avLst/>
@@ -726,11 +728,8 @@
             <a:noAutofit/>
           </a:bodyPr>
           <a:p>
-            <a:pPr algn="r"/>
-            <a:endParaRPr b="0" lang="en-US" sz="4400" spc="-1" strike="noStrike">
-              <a:solidFill>
-                <a:srgbClr val="000000"/>
-              </a:solidFill>
+            <a:pPr algn="ctr"/>
+            <a:endParaRPr b="0" lang="en-CA" sz="4400" spc="-1" strike="noStrike">
               <a:latin typeface="Arial"/>
             </a:endParaRPr>
           </a:p>
@@ -748,8 +747,8 @@
         </p:nvSpPr>
         <p:spPr>
           <a:xfrm>
-            <a:off x="457200" y="1600200"/>
-            <a:ext cx="8229240" cy="2158560"/>
+            <a:off x="457200" y="1604520"/>
+            <a:ext cx="8229240" cy="1896840"/>
           </a:xfrm>
           <a:prstGeom prst="rect">
             <a:avLst/>
@@ -760,11 +759,8 @@
             <a:normAutofit/>
           </a:bodyPr>
           <a:p>
-            <a:endParaRPr b="0" lang="en-US" sz="3200" spc="-1" strike="noStrike">
-              <a:solidFill>
-                <a:srgbClr val="000000"/>
-              </a:solidFill>
-              <a:latin typeface="Calibri"/>
+            <a:endParaRPr b="0" lang="en-CA" sz="3200" spc="-1" strike="noStrike">
+              <a:latin typeface="Arial"/>
             </a:endParaRPr>
           </a:p>
         </p:txBody>
@@ -781,8 +777,8 @@
         </p:nvSpPr>
         <p:spPr>
           <a:xfrm>
-            <a:off x="457200" y="3964320"/>
-            <a:ext cx="8229240" cy="2158560"/>
+            <a:off x="457200" y="3682080"/>
+            <a:ext cx="8229240" cy="1896840"/>
           </a:xfrm>
           <a:prstGeom prst="rect">
             <a:avLst/>
@@ -793,11 +789,8 @@
             <a:normAutofit/>
           </a:bodyPr>
           <a:p>
-            <a:endParaRPr b="0" lang="en-US" sz="3200" spc="-1" strike="noStrike">
-              <a:solidFill>
-                <a:srgbClr val="000000"/>
-              </a:solidFill>
-              <a:latin typeface="Calibri"/>
+            <a:endParaRPr b="0" lang="en-CA" sz="3200" spc="-1" strike="noStrike">
+              <a:latin typeface="Arial"/>
             </a:endParaRPr>
           </a:p>
         </p:txBody>
@@ -836,8 +829,8 @@
         </p:nvSpPr>
         <p:spPr>
           <a:xfrm>
-            <a:off x="457200" y="274680"/>
-            <a:ext cx="8229240" cy="1142640"/>
+            <a:off x="457200" y="273600"/>
+            <a:ext cx="8229240" cy="1144800"/>
           </a:xfrm>
           <a:prstGeom prst="rect">
             <a:avLst/>
@@ -848,11 +841,8 @@
             <a:noAutofit/>
           </a:bodyPr>
           <a:p>
-            <a:pPr algn="r"/>
-            <a:endParaRPr b="0" lang="en-US" sz="4400" spc="-1" strike="noStrike">
-              <a:solidFill>
-                <a:srgbClr val="000000"/>
-              </a:solidFill>
+            <a:pPr algn="ctr"/>
+            <a:endParaRPr b="0" lang="en-CA" sz="4400" spc="-1" strike="noStrike">
               <a:latin typeface="Arial"/>
             </a:endParaRPr>
           </a:p>
@@ -870,8 +860,8 @@
         </p:nvSpPr>
         <p:spPr>
           <a:xfrm>
-            <a:off x="457200" y="1600200"/>
-            <a:ext cx="4015800" cy="2158560"/>
+            <a:off x="457200" y="1604520"/>
+            <a:ext cx="4015800" cy="1896840"/>
           </a:xfrm>
           <a:prstGeom prst="rect">
             <a:avLst/>
@@ -882,11 +872,8 @@
             <a:normAutofit/>
           </a:bodyPr>
           <a:p>
-            <a:endParaRPr b="0" lang="en-US" sz="3200" spc="-1" strike="noStrike">
-              <a:solidFill>
-                <a:srgbClr val="000000"/>
-              </a:solidFill>
-              <a:latin typeface="Calibri"/>
+            <a:endParaRPr b="0" lang="en-CA" sz="3200" spc="-1" strike="noStrike">
+              <a:latin typeface="Arial"/>
             </a:endParaRPr>
           </a:p>
         </p:txBody>
@@ -903,8 +890,8 @@
         </p:nvSpPr>
         <p:spPr>
           <a:xfrm>
-            <a:off x="4674240" y="1600200"/>
-            <a:ext cx="4015800" cy="2158560"/>
+            <a:off x="4674240" y="1604520"/>
+            <a:ext cx="4015800" cy="1896840"/>
           </a:xfrm>
           <a:prstGeom prst="rect">
             <a:avLst/>
@@ -915,11 +902,8 @@
             <a:normAutofit/>
           </a:bodyPr>
           <a:p>
-            <a:endParaRPr b="0" lang="en-US" sz="3200" spc="-1" strike="noStrike">
-              <a:solidFill>
-                <a:srgbClr val="000000"/>
-              </a:solidFill>
-              <a:latin typeface="Calibri"/>
+            <a:endParaRPr b="0" lang="en-CA" sz="3200" spc="-1" strike="noStrike">
+              <a:latin typeface="Arial"/>
             </a:endParaRPr>
           </a:p>
         </p:txBody>
@@ -936,8 +920,8 @@
         </p:nvSpPr>
         <p:spPr>
           <a:xfrm>
-            <a:off x="457200" y="3964320"/>
-            <a:ext cx="4015800" cy="2158560"/>
+            <a:off x="457200" y="3682080"/>
+            <a:ext cx="4015800" cy="1896840"/>
           </a:xfrm>
           <a:prstGeom prst="rect">
             <a:avLst/>
@@ -948,11 +932,8 @@
             <a:normAutofit/>
           </a:bodyPr>
           <a:p>
-            <a:endParaRPr b="0" lang="en-US" sz="3200" spc="-1" strike="noStrike">
-              <a:solidFill>
-                <a:srgbClr val="000000"/>
-              </a:solidFill>
-              <a:latin typeface="Calibri"/>
+            <a:endParaRPr b="0" lang="en-CA" sz="3200" spc="-1" strike="noStrike">
+              <a:latin typeface="Arial"/>
             </a:endParaRPr>
           </a:p>
         </p:txBody>
@@ -969,8 +950,8 @@
         </p:nvSpPr>
         <p:spPr>
           <a:xfrm>
-            <a:off x="4674240" y="3964320"/>
-            <a:ext cx="4015800" cy="2158560"/>
+            <a:off x="4674240" y="3682080"/>
+            <a:ext cx="4015800" cy="1896840"/>
           </a:xfrm>
           <a:prstGeom prst="rect">
             <a:avLst/>
@@ -981,11 +962,8 @@
             <a:normAutofit/>
           </a:bodyPr>
           <a:p>
-            <a:endParaRPr b="0" lang="en-US" sz="3200" spc="-1" strike="noStrike">
-              <a:solidFill>
-                <a:srgbClr val="000000"/>
-              </a:solidFill>
-              <a:latin typeface="Calibri"/>
+            <a:endParaRPr b="0" lang="en-CA" sz="3200" spc="-1" strike="noStrike">
+              <a:latin typeface="Arial"/>
             </a:endParaRPr>
           </a:p>
         </p:txBody>
@@ -1024,8 +1002,8 @@
         </p:nvSpPr>
         <p:spPr>
           <a:xfrm>
-            <a:off x="457200" y="274680"/>
-            <a:ext cx="8229240" cy="1142640"/>
+            <a:off x="457200" y="273600"/>
+            <a:ext cx="8229240" cy="1144800"/>
           </a:xfrm>
           <a:prstGeom prst="rect">
             <a:avLst/>
@@ -1036,11 +1014,8 @@
             <a:noAutofit/>
           </a:bodyPr>
           <a:p>
-            <a:pPr algn="r"/>
-            <a:endParaRPr b="0" lang="en-US" sz="4400" spc="-1" strike="noStrike">
-              <a:solidFill>
-                <a:srgbClr val="000000"/>
-              </a:solidFill>
+            <a:pPr algn="ctr"/>
+            <a:endParaRPr b="0" lang="en-CA" sz="4400" spc="-1" strike="noStrike">
               <a:latin typeface="Arial"/>
             </a:endParaRPr>
           </a:p>
@@ -1058,8 +1033,8 @@
         </p:nvSpPr>
         <p:spPr>
           <a:xfrm>
-            <a:off x="457200" y="1600200"/>
-            <a:ext cx="2649600" cy="2158560"/>
+            <a:off x="457200" y="1604520"/>
+            <a:ext cx="2649600" cy="1896840"/>
           </a:xfrm>
           <a:prstGeom prst="rect">
             <a:avLst/>
@@ -1070,11 +1045,8 @@
             <a:normAutofit/>
           </a:bodyPr>
           <a:p>
-            <a:endParaRPr b="0" lang="en-US" sz="3200" spc="-1" strike="noStrike">
-              <a:solidFill>
-                <a:srgbClr val="000000"/>
-              </a:solidFill>
-              <a:latin typeface="Calibri"/>
+            <a:endParaRPr b="0" lang="en-CA" sz="3200" spc="-1" strike="noStrike">
+              <a:latin typeface="Arial"/>
             </a:endParaRPr>
           </a:p>
         </p:txBody>
@@ -1091,8 +1063,8 @@
         </p:nvSpPr>
         <p:spPr>
           <a:xfrm>
-            <a:off x="3239640" y="1600200"/>
-            <a:ext cx="2649600" cy="2158560"/>
+            <a:off x="3239640" y="1604520"/>
+            <a:ext cx="2649600" cy="1896840"/>
           </a:xfrm>
           <a:prstGeom prst="rect">
             <a:avLst/>
@@ -1103,11 +1075,8 @@
             <a:normAutofit/>
           </a:bodyPr>
           <a:p>
-            <a:endParaRPr b="0" lang="en-US" sz="3200" spc="-1" strike="noStrike">
-              <a:solidFill>
-                <a:srgbClr val="000000"/>
-              </a:solidFill>
-              <a:latin typeface="Calibri"/>
+            <a:endParaRPr b="0" lang="en-CA" sz="3200" spc="-1" strike="noStrike">
+              <a:latin typeface="Arial"/>
             </a:endParaRPr>
           </a:p>
         </p:txBody>
@@ -1124,8 +1093,8 @@
         </p:nvSpPr>
         <p:spPr>
           <a:xfrm>
-            <a:off x="6022080" y="1600200"/>
-            <a:ext cx="2649600" cy="2158560"/>
+            <a:off x="6022080" y="1604520"/>
+            <a:ext cx="2649600" cy="1896840"/>
           </a:xfrm>
           <a:prstGeom prst="rect">
             <a:avLst/>
@@ -1136,11 +1105,8 @@
             <a:normAutofit/>
           </a:bodyPr>
           <a:p>
-            <a:endParaRPr b="0" lang="en-US" sz="3200" spc="-1" strike="noStrike">
-              <a:solidFill>
-                <a:srgbClr val="000000"/>
-              </a:solidFill>
-              <a:latin typeface="Calibri"/>
+            <a:endParaRPr b="0" lang="en-CA" sz="3200" spc="-1" strike="noStrike">
+              <a:latin typeface="Arial"/>
             </a:endParaRPr>
           </a:p>
         </p:txBody>
@@ -1157,8 +1123,8 @@
         </p:nvSpPr>
         <p:spPr>
           <a:xfrm>
-            <a:off x="457200" y="3964320"/>
-            <a:ext cx="2649600" cy="2158560"/>
+            <a:off x="457200" y="3682080"/>
+            <a:ext cx="2649600" cy="1896840"/>
           </a:xfrm>
           <a:prstGeom prst="rect">
             <a:avLst/>
@@ -1169,11 +1135,8 @@
             <a:normAutofit/>
           </a:bodyPr>
           <a:p>
-            <a:endParaRPr b="0" lang="en-US" sz="3200" spc="-1" strike="noStrike">
-              <a:solidFill>
-                <a:srgbClr val="000000"/>
-              </a:solidFill>
-              <a:latin typeface="Calibri"/>
+            <a:endParaRPr b="0" lang="en-CA" sz="3200" spc="-1" strike="noStrike">
+              <a:latin typeface="Arial"/>
             </a:endParaRPr>
           </a:p>
         </p:txBody>
@@ -1190,8 +1153,8 @@
         </p:nvSpPr>
         <p:spPr>
           <a:xfrm>
-            <a:off x="3239640" y="3964320"/>
-            <a:ext cx="2649600" cy="2158560"/>
+            <a:off x="3239640" y="3682080"/>
+            <a:ext cx="2649600" cy="1896840"/>
           </a:xfrm>
           <a:prstGeom prst="rect">
             <a:avLst/>
@@ -1202,11 +1165,8 @@
             <a:normAutofit/>
           </a:bodyPr>
           <a:p>
-            <a:endParaRPr b="0" lang="en-US" sz="3200" spc="-1" strike="noStrike">
-              <a:solidFill>
-                <a:srgbClr val="000000"/>
-              </a:solidFill>
-              <a:latin typeface="Calibri"/>
+            <a:endParaRPr b="0" lang="en-CA" sz="3200" spc="-1" strike="noStrike">
+              <a:latin typeface="Arial"/>
             </a:endParaRPr>
           </a:p>
         </p:txBody>
@@ -1223,8 +1183,8 @@
         </p:nvSpPr>
         <p:spPr>
           <a:xfrm>
-            <a:off x="6022080" y="3964320"/>
-            <a:ext cx="2649600" cy="2158560"/>
+            <a:off x="6022080" y="3682080"/>
+            <a:ext cx="2649600" cy="1896840"/>
           </a:xfrm>
           <a:prstGeom prst="rect">
             <a:avLst/>
@@ -1235,11 +1195,8 @@
             <a:normAutofit/>
           </a:bodyPr>
           <a:p>
-            <a:endParaRPr b="0" lang="en-US" sz="3200" spc="-1" strike="noStrike">
-              <a:solidFill>
-                <a:srgbClr val="000000"/>
-              </a:solidFill>
-              <a:latin typeface="Calibri"/>
+            <a:endParaRPr b="0" lang="en-CA" sz="3200" spc="-1" strike="noStrike">
+              <a:latin typeface="Arial"/>
             </a:endParaRPr>
           </a:p>
         </p:txBody>
@@ -1300,8 +1257,8 @@
         </p:nvSpPr>
         <p:spPr>
           <a:xfrm>
-            <a:off x="457200" y="274680"/>
-            <a:ext cx="8229240" cy="1142640"/>
+            <a:off x="457200" y="273600"/>
+            <a:ext cx="8229240" cy="1144800"/>
           </a:xfrm>
           <a:prstGeom prst="rect">
             <a:avLst/>
@@ -1312,11 +1269,8 @@
             <a:noAutofit/>
           </a:bodyPr>
           <a:p>
-            <a:pPr algn="r"/>
-            <a:endParaRPr b="0" lang="en-US" sz="4400" spc="-1" strike="noStrike">
-              <a:solidFill>
-                <a:srgbClr val="000000"/>
-              </a:solidFill>
+            <a:pPr algn="ctr"/>
+            <a:endParaRPr b="0" lang="en-CA" sz="4400" spc="-1" strike="noStrike">
               <a:latin typeface="Arial"/>
             </a:endParaRPr>
           </a:p>
@@ -1334,8 +1288,8 @@
         </p:nvSpPr>
         <p:spPr>
           <a:xfrm>
-            <a:off x="457200" y="1600200"/>
-            <a:ext cx="8229240" cy="4525560"/>
+            <a:off x="457200" y="1604520"/>
+            <a:ext cx="8229240" cy="3977280"/>
           </a:xfrm>
           <a:prstGeom prst="rect">
             <a:avLst/>
@@ -1387,8 +1341,8 @@
         </p:nvSpPr>
         <p:spPr>
           <a:xfrm>
-            <a:off x="457200" y="274680"/>
-            <a:ext cx="8229240" cy="1142640"/>
+            <a:off x="457200" y="273600"/>
+            <a:ext cx="8229240" cy="1144800"/>
           </a:xfrm>
           <a:prstGeom prst="rect">
             <a:avLst/>
@@ -1399,11 +1353,8 @@
             <a:noAutofit/>
           </a:bodyPr>
           <a:p>
-            <a:pPr algn="r"/>
-            <a:endParaRPr b="0" lang="en-US" sz="4400" spc="-1" strike="noStrike">
-              <a:solidFill>
-                <a:srgbClr val="000000"/>
-              </a:solidFill>
+            <a:pPr algn="ctr"/>
+            <a:endParaRPr b="0" lang="en-CA" sz="4400" spc="-1" strike="noStrike">
               <a:latin typeface="Arial"/>
             </a:endParaRPr>
           </a:p>
@@ -1421,8 +1372,8 @@
         </p:nvSpPr>
         <p:spPr>
           <a:xfrm>
-            <a:off x="457200" y="1600200"/>
-            <a:ext cx="8229240" cy="4525560"/>
+            <a:off x="457200" y="1604520"/>
+            <a:ext cx="8229240" cy="3977280"/>
           </a:xfrm>
           <a:prstGeom prst="rect">
             <a:avLst/>
@@ -1433,11 +1384,8 @@
             <a:normAutofit/>
           </a:bodyPr>
           <a:p>
-            <a:endParaRPr b="0" lang="en-US" sz="3200" spc="-1" strike="noStrike">
-              <a:solidFill>
-                <a:srgbClr val="000000"/>
-              </a:solidFill>
-              <a:latin typeface="Calibri"/>
+            <a:endParaRPr b="0" lang="en-CA" sz="3200" spc="-1" strike="noStrike">
+              <a:latin typeface="Arial"/>
             </a:endParaRPr>
           </a:p>
         </p:txBody>
@@ -1476,8 +1424,8 @@
         </p:nvSpPr>
         <p:spPr>
           <a:xfrm>
-            <a:off x="457200" y="274680"/>
-            <a:ext cx="8229240" cy="1142640"/>
+            <a:off x="457200" y="273600"/>
+            <a:ext cx="8229240" cy="1144800"/>
           </a:xfrm>
           <a:prstGeom prst="rect">
             <a:avLst/>
@@ -1488,11 +1436,8 @@
             <a:noAutofit/>
           </a:bodyPr>
           <a:p>
-            <a:pPr algn="r"/>
-            <a:endParaRPr b="0" lang="en-US" sz="4400" spc="-1" strike="noStrike">
-              <a:solidFill>
-                <a:srgbClr val="000000"/>
-              </a:solidFill>
+            <a:pPr algn="ctr"/>
+            <a:endParaRPr b="0" lang="en-CA" sz="4400" spc="-1" strike="noStrike">
               <a:latin typeface="Arial"/>
             </a:endParaRPr>
           </a:p>
@@ -1510,8 +1455,8 @@
         </p:nvSpPr>
         <p:spPr>
           <a:xfrm>
-            <a:off x="457200" y="1600200"/>
-            <a:ext cx="4015800" cy="4525560"/>
+            <a:off x="457200" y="1604520"/>
+            <a:ext cx="4015800" cy="3977280"/>
           </a:xfrm>
           <a:prstGeom prst="rect">
             <a:avLst/>
@@ -1522,11 +1467,8 @@
             <a:normAutofit/>
           </a:bodyPr>
           <a:p>
-            <a:endParaRPr b="0" lang="en-US" sz="3200" spc="-1" strike="noStrike">
-              <a:solidFill>
-                <a:srgbClr val="000000"/>
-              </a:solidFill>
-              <a:latin typeface="Calibri"/>
+            <a:endParaRPr b="0" lang="en-CA" sz="3200" spc="-1" strike="noStrike">
+              <a:latin typeface="Arial"/>
             </a:endParaRPr>
           </a:p>
         </p:txBody>
@@ -1543,8 +1485,8 @@
         </p:nvSpPr>
         <p:spPr>
           <a:xfrm>
-            <a:off x="4674240" y="1600200"/>
-            <a:ext cx="4015800" cy="4525560"/>
+            <a:off x="4674240" y="1604520"/>
+            <a:ext cx="4015800" cy="3977280"/>
           </a:xfrm>
           <a:prstGeom prst="rect">
             <a:avLst/>
@@ -1555,11 +1497,8 @@
             <a:normAutofit/>
           </a:bodyPr>
           <a:p>
-            <a:endParaRPr b="0" lang="en-US" sz="3200" spc="-1" strike="noStrike">
-              <a:solidFill>
-                <a:srgbClr val="000000"/>
-              </a:solidFill>
-              <a:latin typeface="Calibri"/>
+            <a:endParaRPr b="0" lang="en-CA" sz="3200" spc="-1" strike="noStrike">
+              <a:latin typeface="Arial"/>
             </a:endParaRPr>
           </a:p>
         </p:txBody>
@@ -1598,8 +1537,8 @@
         </p:nvSpPr>
         <p:spPr>
           <a:xfrm>
-            <a:off x="457200" y="274680"/>
-            <a:ext cx="8229240" cy="1142640"/>
+            <a:off x="457200" y="273600"/>
+            <a:ext cx="8229240" cy="1144800"/>
           </a:xfrm>
           <a:prstGeom prst="rect">
             <a:avLst/>
@@ -1610,11 +1549,8 @@
             <a:noAutofit/>
           </a:bodyPr>
           <a:p>
-            <a:pPr algn="r"/>
-            <a:endParaRPr b="0" lang="en-US" sz="4400" spc="-1" strike="noStrike">
-              <a:solidFill>
-                <a:srgbClr val="000000"/>
-              </a:solidFill>
+            <a:pPr algn="ctr"/>
+            <a:endParaRPr b="0" lang="en-CA" sz="4400" spc="-1" strike="noStrike">
               <a:latin typeface="Arial"/>
             </a:endParaRPr>
           </a:p>
@@ -1654,8 +1590,8 @@
         </p:nvSpPr>
         <p:spPr>
           <a:xfrm>
-            <a:off x="457200" y="274680"/>
-            <a:ext cx="8229240" cy="5297760"/>
+            <a:off x="457200" y="273600"/>
+            <a:ext cx="8229240" cy="5307840"/>
           </a:xfrm>
           <a:prstGeom prst="rect">
             <a:avLst/>
@@ -1707,8 +1643,8 @@
         </p:nvSpPr>
         <p:spPr>
           <a:xfrm>
-            <a:off x="457200" y="274680"/>
-            <a:ext cx="8229240" cy="1142640"/>
+            <a:off x="457200" y="273600"/>
+            <a:ext cx="8229240" cy="1144800"/>
           </a:xfrm>
           <a:prstGeom prst="rect">
             <a:avLst/>
@@ -1719,11 +1655,8 @@
             <a:noAutofit/>
           </a:bodyPr>
           <a:p>
-            <a:pPr algn="r"/>
-            <a:endParaRPr b="0" lang="en-US" sz="4400" spc="-1" strike="noStrike">
-              <a:solidFill>
-                <a:srgbClr val="000000"/>
-              </a:solidFill>
+            <a:pPr algn="ctr"/>
+            <a:endParaRPr b="0" lang="en-CA" sz="4400" spc="-1" strike="noStrike">
               <a:latin typeface="Arial"/>
             </a:endParaRPr>
           </a:p>
@@ -1741,8 +1674,8 @@
         </p:nvSpPr>
         <p:spPr>
           <a:xfrm>
-            <a:off x="457200" y="1600200"/>
-            <a:ext cx="4015800" cy="2158560"/>
+            <a:off x="457200" y="1604520"/>
+            <a:ext cx="4015800" cy="1896840"/>
           </a:xfrm>
           <a:prstGeom prst="rect">
             <a:avLst/>
@@ -1753,11 +1686,8 @@
             <a:normAutofit/>
           </a:bodyPr>
           <a:p>
-            <a:endParaRPr b="0" lang="en-US" sz="3200" spc="-1" strike="noStrike">
-              <a:solidFill>
-                <a:srgbClr val="000000"/>
-              </a:solidFill>
-              <a:latin typeface="Calibri"/>
+            <a:endParaRPr b="0" lang="en-CA" sz="3200" spc="-1" strike="noStrike">
+              <a:latin typeface="Arial"/>
             </a:endParaRPr>
           </a:p>
         </p:txBody>
@@ -1774,8 +1704,8 @@
         </p:nvSpPr>
         <p:spPr>
           <a:xfrm>
-            <a:off x="4674240" y="1600200"/>
-            <a:ext cx="4015800" cy="4525560"/>
+            <a:off x="4674240" y="1604520"/>
+            <a:ext cx="4015800" cy="3977280"/>
           </a:xfrm>
           <a:prstGeom prst="rect">
             <a:avLst/>
@@ -1786,11 +1716,8 @@
             <a:normAutofit/>
           </a:bodyPr>
           <a:p>
-            <a:endParaRPr b="0" lang="en-US" sz="3200" spc="-1" strike="noStrike">
-              <a:solidFill>
-                <a:srgbClr val="000000"/>
-              </a:solidFill>
-              <a:latin typeface="Calibri"/>
+            <a:endParaRPr b="0" lang="en-CA" sz="3200" spc="-1" strike="noStrike">
+              <a:latin typeface="Arial"/>
             </a:endParaRPr>
           </a:p>
         </p:txBody>
@@ -1807,8 +1734,8 @@
         </p:nvSpPr>
         <p:spPr>
           <a:xfrm>
-            <a:off x="457200" y="3964320"/>
-            <a:ext cx="4015800" cy="2158560"/>
+            <a:off x="457200" y="3682080"/>
+            <a:ext cx="4015800" cy="1896840"/>
           </a:xfrm>
           <a:prstGeom prst="rect">
             <a:avLst/>
@@ -1819,11 +1746,8 @@
             <a:normAutofit/>
           </a:bodyPr>
           <a:p>
-            <a:endParaRPr b="0" lang="en-US" sz="3200" spc="-1" strike="noStrike">
-              <a:solidFill>
-                <a:srgbClr val="000000"/>
-              </a:solidFill>
-              <a:latin typeface="Calibri"/>
+            <a:endParaRPr b="0" lang="en-CA" sz="3200" spc="-1" strike="noStrike">
+              <a:latin typeface="Arial"/>
             </a:endParaRPr>
           </a:p>
         </p:txBody>
@@ -1862,8 +1786,8 @@
         </p:nvSpPr>
         <p:spPr>
           <a:xfrm>
-            <a:off x="457200" y="274680"/>
-            <a:ext cx="8229240" cy="1142640"/>
+            <a:off x="457200" y="273600"/>
+            <a:ext cx="8229240" cy="1144800"/>
           </a:xfrm>
           <a:prstGeom prst="rect">
             <a:avLst/>
@@ -1874,11 +1798,8 @@
             <a:noAutofit/>
           </a:bodyPr>
           <a:p>
-            <a:pPr algn="r"/>
-            <a:endParaRPr b="0" lang="en-US" sz="4400" spc="-1" strike="noStrike">
-              <a:solidFill>
-                <a:srgbClr val="000000"/>
-              </a:solidFill>
+            <a:pPr algn="ctr"/>
+            <a:endParaRPr b="0" lang="en-CA" sz="4400" spc="-1" strike="noStrike">
               <a:latin typeface="Arial"/>
             </a:endParaRPr>
           </a:p>
@@ -1896,8 +1817,8 @@
         </p:nvSpPr>
         <p:spPr>
           <a:xfrm>
-            <a:off x="457200" y="1600200"/>
-            <a:ext cx="8229240" cy="4525560"/>
+            <a:off x="457200" y="1604520"/>
+            <a:ext cx="8229240" cy="3977280"/>
           </a:xfrm>
           <a:prstGeom prst="rect">
             <a:avLst/>
@@ -1949,8 +1870,8 @@
         </p:nvSpPr>
         <p:spPr>
           <a:xfrm>
-            <a:off x="457200" y="274680"/>
-            <a:ext cx="8229240" cy="1142640"/>
+            <a:off x="457200" y="273600"/>
+            <a:ext cx="8229240" cy="1144800"/>
           </a:xfrm>
           <a:prstGeom prst="rect">
             <a:avLst/>
@@ -1961,11 +1882,8 @@
             <a:noAutofit/>
           </a:bodyPr>
           <a:p>
-            <a:pPr algn="r"/>
-            <a:endParaRPr b="0" lang="en-US" sz="4400" spc="-1" strike="noStrike">
-              <a:solidFill>
-                <a:srgbClr val="000000"/>
-              </a:solidFill>
+            <a:pPr algn="ctr"/>
+            <a:endParaRPr b="0" lang="en-CA" sz="4400" spc="-1" strike="noStrike">
               <a:latin typeface="Arial"/>
             </a:endParaRPr>
           </a:p>
@@ -1983,8 +1901,8 @@
         </p:nvSpPr>
         <p:spPr>
           <a:xfrm>
-            <a:off x="457200" y="1600200"/>
-            <a:ext cx="4015800" cy="4525560"/>
+            <a:off x="457200" y="1604520"/>
+            <a:ext cx="4015800" cy="3977280"/>
           </a:xfrm>
           <a:prstGeom prst="rect">
             <a:avLst/>
@@ -1995,11 +1913,8 @@
             <a:normAutofit/>
           </a:bodyPr>
           <a:p>
-            <a:endParaRPr b="0" lang="en-US" sz="3200" spc="-1" strike="noStrike">
-              <a:solidFill>
-                <a:srgbClr val="000000"/>
-              </a:solidFill>
-              <a:latin typeface="Calibri"/>
+            <a:endParaRPr b="0" lang="en-CA" sz="3200" spc="-1" strike="noStrike">
+              <a:latin typeface="Arial"/>
             </a:endParaRPr>
           </a:p>
         </p:txBody>
@@ -2016,8 +1931,8 @@
         </p:nvSpPr>
         <p:spPr>
           <a:xfrm>
-            <a:off x="4674240" y="1600200"/>
-            <a:ext cx="4015800" cy="2158560"/>
+            <a:off x="4674240" y="1604520"/>
+            <a:ext cx="4015800" cy="1896840"/>
           </a:xfrm>
           <a:prstGeom prst="rect">
             <a:avLst/>
@@ -2028,11 +1943,8 @@
             <a:normAutofit/>
           </a:bodyPr>
           <a:p>
-            <a:endParaRPr b="0" lang="en-US" sz="3200" spc="-1" strike="noStrike">
-              <a:solidFill>
-                <a:srgbClr val="000000"/>
-              </a:solidFill>
-              <a:latin typeface="Calibri"/>
+            <a:endParaRPr b="0" lang="en-CA" sz="3200" spc="-1" strike="noStrike">
+              <a:latin typeface="Arial"/>
             </a:endParaRPr>
           </a:p>
         </p:txBody>
@@ -2049,8 +1961,8 @@
         </p:nvSpPr>
         <p:spPr>
           <a:xfrm>
-            <a:off x="4674240" y="3964320"/>
-            <a:ext cx="4015800" cy="2158560"/>
+            <a:off x="4674240" y="3682080"/>
+            <a:ext cx="4015800" cy="1896840"/>
           </a:xfrm>
           <a:prstGeom prst="rect">
             <a:avLst/>
@@ -2061,11 +1973,8 @@
             <a:normAutofit/>
           </a:bodyPr>
           <a:p>
-            <a:endParaRPr b="0" lang="en-US" sz="3200" spc="-1" strike="noStrike">
-              <a:solidFill>
-                <a:srgbClr val="000000"/>
-              </a:solidFill>
-              <a:latin typeface="Calibri"/>
+            <a:endParaRPr b="0" lang="en-CA" sz="3200" spc="-1" strike="noStrike">
+              <a:latin typeface="Arial"/>
             </a:endParaRPr>
           </a:p>
         </p:txBody>
@@ -2104,8 +2013,8 @@
         </p:nvSpPr>
         <p:spPr>
           <a:xfrm>
-            <a:off x="457200" y="274680"/>
-            <a:ext cx="8229240" cy="1142640"/>
+            <a:off x="457200" y="273600"/>
+            <a:ext cx="8229240" cy="1144800"/>
           </a:xfrm>
           <a:prstGeom prst="rect">
             <a:avLst/>
@@ -2116,11 +2025,8 @@
             <a:noAutofit/>
           </a:bodyPr>
           <a:p>
-            <a:pPr algn="r"/>
-            <a:endParaRPr b="0" lang="en-US" sz="4400" spc="-1" strike="noStrike">
-              <a:solidFill>
-                <a:srgbClr val="000000"/>
-              </a:solidFill>
+            <a:pPr algn="ctr"/>
+            <a:endParaRPr b="0" lang="en-CA" sz="4400" spc="-1" strike="noStrike">
               <a:latin typeface="Arial"/>
             </a:endParaRPr>
           </a:p>
@@ -2138,8 +2044,8 @@
         </p:nvSpPr>
         <p:spPr>
           <a:xfrm>
-            <a:off x="457200" y="1600200"/>
-            <a:ext cx="4015800" cy="2158560"/>
+            <a:off x="457200" y="1604520"/>
+            <a:ext cx="4015800" cy="1896840"/>
           </a:xfrm>
           <a:prstGeom prst="rect">
             <a:avLst/>
@@ -2150,11 +2056,8 @@
             <a:normAutofit/>
           </a:bodyPr>
           <a:p>
-            <a:endParaRPr b="0" lang="en-US" sz="3200" spc="-1" strike="noStrike">
-              <a:solidFill>
-                <a:srgbClr val="000000"/>
-              </a:solidFill>
-              <a:latin typeface="Calibri"/>
+            <a:endParaRPr b="0" lang="en-CA" sz="3200" spc="-1" strike="noStrike">
+              <a:latin typeface="Arial"/>
             </a:endParaRPr>
           </a:p>
         </p:txBody>
@@ -2171,8 +2074,8 @@
         </p:nvSpPr>
         <p:spPr>
           <a:xfrm>
-            <a:off x="4674240" y="1600200"/>
-            <a:ext cx="4015800" cy="2158560"/>
+            <a:off x="4674240" y="1604520"/>
+            <a:ext cx="4015800" cy="1896840"/>
           </a:xfrm>
           <a:prstGeom prst="rect">
             <a:avLst/>
@@ -2183,11 +2086,8 @@
             <a:normAutofit/>
           </a:bodyPr>
           <a:p>
-            <a:endParaRPr b="0" lang="en-US" sz="3200" spc="-1" strike="noStrike">
-              <a:solidFill>
-                <a:srgbClr val="000000"/>
-              </a:solidFill>
-              <a:latin typeface="Calibri"/>
+            <a:endParaRPr b="0" lang="en-CA" sz="3200" spc="-1" strike="noStrike">
+              <a:latin typeface="Arial"/>
             </a:endParaRPr>
           </a:p>
         </p:txBody>
@@ -2204,8 +2104,8 @@
         </p:nvSpPr>
         <p:spPr>
           <a:xfrm>
-            <a:off x="457200" y="3964320"/>
-            <a:ext cx="8229240" cy="2158560"/>
+            <a:off x="457200" y="3682080"/>
+            <a:ext cx="8229240" cy="1896840"/>
           </a:xfrm>
           <a:prstGeom prst="rect">
             <a:avLst/>
@@ -2216,11 +2116,8 @@
             <a:normAutofit/>
           </a:bodyPr>
           <a:p>
-            <a:endParaRPr b="0" lang="en-US" sz="3200" spc="-1" strike="noStrike">
-              <a:solidFill>
-                <a:srgbClr val="000000"/>
-              </a:solidFill>
-              <a:latin typeface="Calibri"/>
+            <a:endParaRPr b="0" lang="en-CA" sz="3200" spc="-1" strike="noStrike">
+              <a:latin typeface="Arial"/>
             </a:endParaRPr>
           </a:p>
         </p:txBody>
@@ -2259,8 +2156,8 @@
         </p:nvSpPr>
         <p:spPr>
           <a:xfrm>
-            <a:off x="457200" y="274680"/>
-            <a:ext cx="8229240" cy="1142640"/>
+            <a:off x="457200" y="273600"/>
+            <a:ext cx="8229240" cy="1144800"/>
           </a:xfrm>
           <a:prstGeom prst="rect">
             <a:avLst/>
@@ -2271,11 +2168,8 @@
             <a:noAutofit/>
           </a:bodyPr>
           <a:p>
-            <a:pPr algn="r"/>
-            <a:endParaRPr b="0" lang="en-US" sz="4400" spc="-1" strike="noStrike">
-              <a:solidFill>
-                <a:srgbClr val="000000"/>
-              </a:solidFill>
+            <a:pPr algn="ctr"/>
+            <a:endParaRPr b="0" lang="en-CA" sz="4400" spc="-1" strike="noStrike">
               <a:latin typeface="Arial"/>
             </a:endParaRPr>
           </a:p>
@@ -2293,8 +2187,8 @@
         </p:nvSpPr>
         <p:spPr>
           <a:xfrm>
-            <a:off x="457200" y="1600200"/>
-            <a:ext cx="8229240" cy="2158560"/>
+            <a:off x="457200" y="1604520"/>
+            <a:ext cx="8229240" cy="1896840"/>
           </a:xfrm>
           <a:prstGeom prst="rect">
             <a:avLst/>
@@ -2305,11 +2199,8 @@
             <a:normAutofit/>
           </a:bodyPr>
           <a:p>
-            <a:endParaRPr b="0" lang="en-US" sz="3200" spc="-1" strike="noStrike">
-              <a:solidFill>
-                <a:srgbClr val="000000"/>
-              </a:solidFill>
-              <a:latin typeface="Calibri"/>
+            <a:endParaRPr b="0" lang="en-CA" sz="3200" spc="-1" strike="noStrike">
+              <a:latin typeface="Arial"/>
             </a:endParaRPr>
           </a:p>
         </p:txBody>
@@ -2326,8 +2217,8 @@
         </p:nvSpPr>
         <p:spPr>
           <a:xfrm>
-            <a:off x="457200" y="3964320"/>
-            <a:ext cx="8229240" cy="2158560"/>
+            <a:off x="457200" y="3682080"/>
+            <a:ext cx="8229240" cy="1896840"/>
           </a:xfrm>
           <a:prstGeom prst="rect">
             <a:avLst/>
@@ -2338,11 +2229,8 @@
             <a:normAutofit/>
           </a:bodyPr>
           <a:p>
-            <a:endParaRPr b="0" lang="en-US" sz="3200" spc="-1" strike="noStrike">
-              <a:solidFill>
-                <a:srgbClr val="000000"/>
-              </a:solidFill>
-              <a:latin typeface="Calibri"/>
+            <a:endParaRPr b="0" lang="en-CA" sz="3200" spc="-1" strike="noStrike">
+              <a:latin typeface="Arial"/>
             </a:endParaRPr>
           </a:p>
         </p:txBody>
@@ -2381,8 +2269,8 @@
         </p:nvSpPr>
         <p:spPr>
           <a:xfrm>
-            <a:off x="457200" y="274680"/>
-            <a:ext cx="8229240" cy="1142640"/>
+            <a:off x="457200" y="273600"/>
+            <a:ext cx="8229240" cy="1144800"/>
           </a:xfrm>
           <a:prstGeom prst="rect">
             <a:avLst/>
@@ -2393,11 +2281,8 @@
             <a:noAutofit/>
           </a:bodyPr>
           <a:p>
-            <a:pPr algn="r"/>
-            <a:endParaRPr b="0" lang="en-US" sz="4400" spc="-1" strike="noStrike">
-              <a:solidFill>
-                <a:srgbClr val="000000"/>
-              </a:solidFill>
+            <a:pPr algn="ctr"/>
+            <a:endParaRPr b="0" lang="en-CA" sz="4400" spc="-1" strike="noStrike">
               <a:latin typeface="Arial"/>
             </a:endParaRPr>
           </a:p>
@@ -2415,8 +2300,8 @@
         </p:nvSpPr>
         <p:spPr>
           <a:xfrm>
-            <a:off x="457200" y="1600200"/>
-            <a:ext cx="4015800" cy="2158560"/>
+            <a:off x="457200" y="1604520"/>
+            <a:ext cx="4015800" cy="1896840"/>
           </a:xfrm>
           <a:prstGeom prst="rect">
             <a:avLst/>
@@ -2427,11 +2312,8 @@
             <a:normAutofit/>
           </a:bodyPr>
           <a:p>
-            <a:endParaRPr b="0" lang="en-US" sz="3200" spc="-1" strike="noStrike">
-              <a:solidFill>
-                <a:srgbClr val="000000"/>
-              </a:solidFill>
-              <a:latin typeface="Calibri"/>
+            <a:endParaRPr b="0" lang="en-CA" sz="3200" spc="-1" strike="noStrike">
+              <a:latin typeface="Arial"/>
             </a:endParaRPr>
           </a:p>
         </p:txBody>
@@ -2448,8 +2330,8 @@
         </p:nvSpPr>
         <p:spPr>
           <a:xfrm>
-            <a:off x="4674240" y="1600200"/>
-            <a:ext cx="4015800" cy="2158560"/>
+            <a:off x="4674240" y="1604520"/>
+            <a:ext cx="4015800" cy="1896840"/>
           </a:xfrm>
           <a:prstGeom prst="rect">
             <a:avLst/>
@@ -2460,11 +2342,8 @@
             <a:normAutofit/>
           </a:bodyPr>
           <a:p>
-            <a:endParaRPr b="0" lang="en-US" sz="3200" spc="-1" strike="noStrike">
-              <a:solidFill>
-                <a:srgbClr val="000000"/>
-              </a:solidFill>
-              <a:latin typeface="Calibri"/>
+            <a:endParaRPr b="0" lang="en-CA" sz="3200" spc="-1" strike="noStrike">
+              <a:latin typeface="Arial"/>
             </a:endParaRPr>
           </a:p>
         </p:txBody>
@@ -2481,8 +2360,8 @@
         </p:nvSpPr>
         <p:spPr>
           <a:xfrm>
-            <a:off x="457200" y="3964320"/>
-            <a:ext cx="4015800" cy="2158560"/>
+            <a:off x="457200" y="3682080"/>
+            <a:ext cx="4015800" cy="1896840"/>
           </a:xfrm>
           <a:prstGeom prst="rect">
             <a:avLst/>
@@ -2493,11 +2372,8 @@
             <a:normAutofit/>
           </a:bodyPr>
           <a:p>
-            <a:endParaRPr b="0" lang="en-US" sz="3200" spc="-1" strike="noStrike">
-              <a:solidFill>
-                <a:srgbClr val="000000"/>
-              </a:solidFill>
-              <a:latin typeface="Calibri"/>
+            <a:endParaRPr b="0" lang="en-CA" sz="3200" spc="-1" strike="noStrike">
+              <a:latin typeface="Arial"/>
             </a:endParaRPr>
           </a:p>
         </p:txBody>
@@ -2514,8 +2390,8 @@
         </p:nvSpPr>
         <p:spPr>
           <a:xfrm>
-            <a:off x="4674240" y="3964320"/>
-            <a:ext cx="4015800" cy="2158560"/>
+            <a:off x="4674240" y="3682080"/>
+            <a:ext cx="4015800" cy="1896840"/>
           </a:xfrm>
           <a:prstGeom prst="rect">
             <a:avLst/>
@@ -2526,11 +2402,8 @@
             <a:normAutofit/>
           </a:bodyPr>
           <a:p>
-            <a:endParaRPr b="0" lang="en-US" sz="3200" spc="-1" strike="noStrike">
-              <a:solidFill>
-                <a:srgbClr val="000000"/>
-              </a:solidFill>
-              <a:latin typeface="Calibri"/>
+            <a:endParaRPr b="0" lang="en-CA" sz="3200" spc="-1" strike="noStrike">
+              <a:latin typeface="Arial"/>
             </a:endParaRPr>
           </a:p>
         </p:txBody>
@@ -2569,8 +2442,8 @@
         </p:nvSpPr>
         <p:spPr>
           <a:xfrm>
-            <a:off x="457200" y="274680"/>
-            <a:ext cx="8229240" cy="1142640"/>
+            <a:off x="457200" y="273600"/>
+            <a:ext cx="8229240" cy="1144800"/>
           </a:xfrm>
           <a:prstGeom prst="rect">
             <a:avLst/>
@@ -2581,11 +2454,8 @@
             <a:noAutofit/>
           </a:bodyPr>
           <a:p>
-            <a:pPr algn="r"/>
-            <a:endParaRPr b="0" lang="en-US" sz="4400" spc="-1" strike="noStrike">
-              <a:solidFill>
-                <a:srgbClr val="000000"/>
-              </a:solidFill>
+            <a:pPr algn="ctr"/>
+            <a:endParaRPr b="0" lang="en-CA" sz="4400" spc="-1" strike="noStrike">
               <a:latin typeface="Arial"/>
             </a:endParaRPr>
           </a:p>
@@ -2603,8 +2473,8 @@
         </p:nvSpPr>
         <p:spPr>
           <a:xfrm>
-            <a:off x="457200" y="1600200"/>
-            <a:ext cx="2649600" cy="2158560"/>
+            <a:off x="457200" y="1604520"/>
+            <a:ext cx="2649600" cy="1896840"/>
           </a:xfrm>
           <a:prstGeom prst="rect">
             <a:avLst/>
@@ -2615,11 +2485,8 @@
             <a:normAutofit/>
           </a:bodyPr>
           <a:p>
-            <a:endParaRPr b="0" lang="en-US" sz="3200" spc="-1" strike="noStrike">
-              <a:solidFill>
-                <a:srgbClr val="000000"/>
-              </a:solidFill>
-              <a:latin typeface="Calibri"/>
+            <a:endParaRPr b="0" lang="en-CA" sz="3200" spc="-1" strike="noStrike">
+              <a:latin typeface="Arial"/>
             </a:endParaRPr>
           </a:p>
         </p:txBody>
@@ -2636,8 +2503,8 @@
         </p:nvSpPr>
         <p:spPr>
           <a:xfrm>
-            <a:off x="3239640" y="1600200"/>
-            <a:ext cx="2649600" cy="2158560"/>
+            <a:off x="3239640" y="1604520"/>
+            <a:ext cx="2649600" cy="1896840"/>
           </a:xfrm>
           <a:prstGeom prst="rect">
             <a:avLst/>
@@ -2648,11 +2515,8 @@
             <a:normAutofit/>
           </a:bodyPr>
           <a:p>
-            <a:endParaRPr b="0" lang="en-US" sz="3200" spc="-1" strike="noStrike">
-              <a:solidFill>
-                <a:srgbClr val="000000"/>
-              </a:solidFill>
-              <a:latin typeface="Calibri"/>
+            <a:endParaRPr b="0" lang="en-CA" sz="3200" spc="-1" strike="noStrike">
+              <a:latin typeface="Arial"/>
             </a:endParaRPr>
           </a:p>
         </p:txBody>
@@ -2669,8 +2533,8 @@
         </p:nvSpPr>
         <p:spPr>
           <a:xfrm>
-            <a:off x="6022080" y="1600200"/>
-            <a:ext cx="2649600" cy="2158560"/>
+            <a:off x="6022080" y="1604520"/>
+            <a:ext cx="2649600" cy="1896840"/>
           </a:xfrm>
           <a:prstGeom prst="rect">
             <a:avLst/>
@@ -2681,11 +2545,8 @@
             <a:normAutofit/>
           </a:bodyPr>
           <a:p>
-            <a:endParaRPr b="0" lang="en-US" sz="3200" spc="-1" strike="noStrike">
-              <a:solidFill>
-                <a:srgbClr val="000000"/>
-              </a:solidFill>
-              <a:latin typeface="Calibri"/>
+            <a:endParaRPr b="0" lang="en-CA" sz="3200" spc="-1" strike="noStrike">
+              <a:latin typeface="Arial"/>
             </a:endParaRPr>
           </a:p>
         </p:txBody>
@@ -2702,8 +2563,8 @@
         </p:nvSpPr>
         <p:spPr>
           <a:xfrm>
-            <a:off x="457200" y="3964320"/>
-            <a:ext cx="2649600" cy="2158560"/>
+            <a:off x="457200" y="3682080"/>
+            <a:ext cx="2649600" cy="1896840"/>
           </a:xfrm>
           <a:prstGeom prst="rect">
             <a:avLst/>
@@ -2714,11 +2575,8 @@
             <a:normAutofit/>
           </a:bodyPr>
           <a:p>
-            <a:endParaRPr b="0" lang="en-US" sz="3200" spc="-1" strike="noStrike">
-              <a:solidFill>
-                <a:srgbClr val="000000"/>
-              </a:solidFill>
-              <a:latin typeface="Calibri"/>
+            <a:endParaRPr b="0" lang="en-CA" sz="3200" spc="-1" strike="noStrike">
+              <a:latin typeface="Arial"/>
             </a:endParaRPr>
           </a:p>
         </p:txBody>
@@ -2735,8 +2593,8 @@
         </p:nvSpPr>
         <p:spPr>
           <a:xfrm>
-            <a:off x="3239640" y="3964320"/>
-            <a:ext cx="2649600" cy="2158560"/>
+            <a:off x="3239640" y="3682080"/>
+            <a:ext cx="2649600" cy="1896840"/>
           </a:xfrm>
           <a:prstGeom prst="rect">
             <a:avLst/>
@@ -2747,11 +2605,8 @@
             <a:normAutofit/>
           </a:bodyPr>
           <a:p>
-            <a:endParaRPr b="0" lang="en-US" sz="3200" spc="-1" strike="noStrike">
-              <a:solidFill>
-                <a:srgbClr val="000000"/>
-              </a:solidFill>
-              <a:latin typeface="Calibri"/>
+            <a:endParaRPr b="0" lang="en-CA" sz="3200" spc="-1" strike="noStrike">
+              <a:latin typeface="Arial"/>
             </a:endParaRPr>
           </a:p>
         </p:txBody>
@@ -2768,8 +2623,8 @@
         </p:nvSpPr>
         <p:spPr>
           <a:xfrm>
-            <a:off x="6022080" y="3964320"/>
-            <a:ext cx="2649600" cy="2158560"/>
+            <a:off x="6022080" y="3682080"/>
+            <a:ext cx="2649600" cy="1896840"/>
           </a:xfrm>
           <a:prstGeom prst="rect">
             <a:avLst/>
@@ -2780,11 +2635,8 @@
             <a:normAutofit/>
           </a:bodyPr>
           <a:p>
-            <a:endParaRPr b="0" lang="en-US" sz="3200" spc="-1" strike="noStrike">
-              <a:solidFill>
-                <a:srgbClr val="000000"/>
-              </a:solidFill>
-              <a:latin typeface="Calibri"/>
+            <a:endParaRPr b="0" lang="en-CA" sz="3200" spc="-1" strike="noStrike">
+              <a:latin typeface="Arial"/>
             </a:endParaRPr>
           </a:p>
         </p:txBody>
@@ -2823,8 +2675,8 @@
         </p:nvSpPr>
         <p:spPr>
           <a:xfrm>
-            <a:off x="457200" y="274680"/>
-            <a:ext cx="8229240" cy="1142640"/>
+            <a:off x="457200" y="273600"/>
+            <a:ext cx="8229240" cy="1144800"/>
           </a:xfrm>
           <a:prstGeom prst="rect">
             <a:avLst/>
@@ -2835,11 +2687,8 @@
             <a:noAutofit/>
           </a:bodyPr>
           <a:p>
-            <a:pPr algn="r"/>
-            <a:endParaRPr b="0" lang="en-US" sz="4400" spc="-1" strike="noStrike">
-              <a:solidFill>
-                <a:srgbClr val="000000"/>
-              </a:solidFill>
+            <a:pPr algn="ctr"/>
+            <a:endParaRPr b="0" lang="en-CA" sz="4400" spc="-1" strike="noStrike">
               <a:latin typeface="Arial"/>
             </a:endParaRPr>
           </a:p>
@@ -2857,8 +2706,8 @@
         </p:nvSpPr>
         <p:spPr>
           <a:xfrm>
-            <a:off x="457200" y="1600200"/>
-            <a:ext cx="8229240" cy="4525560"/>
+            <a:off x="457200" y="1604520"/>
+            <a:ext cx="8229240" cy="3977280"/>
           </a:xfrm>
           <a:prstGeom prst="rect">
             <a:avLst/>
@@ -2869,11 +2718,8 @@
             <a:normAutofit/>
           </a:bodyPr>
           <a:p>
-            <a:endParaRPr b="0" lang="en-US" sz="3200" spc="-1" strike="noStrike">
-              <a:solidFill>
-                <a:srgbClr val="000000"/>
-              </a:solidFill>
-              <a:latin typeface="Calibri"/>
+            <a:endParaRPr b="0" lang="en-CA" sz="3200" spc="-1" strike="noStrike">
+              <a:latin typeface="Arial"/>
             </a:endParaRPr>
           </a:p>
         </p:txBody>
@@ -2912,8 +2758,8 @@
         </p:nvSpPr>
         <p:spPr>
           <a:xfrm>
-            <a:off x="457200" y="274680"/>
-            <a:ext cx="8229240" cy="1142640"/>
+            <a:off x="457200" y="273600"/>
+            <a:ext cx="8229240" cy="1144800"/>
           </a:xfrm>
           <a:prstGeom prst="rect">
             <a:avLst/>
@@ -2924,11 +2770,8 @@
             <a:noAutofit/>
           </a:bodyPr>
           <a:p>
-            <a:pPr algn="r"/>
-            <a:endParaRPr b="0" lang="en-US" sz="4400" spc="-1" strike="noStrike">
-              <a:solidFill>
-                <a:srgbClr val="000000"/>
-              </a:solidFill>
+            <a:pPr algn="ctr"/>
+            <a:endParaRPr b="0" lang="en-CA" sz="4400" spc="-1" strike="noStrike">
               <a:latin typeface="Arial"/>
             </a:endParaRPr>
           </a:p>
@@ -2946,8 +2789,8 @@
         </p:nvSpPr>
         <p:spPr>
           <a:xfrm>
-            <a:off x="457200" y="1600200"/>
-            <a:ext cx="4015800" cy="4525560"/>
+            <a:off x="457200" y="1604520"/>
+            <a:ext cx="4015800" cy="3977280"/>
           </a:xfrm>
           <a:prstGeom prst="rect">
             <a:avLst/>
@@ -2958,11 +2801,8 @@
             <a:normAutofit/>
           </a:bodyPr>
           <a:p>
-            <a:endParaRPr b="0" lang="en-US" sz="3200" spc="-1" strike="noStrike">
-              <a:solidFill>
-                <a:srgbClr val="000000"/>
-              </a:solidFill>
-              <a:latin typeface="Calibri"/>
+            <a:endParaRPr b="0" lang="en-CA" sz="3200" spc="-1" strike="noStrike">
+              <a:latin typeface="Arial"/>
             </a:endParaRPr>
           </a:p>
         </p:txBody>
@@ -2979,8 +2819,8 @@
         </p:nvSpPr>
         <p:spPr>
           <a:xfrm>
-            <a:off x="4674240" y="1600200"/>
-            <a:ext cx="4015800" cy="4525560"/>
+            <a:off x="4674240" y="1604520"/>
+            <a:ext cx="4015800" cy="3977280"/>
           </a:xfrm>
           <a:prstGeom prst="rect">
             <a:avLst/>
@@ -2991,11 +2831,8 @@
             <a:normAutofit/>
           </a:bodyPr>
           <a:p>
-            <a:endParaRPr b="0" lang="en-US" sz="3200" spc="-1" strike="noStrike">
-              <a:solidFill>
-                <a:srgbClr val="000000"/>
-              </a:solidFill>
-              <a:latin typeface="Calibri"/>
+            <a:endParaRPr b="0" lang="en-CA" sz="3200" spc="-1" strike="noStrike">
+              <a:latin typeface="Arial"/>
             </a:endParaRPr>
           </a:p>
         </p:txBody>
@@ -3034,8 +2871,8 @@
         </p:nvSpPr>
         <p:spPr>
           <a:xfrm>
-            <a:off x="457200" y="274680"/>
-            <a:ext cx="8229240" cy="1142640"/>
+            <a:off x="457200" y="273600"/>
+            <a:ext cx="8229240" cy="1144800"/>
           </a:xfrm>
           <a:prstGeom prst="rect">
             <a:avLst/>
@@ -3046,11 +2883,8 @@
             <a:noAutofit/>
           </a:bodyPr>
           <a:p>
-            <a:pPr algn="r"/>
-            <a:endParaRPr b="0" lang="en-US" sz="4400" spc="-1" strike="noStrike">
-              <a:solidFill>
-                <a:srgbClr val="000000"/>
-              </a:solidFill>
+            <a:pPr algn="ctr"/>
+            <a:endParaRPr b="0" lang="en-CA" sz="4400" spc="-1" strike="noStrike">
               <a:latin typeface="Arial"/>
             </a:endParaRPr>
           </a:p>
@@ -3090,8 +2924,8 @@
         </p:nvSpPr>
         <p:spPr>
           <a:xfrm>
-            <a:off x="457200" y="274680"/>
-            <a:ext cx="8229240" cy="5297760"/>
+            <a:off x="457200" y="273600"/>
+            <a:ext cx="8229240" cy="5307840"/>
           </a:xfrm>
           <a:prstGeom prst="rect">
             <a:avLst/>
@@ -3143,8 +2977,8 @@
         </p:nvSpPr>
         <p:spPr>
           <a:xfrm>
-            <a:off x="457200" y="274680"/>
-            <a:ext cx="8229240" cy="1142640"/>
+            <a:off x="457200" y="273600"/>
+            <a:ext cx="8229240" cy="1144800"/>
           </a:xfrm>
           <a:prstGeom prst="rect">
             <a:avLst/>
@@ -3155,11 +2989,8 @@
             <a:noAutofit/>
           </a:bodyPr>
           <a:p>
-            <a:pPr algn="r"/>
-            <a:endParaRPr b="0" lang="en-US" sz="4400" spc="-1" strike="noStrike">
-              <a:solidFill>
-                <a:srgbClr val="000000"/>
-              </a:solidFill>
+            <a:pPr algn="ctr"/>
+            <a:endParaRPr b="0" lang="en-CA" sz="4400" spc="-1" strike="noStrike">
               <a:latin typeface="Arial"/>
             </a:endParaRPr>
           </a:p>
@@ -3177,8 +3008,8 @@
         </p:nvSpPr>
         <p:spPr>
           <a:xfrm>
-            <a:off x="457200" y="1600200"/>
-            <a:ext cx="4015800" cy="2158560"/>
+            <a:off x="457200" y="1604520"/>
+            <a:ext cx="4015800" cy="1896840"/>
           </a:xfrm>
           <a:prstGeom prst="rect">
             <a:avLst/>
@@ -3189,11 +3020,8 @@
             <a:normAutofit/>
           </a:bodyPr>
           <a:p>
-            <a:endParaRPr b="0" lang="en-US" sz="3200" spc="-1" strike="noStrike">
-              <a:solidFill>
-                <a:srgbClr val="000000"/>
-              </a:solidFill>
-              <a:latin typeface="Calibri"/>
+            <a:endParaRPr b="0" lang="en-CA" sz="3200" spc="-1" strike="noStrike">
+              <a:latin typeface="Arial"/>
             </a:endParaRPr>
           </a:p>
         </p:txBody>
@@ -3210,8 +3038,8 @@
         </p:nvSpPr>
         <p:spPr>
           <a:xfrm>
-            <a:off x="4674240" y="1600200"/>
-            <a:ext cx="4015800" cy="4525560"/>
+            <a:off x="4674240" y="1604520"/>
+            <a:ext cx="4015800" cy="3977280"/>
           </a:xfrm>
           <a:prstGeom prst="rect">
             <a:avLst/>
@@ -3222,11 +3050,8 @@
             <a:normAutofit/>
           </a:bodyPr>
           <a:p>
-            <a:endParaRPr b="0" lang="en-US" sz="3200" spc="-1" strike="noStrike">
-              <a:solidFill>
-                <a:srgbClr val="000000"/>
-              </a:solidFill>
-              <a:latin typeface="Calibri"/>
+            <a:endParaRPr b="0" lang="en-CA" sz="3200" spc="-1" strike="noStrike">
+              <a:latin typeface="Arial"/>
             </a:endParaRPr>
           </a:p>
         </p:txBody>
@@ -3243,8 +3068,8 @@
         </p:nvSpPr>
         <p:spPr>
           <a:xfrm>
-            <a:off x="457200" y="3964320"/>
-            <a:ext cx="4015800" cy="2158560"/>
+            <a:off x="457200" y="3682080"/>
+            <a:ext cx="4015800" cy="1896840"/>
           </a:xfrm>
           <a:prstGeom prst="rect">
             <a:avLst/>
@@ -3255,11 +3080,8 @@
             <a:normAutofit/>
           </a:bodyPr>
           <a:p>
-            <a:endParaRPr b="0" lang="en-US" sz="3200" spc="-1" strike="noStrike">
-              <a:solidFill>
-                <a:srgbClr val="000000"/>
-              </a:solidFill>
-              <a:latin typeface="Calibri"/>
+            <a:endParaRPr b="0" lang="en-CA" sz="3200" spc="-1" strike="noStrike">
+              <a:latin typeface="Arial"/>
             </a:endParaRPr>
           </a:p>
         </p:txBody>
@@ -3298,8 +3120,8 @@
         </p:nvSpPr>
         <p:spPr>
           <a:xfrm>
-            <a:off x="457200" y="274680"/>
-            <a:ext cx="8229240" cy="1142640"/>
+            <a:off x="457200" y="273600"/>
+            <a:ext cx="8229240" cy="1144800"/>
           </a:xfrm>
           <a:prstGeom prst="rect">
             <a:avLst/>
@@ -3310,11 +3132,8 @@
             <a:noAutofit/>
           </a:bodyPr>
           <a:p>
-            <a:pPr algn="r"/>
-            <a:endParaRPr b="0" lang="en-US" sz="4400" spc="-1" strike="noStrike">
-              <a:solidFill>
-                <a:srgbClr val="000000"/>
-              </a:solidFill>
+            <a:pPr algn="ctr"/>
+            <a:endParaRPr b="0" lang="en-CA" sz="4400" spc="-1" strike="noStrike">
               <a:latin typeface="Arial"/>
             </a:endParaRPr>
           </a:p>
@@ -3332,8 +3151,8 @@
         </p:nvSpPr>
         <p:spPr>
           <a:xfrm>
-            <a:off x="457200" y="1600200"/>
-            <a:ext cx="4015800" cy="4525560"/>
+            <a:off x="457200" y="1604520"/>
+            <a:ext cx="4015800" cy="3977280"/>
           </a:xfrm>
           <a:prstGeom prst="rect">
             <a:avLst/>
@@ -3344,11 +3163,8 @@
             <a:normAutofit/>
           </a:bodyPr>
           <a:p>
-            <a:endParaRPr b="0" lang="en-US" sz="3200" spc="-1" strike="noStrike">
-              <a:solidFill>
-                <a:srgbClr val="000000"/>
-              </a:solidFill>
-              <a:latin typeface="Calibri"/>
+            <a:endParaRPr b="0" lang="en-CA" sz="3200" spc="-1" strike="noStrike">
+              <a:latin typeface="Arial"/>
             </a:endParaRPr>
           </a:p>
         </p:txBody>
@@ -3365,8 +3181,8 @@
         </p:nvSpPr>
         <p:spPr>
           <a:xfrm>
-            <a:off x="4674240" y="1600200"/>
-            <a:ext cx="4015800" cy="2158560"/>
+            <a:off x="4674240" y="1604520"/>
+            <a:ext cx="4015800" cy="1896840"/>
           </a:xfrm>
           <a:prstGeom prst="rect">
             <a:avLst/>
@@ -3377,11 +3193,8 @@
             <a:normAutofit/>
           </a:bodyPr>
           <a:p>
-            <a:endParaRPr b="0" lang="en-US" sz="3200" spc="-1" strike="noStrike">
-              <a:solidFill>
-                <a:srgbClr val="000000"/>
-              </a:solidFill>
-              <a:latin typeface="Calibri"/>
+            <a:endParaRPr b="0" lang="en-CA" sz="3200" spc="-1" strike="noStrike">
+              <a:latin typeface="Arial"/>
             </a:endParaRPr>
           </a:p>
         </p:txBody>
@@ -3398,8 +3211,8 @@
         </p:nvSpPr>
         <p:spPr>
           <a:xfrm>
-            <a:off x="4674240" y="3964320"/>
-            <a:ext cx="4015800" cy="2158560"/>
+            <a:off x="4674240" y="3682080"/>
+            <a:ext cx="4015800" cy="1896840"/>
           </a:xfrm>
           <a:prstGeom prst="rect">
             <a:avLst/>
@@ -3410,11 +3223,8 @@
             <a:normAutofit/>
           </a:bodyPr>
           <a:p>
-            <a:endParaRPr b="0" lang="en-US" sz="3200" spc="-1" strike="noStrike">
-              <a:solidFill>
-                <a:srgbClr val="000000"/>
-              </a:solidFill>
-              <a:latin typeface="Calibri"/>
+            <a:endParaRPr b="0" lang="en-CA" sz="3200" spc="-1" strike="noStrike">
+              <a:latin typeface="Arial"/>
             </a:endParaRPr>
           </a:p>
         </p:txBody>
@@ -3453,8 +3263,8 @@
         </p:nvSpPr>
         <p:spPr>
           <a:xfrm>
-            <a:off x="457200" y="274680"/>
-            <a:ext cx="8229240" cy="1142640"/>
+            <a:off x="457200" y="273600"/>
+            <a:ext cx="8229240" cy="1144800"/>
           </a:xfrm>
           <a:prstGeom prst="rect">
             <a:avLst/>
@@ -3465,11 +3275,8 @@
             <a:noAutofit/>
           </a:bodyPr>
           <a:p>
-            <a:pPr algn="r"/>
-            <a:endParaRPr b="0" lang="en-US" sz="4400" spc="-1" strike="noStrike">
-              <a:solidFill>
-                <a:srgbClr val="000000"/>
-              </a:solidFill>
+            <a:pPr algn="ctr"/>
+            <a:endParaRPr b="0" lang="en-CA" sz="4400" spc="-1" strike="noStrike">
               <a:latin typeface="Arial"/>
             </a:endParaRPr>
           </a:p>
@@ -3487,8 +3294,8 @@
         </p:nvSpPr>
         <p:spPr>
           <a:xfrm>
-            <a:off x="457200" y="1600200"/>
-            <a:ext cx="4015800" cy="2158560"/>
+            <a:off x="457200" y="1604520"/>
+            <a:ext cx="4015800" cy="1896840"/>
           </a:xfrm>
           <a:prstGeom prst="rect">
             <a:avLst/>
@@ -3499,11 +3306,8 @@
             <a:normAutofit/>
           </a:bodyPr>
           <a:p>
-            <a:endParaRPr b="0" lang="en-US" sz="3200" spc="-1" strike="noStrike">
-              <a:solidFill>
-                <a:srgbClr val="000000"/>
-              </a:solidFill>
-              <a:latin typeface="Calibri"/>
+            <a:endParaRPr b="0" lang="en-CA" sz="3200" spc="-1" strike="noStrike">
+              <a:latin typeface="Arial"/>
             </a:endParaRPr>
           </a:p>
         </p:txBody>
@@ -3520,8 +3324,8 @@
         </p:nvSpPr>
         <p:spPr>
           <a:xfrm>
-            <a:off x="4674240" y="1600200"/>
-            <a:ext cx="4015800" cy="2158560"/>
+            <a:off x="4674240" y="1604520"/>
+            <a:ext cx="4015800" cy="1896840"/>
           </a:xfrm>
           <a:prstGeom prst="rect">
             <a:avLst/>
@@ -3532,11 +3336,8 @@
             <a:normAutofit/>
           </a:bodyPr>
           <a:p>
-            <a:endParaRPr b="0" lang="en-US" sz="3200" spc="-1" strike="noStrike">
-              <a:solidFill>
-                <a:srgbClr val="000000"/>
-              </a:solidFill>
-              <a:latin typeface="Calibri"/>
+            <a:endParaRPr b="0" lang="en-CA" sz="3200" spc="-1" strike="noStrike">
+              <a:latin typeface="Arial"/>
             </a:endParaRPr>
           </a:p>
         </p:txBody>
@@ -3553,8 +3354,8 @@
         </p:nvSpPr>
         <p:spPr>
           <a:xfrm>
-            <a:off x="457200" y="3964320"/>
-            <a:ext cx="8229240" cy="2158560"/>
+            <a:off x="457200" y="3682080"/>
+            <a:ext cx="8229240" cy="1896840"/>
           </a:xfrm>
           <a:prstGeom prst="rect">
             <a:avLst/>
@@ -3565,11 +3366,8 @@
             <a:normAutofit/>
           </a:bodyPr>
           <a:p>
-            <a:endParaRPr b="0" lang="en-US" sz="3200" spc="-1" strike="noStrike">
-              <a:solidFill>
-                <a:srgbClr val="000000"/>
-              </a:solidFill>
-              <a:latin typeface="Calibri"/>
+            <a:endParaRPr b="0" lang="en-CA" sz="3200" spc="-1" strike="noStrike">
+              <a:latin typeface="Arial"/>
             </a:endParaRPr>
           </a:p>
         </p:txBody>
@@ -3616,7 +3414,7 @@
         <p:spPr>
           <a:xfrm>
             <a:off x="35640" y="6099120"/>
-            <a:ext cx="2533320" cy="713880"/>
+            <a:ext cx="2532960" cy="713520"/>
           </a:xfrm>
           <a:prstGeom prst="rect">
             <a:avLst/>
@@ -3638,97 +3436,37 @@
         </p:nvSpPr>
         <p:spPr>
           <a:xfrm>
-            <a:off x="685800" y="2130480"/>
-            <a:ext cx="7772040" cy="1469520"/>
-          </a:xfrm>
-          <a:prstGeom prst="rect">
-            <a:avLst/>
-          </a:prstGeom>
-        </p:spPr>
-        <p:txBody>
-          <a:bodyPr lIns="90000" rIns="90000" tIns="45000" bIns="45000">
+            <a:off x="457200" y="274680"/>
+            <a:ext cx="8228880" cy="1142280"/>
+          </a:xfrm>
+          <a:prstGeom prst="rect">
+            <a:avLst/>
+          </a:prstGeom>
+        </p:spPr>
+        <p:txBody>
+          <a:bodyPr lIns="0" rIns="0" tIns="0" bIns="0" anchor="ctr">
             <a:noAutofit/>
           </a:bodyPr>
           <a:p>
-            <a:pPr algn="ctr">
-              <a:lnSpc>
-                <a:spcPct val="100000"/>
-              </a:lnSpc>
-            </a:pPr>
-            <a:r>
-              <a:rPr b="0" lang="en-US" sz="4400" spc="-1" strike="noStrike">
-                <a:solidFill>
-                  <a:srgbClr val="000000"/>
-                </a:solidFill>
-                <a:latin typeface="Calibri"/>
-                <a:ea typeface="ＭＳ Ｐゴシック"/>
-              </a:rPr>
-              <a:t>Click </a:t>
-            </a:r>
-            <a:r>
-              <a:rPr b="0" lang="en-US" sz="4400" spc="-1" strike="noStrike">
-                <a:solidFill>
-                  <a:srgbClr val="000000"/>
-                </a:solidFill>
-                <a:latin typeface="Calibri"/>
-                <a:ea typeface="ＭＳ Ｐゴシック"/>
-              </a:rPr>
-              <a:t>to </a:t>
-            </a:r>
-            <a:r>
-              <a:rPr b="0" lang="en-US" sz="4400" spc="-1" strike="noStrike">
-                <a:solidFill>
-                  <a:srgbClr val="000000"/>
-                </a:solidFill>
-                <a:latin typeface="Calibri"/>
-                <a:ea typeface="ＭＳ Ｐゴシック"/>
-              </a:rPr>
-              <a:t>edit </a:t>
-            </a:r>
-            <a:r>
-              <a:rPr b="0" lang="en-US" sz="4400" spc="-1" strike="noStrike">
-                <a:solidFill>
-                  <a:srgbClr val="000000"/>
-                </a:solidFill>
-                <a:latin typeface="Calibri"/>
-                <a:ea typeface="ＭＳ Ｐゴシック"/>
-              </a:rPr>
-              <a:t>Mast</a:t>
-            </a:r>
-            <a:r>
-              <a:rPr b="0" lang="en-US" sz="4400" spc="-1" strike="noStrike">
-                <a:solidFill>
-                  <a:srgbClr val="000000"/>
-                </a:solidFill>
-                <a:latin typeface="Calibri"/>
-                <a:ea typeface="ＭＳ Ｐゴシック"/>
-              </a:rPr>
-              <a:t>er </a:t>
-            </a:r>
-            <a:r>
-              <a:rPr b="0" lang="en-US" sz="4400" spc="-1" strike="noStrike">
-                <a:solidFill>
-                  <a:srgbClr val="000000"/>
-                </a:solidFill>
-                <a:latin typeface="Calibri"/>
-                <a:ea typeface="ＭＳ Ｐゴシック"/>
-              </a:rPr>
-              <a:t>title </a:t>
-            </a:r>
-            <a:r>
-              <a:rPr b="0" lang="en-US" sz="4400" spc="-1" strike="noStrike">
-                <a:solidFill>
-                  <a:srgbClr val="000000"/>
-                </a:solidFill>
-                <a:latin typeface="Calibri"/>
-                <a:ea typeface="ＭＳ Ｐゴシック"/>
-              </a:rPr>
-              <a:t>style</a:t>
-            </a:r>
-            <a:endParaRPr b="0" lang="en-US" sz="4400" spc="-1" strike="noStrike">
-              <a:solidFill>
-                <a:srgbClr val="000000"/>
-              </a:solidFill>
+            <a:r>
+              <a:rPr b="0" lang="en-CA" sz="1800" spc="-1" strike="noStrike">
+                <a:latin typeface="Arial"/>
+              </a:rPr>
+              <a:t>Click to edit </a:t>
+            </a:r>
+            <a:r>
+              <a:rPr b="0" lang="en-CA" sz="1800" spc="-1" strike="noStrike">
+                <a:latin typeface="Arial"/>
+              </a:rPr>
+              <a:t>the title text </a:t>
+            </a:r>
+            <a:r>
+              <a:rPr b="0" lang="en-CA" sz="1800" spc="-1" strike="noStrike">
+                <a:latin typeface="Arial"/>
+              </a:rPr>
+              <a:t>format</a:t>
+            </a:r>
+            <a:endParaRPr b="0" lang="en-CA" sz="1800" spc="-1" strike="noStrike">
               <a:latin typeface="Arial"/>
             </a:endParaRPr>
           </a:p>
@@ -3770,19 +3508,13 @@
               <a:buChar char=""/>
             </a:pPr>
             <a:r>
-              <a:rPr b="0" lang="en-US" sz="3200" spc="-1" strike="noStrike">
-                <a:solidFill>
-                  <a:srgbClr val="000000"/>
-                </a:solidFill>
-                <a:latin typeface="Calibri"/>
+              <a:rPr b="0" lang="en-CA" sz="3200" spc="-1" strike="noStrike">
+                <a:latin typeface="Arial"/>
               </a:rPr>
               <a:t>Click to edit the outline text format</a:t>
             </a:r>
-            <a:endParaRPr b="0" lang="en-US" sz="3200" spc="-1" strike="noStrike">
-              <a:solidFill>
-                <a:srgbClr val="000000"/>
-              </a:solidFill>
-              <a:latin typeface="Calibri"/>
+            <a:endParaRPr b="0" lang="en-CA" sz="3200" spc="-1" strike="noStrike">
+              <a:latin typeface="Arial"/>
             </a:endParaRPr>
           </a:p>
           <a:p>
@@ -3798,19 +3530,13 @@
               <a:buChar char=""/>
             </a:pPr>
             <a:r>
-              <a:rPr b="0" lang="en-US" sz="2400" spc="-1" strike="noStrike">
-                <a:solidFill>
-                  <a:srgbClr val="000000"/>
-                </a:solidFill>
-                <a:latin typeface="Calibri"/>
+              <a:rPr b="0" lang="en-CA" sz="2800" spc="-1" strike="noStrike">
+                <a:latin typeface="Arial"/>
               </a:rPr>
               <a:t>Second Outline Level</a:t>
             </a:r>
-            <a:endParaRPr b="0" lang="en-US" sz="2400" spc="-1" strike="noStrike">
-              <a:solidFill>
-                <a:srgbClr val="000000"/>
-              </a:solidFill>
-              <a:latin typeface="Calibri"/>
+            <a:endParaRPr b="0" lang="en-CA" sz="2800" spc="-1" strike="noStrike">
+              <a:latin typeface="Arial"/>
             </a:endParaRPr>
           </a:p>
           <a:p>
@@ -3826,19 +3552,13 @@
               <a:buChar char=""/>
             </a:pPr>
             <a:r>
-              <a:rPr b="0" lang="en-US" sz="2000" spc="-1" strike="noStrike">
-                <a:solidFill>
-                  <a:srgbClr val="000000"/>
-                </a:solidFill>
-                <a:latin typeface="Calibri"/>
+              <a:rPr b="0" lang="en-CA" sz="2400" spc="-1" strike="noStrike">
+                <a:latin typeface="Arial"/>
               </a:rPr>
               <a:t>Third Outline Level</a:t>
             </a:r>
-            <a:endParaRPr b="0" lang="en-US" sz="2000" spc="-1" strike="noStrike">
-              <a:solidFill>
-                <a:srgbClr val="000000"/>
-              </a:solidFill>
-              <a:latin typeface="Calibri"/>
+            <a:endParaRPr b="0" lang="en-CA" sz="2400" spc="-1" strike="noStrike">
+              <a:latin typeface="Arial"/>
             </a:endParaRPr>
           </a:p>
           <a:p>
@@ -3854,19 +3574,13 @@
               <a:buChar char=""/>
             </a:pPr>
             <a:r>
-              <a:rPr b="0" lang="en-US" sz="2000" spc="-1" strike="noStrike">
-                <a:solidFill>
-                  <a:srgbClr val="000000"/>
-                </a:solidFill>
-                <a:latin typeface="Calibri"/>
+              <a:rPr b="0" lang="en-CA" sz="2000" spc="-1" strike="noStrike">
+                <a:latin typeface="Arial"/>
               </a:rPr>
               <a:t>Fourth Outline Level</a:t>
             </a:r>
-            <a:endParaRPr b="0" lang="en-US" sz="2000" spc="-1" strike="noStrike">
-              <a:solidFill>
-                <a:srgbClr val="000000"/>
-              </a:solidFill>
-              <a:latin typeface="Calibri"/>
+            <a:endParaRPr b="0" lang="en-CA" sz="2000" spc="-1" strike="noStrike">
+              <a:latin typeface="Arial"/>
             </a:endParaRPr>
           </a:p>
           <a:p>
@@ -3882,19 +3596,13 @@
               <a:buChar char=""/>
             </a:pPr>
             <a:r>
-              <a:rPr b="0" lang="en-US" sz="2000" spc="-1" strike="noStrike">
-                <a:solidFill>
-                  <a:srgbClr val="000000"/>
-                </a:solidFill>
-                <a:latin typeface="Calibri"/>
+              <a:rPr b="0" lang="en-CA" sz="2000" spc="-1" strike="noStrike">
+                <a:latin typeface="Arial"/>
               </a:rPr>
               <a:t>Fifth Outline Level</a:t>
             </a:r>
-            <a:endParaRPr b="0" lang="en-US" sz="2000" spc="-1" strike="noStrike">
-              <a:solidFill>
-                <a:srgbClr val="000000"/>
-              </a:solidFill>
-              <a:latin typeface="Calibri"/>
+            <a:endParaRPr b="0" lang="en-CA" sz="2000" spc="-1" strike="noStrike">
+              <a:latin typeface="Arial"/>
             </a:endParaRPr>
           </a:p>
           <a:p>
@@ -3910,19 +3618,13 @@
               <a:buChar char=""/>
             </a:pPr>
             <a:r>
-              <a:rPr b="0" lang="en-US" sz="2000" spc="-1" strike="noStrike">
-                <a:solidFill>
-                  <a:srgbClr val="000000"/>
-                </a:solidFill>
-                <a:latin typeface="Calibri"/>
+              <a:rPr b="0" lang="en-CA" sz="2000" spc="-1" strike="noStrike">
+                <a:latin typeface="Arial"/>
               </a:rPr>
               <a:t>Sixth Outline Level</a:t>
             </a:r>
-            <a:endParaRPr b="0" lang="en-US" sz="2000" spc="-1" strike="noStrike">
-              <a:solidFill>
-                <a:srgbClr val="000000"/>
-              </a:solidFill>
-              <a:latin typeface="Calibri"/>
+            <a:endParaRPr b="0" lang="en-CA" sz="2000" spc="-1" strike="noStrike">
+              <a:latin typeface="Arial"/>
             </a:endParaRPr>
           </a:p>
           <a:p>
@@ -3938,19 +3640,13 @@
               <a:buChar char=""/>
             </a:pPr>
             <a:r>
-              <a:rPr b="0" lang="en-US" sz="2000" spc="-1" strike="noStrike">
-                <a:solidFill>
-                  <a:srgbClr val="000000"/>
-                </a:solidFill>
-                <a:latin typeface="Calibri"/>
+              <a:rPr b="0" lang="en-CA" sz="2000" spc="-1" strike="noStrike">
+                <a:latin typeface="Arial"/>
               </a:rPr>
               <a:t>Seventh Outline Level</a:t>
             </a:r>
-            <a:endParaRPr b="0" lang="en-US" sz="2000" spc="-1" strike="noStrike">
-              <a:solidFill>
-                <a:srgbClr val="000000"/>
-              </a:solidFill>
-              <a:latin typeface="Calibri"/>
+            <a:endParaRPr b="0" lang="en-CA" sz="2000" spc="-1" strike="noStrike">
+              <a:latin typeface="Arial"/>
             </a:endParaRPr>
           </a:p>
         </p:txBody>
@@ -4012,7 +3708,7 @@
         <p:spPr>
           <a:xfrm>
             <a:off x="35640" y="6099120"/>
-            <a:ext cx="2533320" cy="713880"/>
+            <a:ext cx="2532960" cy="713520"/>
           </a:xfrm>
           <a:prstGeom prst="rect">
             <a:avLst/>
@@ -4034,97 +3730,68 @@
         </p:nvSpPr>
         <p:spPr>
           <a:xfrm>
-            <a:off x="457200" y="274680"/>
-            <a:ext cx="8229240" cy="1142640"/>
-          </a:xfrm>
-          <a:prstGeom prst="rect">
-            <a:avLst/>
-          </a:prstGeom>
-        </p:spPr>
-        <p:txBody>
-          <a:bodyPr lIns="90000" rIns="90000" tIns="45000" bIns="45000">
+            <a:off x="457200" y="273600"/>
+            <a:ext cx="8229240" cy="1144800"/>
+          </a:xfrm>
+          <a:prstGeom prst="rect">
+            <a:avLst/>
+          </a:prstGeom>
+        </p:spPr>
+        <p:txBody>
+          <a:bodyPr lIns="0" rIns="0" tIns="0" bIns="0" anchor="ctr">
             <a:noAutofit/>
           </a:bodyPr>
           <a:p>
-            <a:pPr algn="ctr">
-              <a:lnSpc>
-                <a:spcPct val="100000"/>
-              </a:lnSpc>
-            </a:pPr>
-            <a:r>
-              <a:rPr b="0" lang="en-US" sz="4400" spc="-1" strike="noStrike">
-                <a:solidFill>
-                  <a:srgbClr val="000000"/>
-                </a:solidFill>
-                <a:latin typeface="Calibri"/>
-                <a:ea typeface="ＭＳ Ｐゴシック"/>
+            <a:pPr algn="ctr"/>
+            <a:r>
+              <a:rPr b="0" lang="en-CA" sz="4400" spc="-1" strike="noStrike">
+                <a:latin typeface="Arial"/>
               </a:rPr>
               <a:t>Click </a:t>
             </a:r>
             <a:r>
-              <a:rPr b="0" lang="en-US" sz="4400" spc="-1" strike="noStrike">
-                <a:solidFill>
-                  <a:srgbClr val="000000"/>
-                </a:solidFill>
-                <a:latin typeface="Calibri"/>
-                <a:ea typeface="ＭＳ Ｐゴシック"/>
+              <a:rPr b="0" lang="en-CA" sz="4400" spc="-1" strike="noStrike">
+                <a:latin typeface="Arial"/>
               </a:rPr>
               <a:t>to </a:t>
             </a:r>
             <a:r>
-              <a:rPr b="0" lang="en-US" sz="4400" spc="-1" strike="noStrike">
-                <a:solidFill>
-                  <a:srgbClr val="000000"/>
-                </a:solidFill>
-                <a:latin typeface="Calibri"/>
-                <a:ea typeface="ＭＳ Ｐゴシック"/>
+              <a:rPr b="0" lang="en-CA" sz="4400" spc="-1" strike="noStrike">
+                <a:latin typeface="Arial"/>
               </a:rPr>
               <a:t>edit </a:t>
             </a:r>
             <a:r>
-              <a:rPr b="0" lang="en-US" sz="4400" spc="-1" strike="noStrike">
-                <a:solidFill>
-                  <a:srgbClr val="000000"/>
-                </a:solidFill>
-                <a:latin typeface="Calibri"/>
-                <a:ea typeface="ＭＳ Ｐゴシック"/>
-              </a:rPr>
-              <a:t>Mast</a:t>
-            </a:r>
-            <a:r>
-              <a:rPr b="0" lang="en-US" sz="4400" spc="-1" strike="noStrike">
-                <a:solidFill>
-                  <a:srgbClr val="000000"/>
-                </a:solidFill>
-                <a:latin typeface="Calibri"/>
-                <a:ea typeface="ＭＳ Ｐゴシック"/>
-              </a:rPr>
-              <a:t>er </a:t>
-            </a:r>
-            <a:r>
-              <a:rPr b="0" lang="en-US" sz="4400" spc="-1" strike="noStrike">
-                <a:solidFill>
-                  <a:srgbClr val="000000"/>
-                </a:solidFill>
-                <a:latin typeface="Calibri"/>
-                <a:ea typeface="ＭＳ Ｐゴシック"/>
+              <a:rPr b="0" lang="en-CA" sz="4400" spc="-1" strike="noStrike">
+                <a:latin typeface="Arial"/>
+              </a:rPr>
+              <a:t>the </a:t>
+            </a:r>
+            <a:r>
+              <a:rPr b="0" lang="en-CA" sz="4400" spc="-1" strike="noStrike">
+                <a:latin typeface="Arial"/>
               </a:rPr>
               <a:t>title </a:t>
             </a:r>
             <a:r>
-              <a:rPr b="0" lang="en-US" sz="4400" spc="-1" strike="noStrike">
-                <a:solidFill>
-                  <a:srgbClr val="000000"/>
-                </a:solidFill>
-                <a:latin typeface="Calibri"/>
-                <a:ea typeface="ＭＳ Ｐゴシック"/>
-              </a:rPr>
-              <a:t>style</a:t>
-            </a:r>
-            <a:endParaRPr b="0" lang="en-US" sz="4400" spc="-1" strike="noStrike">
-              <a:solidFill>
-                <a:srgbClr val="000000"/>
-              </a:solidFill>
+              <a:rPr b="0" lang="en-CA" sz="4400" spc="-1" strike="noStrike">
+                <a:latin typeface="Arial"/>
+              </a:rPr>
+              <a:t>text </a:t>
+            </a:r>
+            <a:r>
+              <a:rPr b="0" lang="en-CA" sz="4400" spc="-1" strike="noStrike">
+                <a:latin typeface="Arial"/>
+              </a:rPr>
+              <a:t>forma</a:t>
+            </a:r>
+            <a:r>
+              <a:rPr b="0" lang="en-CA" sz="4400" spc="-1" strike="noStrike">
+                <a:latin typeface="Arial"/>
+              </a:rPr>
+              <a:t>t</a:t>
+            </a:r>
+            <a:endParaRPr b="0" lang="en-CA" sz="4400" spc="-1" strike="noStrike">
               <a:latin typeface="Arial"/>
             </a:endParaRPr>
           </a:p>
@@ -4142,170 +3809,169 @@
         </p:nvSpPr>
         <p:spPr>
           <a:xfrm>
-            <a:off x="457200" y="1600200"/>
-            <a:ext cx="8229240" cy="4525560"/>
-          </a:xfrm>
-          <a:prstGeom prst="rect">
-            <a:avLst/>
-          </a:prstGeom>
-        </p:spPr>
-        <p:txBody>
-          <a:bodyPr lIns="90000" rIns="90000" tIns="45000" bIns="45000">
-            <a:noAutofit/>
-          </a:bodyPr>
-          <a:p>
-            <a:pPr marL="343080" indent="-342720">
-              <a:lnSpc>
-                <a:spcPct val="100000"/>
-              </a:lnSpc>
+            <a:off x="457200" y="1604520"/>
+            <a:ext cx="8229240" cy="3977280"/>
+          </a:xfrm>
+          <a:prstGeom prst="rect">
+            <a:avLst/>
+          </a:prstGeom>
+        </p:spPr>
+        <p:txBody>
+          <a:bodyPr lIns="0" rIns="0" tIns="0" bIns="0">
+            <a:normAutofit/>
+          </a:bodyPr>
+          <a:p>
+            <a:pPr marL="432000" indent="-324000">
               <a:spcBef>
-                <a:spcPts val="641"/>
+                <a:spcPts val="1417"/>
               </a:spcBef>
               <a:buClr>
                 <a:srgbClr val="000000"/>
               </a:buClr>
-              <a:buFont typeface="Symbol" charset="2"/>
-              <a:buChar char=""/>
-            </a:pPr>
-            <a:r>
-              <a:rPr b="0" lang="en-US" sz="3200" spc="-1" strike="noStrike">
-                <a:solidFill>
-                  <a:srgbClr val="000000"/>
-                </a:solidFill>
-                <a:latin typeface="Calibri"/>
-                <a:ea typeface="ＭＳ Ｐゴシック"/>
-              </a:rPr>
-              <a:t>Click to edit Master text styles</a:t>
-            </a:r>
-            <a:endParaRPr b="0" lang="en-US" sz="3200" spc="-1" strike="noStrike">
-              <a:solidFill>
-                <a:srgbClr val="000000"/>
-              </a:solidFill>
-              <a:latin typeface="Calibri"/>
-            </a:endParaRPr>
-          </a:p>
-          <a:p>
-            <a:pPr lvl="1" marL="743040" indent="-285480">
-              <a:lnSpc>
-                <a:spcPct val="100000"/>
-              </a:lnSpc>
+              <a:buSzPct val="45000"/>
+              <a:buFont typeface="Wingdings" charset="2"/>
+              <a:buChar char=""/>
+            </a:pPr>
+            <a:r>
+              <a:rPr b="0" lang="en-CA" sz="3200" spc="-1" strike="noStrike">
+                <a:latin typeface="Arial"/>
+              </a:rPr>
+              <a:t>Click to edit the outline text format</a:t>
+            </a:r>
+            <a:endParaRPr b="0" lang="en-CA" sz="3200" spc="-1" strike="noStrike">
+              <a:latin typeface="Arial"/>
+            </a:endParaRPr>
+          </a:p>
+          <a:p>
+            <a:pPr lvl="1" marL="864000" indent="-324000">
               <a:spcBef>
-                <a:spcPts val="561"/>
+                <a:spcPts val="1134"/>
               </a:spcBef>
               <a:buClr>
                 <a:srgbClr val="000000"/>
               </a:buClr>
+              <a:buSzPct val="75000"/>
               <a:buFont typeface="Symbol" charset="2"/>
               <a:buChar char=""/>
             </a:pPr>
             <a:r>
-              <a:rPr b="0" lang="en-US" sz="2800" spc="-1" strike="noStrike">
-                <a:solidFill>
-                  <a:srgbClr val="000000"/>
-                </a:solidFill>
-                <a:latin typeface="Calibri"/>
-                <a:ea typeface="ＭＳ Ｐゴシック"/>
-              </a:rPr>
-              <a:t>Second level</a:t>
-            </a:r>
-            <a:endParaRPr b="0" lang="en-US" sz="2800" spc="-1" strike="noStrike">
-              <a:solidFill>
-                <a:srgbClr val="000000"/>
-              </a:solidFill>
-              <a:latin typeface="Calibri"/>
-            </a:endParaRPr>
-          </a:p>
-          <a:p>
-            <a:pPr lvl="2" marL="1143000" indent="-228240">
-              <a:lnSpc>
-                <a:spcPct val="100000"/>
-              </a:lnSpc>
+              <a:rPr b="0" lang="en-CA" sz="2800" spc="-1" strike="noStrike">
+                <a:latin typeface="Arial"/>
+              </a:rPr>
+              <a:t>Second Outline Level</a:t>
+            </a:r>
+            <a:endParaRPr b="0" lang="en-CA" sz="2800" spc="-1" strike="noStrike">
+              <a:latin typeface="Arial"/>
+            </a:endParaRPr>
+          </a:p>
+          <a:p>
+            <a:pPr lvl="2" marL="1296000" indent="-288000">
               <a:spcBef>
-                <a:spcPts val="479"/>
+                <a:spcPts val="850"/>
               </a:spcBef>
               <a:buClr>
                 <a:srgbClr val="000000"/>
               </a:buClr>
-              <a:buFont typeface="Symbol" charset="2"/>
-              <a:buChar char=""/>
-            </a:pPr>
-            <a:r>
-              <a:rPr b="0" lang="en-US" sz="2400" spc="-1" strike="noStrike">
-                <a:solidFill>
-                  <a:srgbClr val="000000"/>
-                </a:solidFill>
-                <a:latin typeface="Calibri"/>
-                <a:ea typeface="ＭＳ Ｐゴシック"/>
-              </a:rPr>
-              <a:t>Third level</a:t>
-            </a:r>
-            <a:endParaRPr b="0" lang="en-US" sz="2400" spc="-1" strike="noStrike">
-              <a:solidFill>
-                <a:srgbClr val="000000"/>
-              </a:solidFill>
-              <a:latin typeface="Calibri"/>
-            </a:endParaRPr>
-          </a:p>
-          <a:p>
-            <a:pPr lvl="3" marL="1600200" indent="-228240">
-              <a:lnSpc>
-                <a:spcPct val="100000"/>
-              </a:lnSpc>
+              <a:buSzPct val="45000"/>
+              <a:buFont typeface="Wingdings" charset="2"/>
+              <a:buChar char=""/>
+            </a:pPr>
+            <a:r>
+              <a:rPr b="0" lang="en-CA" sz="2400" spc="-1" strike="noStrike">
+                <a:latin typeface="Arial"/>
+              </a:rPr>
+              <a:t>Third Outline Level</a:t>
+            </a:r>
+            <a:endParaRPr b="0" lang="en-CA" sz="2400" spc="-1" strike="noStrike">
+              <a:latin typeface="Arial"/>
+            </a:endParaRPr>
+          </a:p>
+          <a:p>
+            <a:pPr lvl="3" marL="1728000" indent="-216000">
               <a:spcBef>
-                <a:spcPts val="400"/>
+                <a:spcPts val="567"/>
               </a:spcBef>
               <a:buClr>
                 <a:srgbClr val="000000"/>
               </a:buClr>
+              <a:buSzPct val="75000"/>
               <a:buFont typeface="Symbol" charset="2"/>
               <a:buChar char=""/>
             </a:pPr>
             <a:r>
-              <a:rPr b="0" lang="en-US" sz="2000" spc="-1" strike="noStrike">
-                <a:solidFill>
-                  <a:srgbClr val="000000"/>
-                </a:solidFill>
-                <a:latin typeface="Calibri"/>
-                <a:ea typeface="ＭＳ Ｐゴシック"/>
-              </a:rPr>
-              <a:t>Fourth level</a:t>
-            </a:r>
-            <a:endParaRPr b="0" lang="en-US" sz="2000" spc="-1" strike="noStrike">
-              <a:solidFill>
-                <a:srgbClr val="000000"/>
-              </a:solidFill>
-              <a:latin typeface="Calibri"/>
-            </a:endParaRPr>
-          </a:p>
-          <a:p>
-            <a:pPr lvl="4" marL="2057400" indent="-228240">
-              <a:lnSpc>
-                <a:spcPct val="100000"/>
-              </a:lnSpc>
+              <a:rPr b="0" lang="en-CA" sz="2000" spc="-1" strike="noStrike">
+                <a:latin typeface="Arial"/>
+              </a:rPr>
+              <a:t>Fourth Outline Level</a:t>
+            </a:r>
+            <a:endParaRPr b="0" lang="en-CA" sz="2000" spc="-1" strike="noStrike">
+              <a:latin typeface="Arial"/>
+            </a:endParaRPr>
+          </a:p>
+          <a:p>
+            <a:pPr lvl="4" marL="2160000" indent="-216000">
               <a:spcBef>
-                <a:spcPts val="400"/>
+                <a:spcPts val="283"/>
               </a:spcBef>
               <a:buClr>
                 <a:srgbClr val="000000"/>
               </a:buClr>
-              <a:buFont typeface="StarSymbol"/>
-              <a:buChar char="»"/>
-            </a:pPr>
-            <a:r>
-              <a:rPr b="0" lang="en-US" sz="2000" spc="-1" strike="noStrike">
-                <a:solidFill>
-                  <a:srgbClr val="000000"/>
-                </a:solidFill>
-                <a:latin typeface="Calibri"/>
-                <a:ea typeface="ＭＳ Ｐゴシック"/>
-              </a:rPr>
-              <a:t>Fifth level</a:t>
-            </a:r>
-            <a:endParaRPr b="0" lang="en-US" sz="2000" spc="-1" strike="noStrike">
-              <a:solidFill>
+              <a:buSzPct val="45000"/>
+              <a:buFont typeface="Wingdings" charset="2"/>
+              <a:buChar char=""/>
+            </a:pPr>
+            <a:r>
+              <a:rPr b="0" lang="en-CA" sz="2000" spc="-1" strike="noStrike">
+                <a:latin typeface="Arial"/>
+              </a:rPr>
+              <a:t>Fifth Outline Level</a:t>
+            </a:r>
+            <a:endParaRPr b="0" lang="en-CA" sz="2000" spc="-1" strike="noStrike">
+              <a:latin typeface="Arial"/>
+            </a:endParaRPr>
+          </a:p>
+          <a:p>
+            <a:pPr lvl="5" marL="2592000" indent="-216000">
+              <a:spcBef>
+                <a:spcPts val="283"/>
+              </a:spcBef>
+              <a:buClr>
                 <a:srgbClr val="000000"/>
-              </a:solidFill>
-              <a:latin typeface="Calibri"/>
+              </a:buClr>
+              <a:buSzPct val="45000"/>
+              <a:buFont typeface="Wingdings" charset="2"/>
+              <a:buChar char=""/>
+            </a:pPr>
+            <a:r>
+              <a:rPr b="0" lang="en-CA" sz="2000" spc="-1" strike="noStrike">
+                <a:latin typeface="Arial"/>
+              </a:rPr>
+              <a:t>Sixth Outline Level</a:t>
+            </a:r>
+            <a:endParaRPr b="0" lang="en-CA" sz="2000" spc="-1" strike="noStrike">
+              <a:latin typeface="Arial"/>
+            </a:endParaRPr>
+          </a:p>
+          <a:p>
+            <a:pPr lvl="6" marL="3024000" indent="-216000">
+              <a:spcBef>
+                <a:spcPts val="283"/>
+              </a:spcBef>
+              <a:buClr>
+                <a:srgbClr val="000000"/>
+              </a:buClr>
+              <a:buSzPct val="45000"/>
+              <a:buFont typeface="Wingdings" charset="2"/>
+              <a:buChar char=""/>
+            </a:pPr>
+            <a:r>
+              <a:rPr b="0" lang="en-CA" sz="2000" spc="-1" strike="noStrike">
+                <a:latin typeface="Arial"/>
+              </a:rPr>
+              <a:t>Seventh Outline Level</a:t>
+            </a:r>
+            <a:endParaRPr b="0" lang="en-CA" sz="2000" spc="-1" strike="noStrike">
+              <a:latin typeface="Arial"/>
             </a:endParaRPr>
           </a:p>
         </p:txBody>
@@ -4349,14 +4015,14 @@
       </p:grpSpPr>
       <p:sp>
         <p:nvSpPr>
-          <p:cNvPr id="84" name="TextShape 1"/>
-          <p:cNvSpPr txBox="1"/>
+          <p:cNvPr id="84" name="CustomShape 1"/>
+          <p:cNvSpPr/>
           <p:nvPr/>
         </p:nvSpPr>
         <p:spPr>
           <a:xfrm>
             <a:off x="685800" y="2130480"/>
-            <a:ext cx="7772040" cy="1469520"/>
+            <a:ext cx="7771680" cy="1469160"/>
           </a:xfrm>
           <a:prstGeom prst="rect">
             <a:avLst/>
@@ -4366,6 +4032,12 @@
             <a:noFill/>
           </a:ln>
         </p:spPr>
+        <p:style>
+          <a:lnRef idx="0"/>
+          <a:fillRef idx="0"/>
+          <a:effectRef idx="0"/>
+          <a:fontRef idx="minor"/>
+        </p:style>
         <p:txBody>
           <a:bodyPr lIns="90000" rIns="90000" tIns="45000" bIns="45000">
             <a:noAutofit/>
@@ -4384,37 +4056,24 @@
                 <a:latin typeface="Calibri"/>
                 <a:ea typeface="ＭＳ Ｐゴシック"/>
               </a:rPr>
-              <a:t>Loggi</a:t>
-            </a:r>
-            <a:r>
-              <a:rPr b="0" lang="en-US" sz="4400" spc="-1" strike="noStrike">
-                <a:solidFill>
-                  <a:srgbClr val="000000"/>
-                </a:solidFill>
-                <a:latin typeface="Calibri"/>
-                <a:ea typeface="ＭＳ Ｐゴシック"/>
-              </a:rPr>
-              <a:t>ng</a:t>
-            </a:r>
-            <a:endParaRPr b="0" lang="en-US" sz="4400" spc="-1" strike="noStrike">
-              <a:solidFill>
-                <a:srgbClr val="000000"/>
-              </a:solidFill>
-              <a:latin typeface="Arial"/>
-            </a:endParaRPr>
-          </a:p>
-        </p:txBody>
-      </p:sp>
-      <p:sp>
-        <p:nvSpPr>
-          <p:cNvPr id="85" name="TextShape 2"/>
-          <p:cNvSpPr txBox="1"/>
+              <a:t>Logging</a:t>
+            </a:r>
+            <a:endParaRPr b="0" lang="en-CA" sz="4400" spc="-1" strike="noStrike">
+              <a:latin typeface="Arial"/>
+            </a:endParaRPr>
+          </a:p>
+        </p:txBody>
+      </p:sp>
+      <p:sp>
+        <p:nvSpPr>
+          <p:cNvPr id="85" name="CustomShape 2"/>
+          <p:cNvSpPr/>
           <p:nvPr/>
         </p:nvSpPr>
         <p:spPr>
           <a:xfrm>
             <a:off x="1371600" y="3886200"/>
-            <a:ext cx="6400440" cy="1752120"/>
+            <a:ext cx="6400080" cy="1751760"/>
           </a:xfrm>
           <a:prstGeom prst="rect">
             <a:avLst/>
@@ -4424,17 +4083,12 @@
             <a:noFill/>
           </a:ln>
         </p:spPr>
-        <p:txBody>
-          <a:bodyPr lIns="90000" rIns="90000" tIns="45000" bIns="45000">
-            <a:noAutofit/>
-          </a:bodyPr>
-          <a:p>
-            <a:pPr algn="ctr"/>
-            <a:endParaRPr b="0" lang="en-CA" sz="3200" spc="-1" strike="noStrike">
-              <a:latin typeface="Arial"/>
-            </a:endParaRPr>
-          </a:p>
-        </p:txBody>
+        <p:style>
+          <a:lnRef idx="0"/>
+          <a:fillRef idx="0"/>
+          <a:effectRef idx="0"/>
+          <a:fontRef idx="minor"/>
+        </p:style>
       </p:sp>
     </p:spTree>
   </p:cSld>
@@ -4468,14 +4122,14 @@
       </p:grpSpPr>
       <p:sp>
         <p:nvSpPr>
-          <p:cNvPr id="101" name="TextShape 1"/>
-          <p:cNvSpPr txBox="1"/>
+          <p:cNvPr id="102" name="CustomShape 1"/>
+          <p:cNvSpPr/>
           <p:nvPr/>
         </p:nvSpPr>
         <p:spPr>
           <a:xfrm>
             <a:off x="457200" y="274680"/>
-            <a:ext cx="8229240" cy="1142640"/>
+            <a:ext cx="8228880" cy="1142280"/>
           </a:xfrm>
           <a:prstGeom prst="rect">
             <a:avLst/>
@@ -4485,6 +4139,12 @@
             <a:noFill/>
           </a:ln>
         </p:spPr>
+        <p:style>
+          <a:lnRef idx="0"/>
+          <a:fillRef idx="0"/>
+          <a:effectRef idx="0"/>
+          <a:fontRef idx="minor"/>
+        </p:style>
         <p:txBody>
           <a:bodyPr lIns="90000" rIns="90000" tIns="45000" bIns="45000">
             <a:noAutofit/>
@@ -4503,27 +4163,34 @@
                 <a:latin typeface="Calibri"/>
                 <a:ea typeface="ＭＳ Ｐゴシック"/>
               </a:rPr>
-              <a:t>Parting Thoughts</a:t>
-            </a:r>
-            <a:endParaRPr b="0" lang="en-US" sz="4400" spc="-1" strike="noStrike">
-              <a:solidFill>
-                <a:srgbClr val="000000"/>
-              </a:solidFill>
-              <a:latin typeface="Arial"/>
-            </a:endParaRPr>
-          </a:p>
-        </p:txBody>
-      </p:sp>
-      <p:sp>
-        <p:nvSpPr>
-          <p:cNvPr id="102" name="TextShape 2"/>
-          <p:cNvSpPr txBox="1"/>
+              <a:t>[r]syslog Facilities </a:t>
+            </a:r>
+            <a:r>
+              <a:rPr b="0" i="1" lang="en-CA" sz="2800" spc="-1" strike="noStrike">
+                <a:solidFill>
+                  <a:srgbClr val="000000"/>
+                </a:solidFill>
+                <a:latin typeface="Calibri"/>
+                <a:ea typeface="ＭＳ Ｐゴシック"/>
+              </a:rPr>
+              <a:t>(from syslog.h)</a:t>
+            </a:r>
+            <a:endParaRPr b="0" lang="en-CA" sz="2800" spc="-1" strike="noStrike">
+              <a:latin typeface="Arial"/>
+            </a:endParaRPr>
+          </a:p>
+        </p:txBody>
+      </p:sp>
+      <p:sp>
+        <p:nvSpPr>
+          <p:cNvPr id="103" name="CustomShape 2"/>
+          <p:cNvSpPr/>
           <p:nvPr/>
         </p:nvSpPr>
         <p:spPr>
           <a:xfrm>
-            <a:off x="457200" y="1600200"/>
-            <a:ext cx="7924320" cy="4525560"/>
+            <a:off x="2133720" y="1143000"/>
+            <a:ext cx="6705000" cy="4835520"/>
           </a:xfrm>
           <a:prstGeom prst="rect">
             <a:avLst/>
@@ -4533,220 +4200,784 @@
             <a:noFill/>
           </a:ln>
         </p:spPr>
+        <p:style>
+          <a:lnRef idx="0"/>
+          <a:fillRef idx="0"/>
+          <a:effectRef idx="0"/>
+          <a:fontRef idx="minor"/>
+        </p:style>
         <p:txBody>
           <a:bodyPr lIns="90000" rIns="90000" tIns="45000" bIns="45000">
-            <a:noAutofit/>
-          </a:bodyPr>
-          <a:p>
-            <a:pPr marL="343080" indent="-342720">
-              <a:lnSpc>
-                <a:spcPct val="100000"/>
-              </a:lnSpc>
-              <a:spcBef>
-                <a:spcPts val="641"/>
-              </a:spcBef>
-              <a:buClr>
-                <a:srgbClr val="000000"/>
-              </a:buClr>
-              <a:buFont typeface="Symbol" charset="2"/>
-              <a:buChar char=""/>
-            </a:pPr>
-            <a:r>
-              <a:rPr b="0" lang="en-CA" sz="3200" spc="-1" strike="noStrike">
-                <a:solidFill>
-                  <a:srgbClr val="000000"/>
-                </a:solidFill>
-                <a:latin typeface="Calibri"/>
-                <a:ea typeface="ＭＳ Ｐゴシック"/>
-              </a:rPr>
-              <a:t>Save your logs</a:t>
-            </a:r>
-            <a:endParaRPr b="0" lang="en-US" sz="3200" spc="-1" strike="noStrike">
-              <a:solidFill>
-                <a:srgbClr val="000000"/>
-              </a:solidFill>
-              <a:latin typeface="Calibri"/>
-            </a:endParaRPr>
-          </a:p>
-          <a:p>
-            <a:pPr marL="343080" indent="-342720">
-              <a:lnSpc>
-                <a:spcPct val="100000"/>
-              </a:lnSpc>
-              <a:spcBef>
-                <a:spcPts val="641"/>
-              </a:spcBef>
-              <a:buClr>
-                <a:srgbClr val="000000"/>
-              </a:buClr>
-              <a:buFont typeface="Symbol" charset="2"/>
-              <a:buChar char=""/>
-            </a:pPr>
-            <a:r>
-              <a:rPr b="0" lang="en-CA" sz="3200" spc="-1" strike="noStrike">
-                <a:solidFill>
-                  <a:srgbClr val="000000"/>
-                </a:solidFill>
-                <a:latin typeface="Calibri"/>
-                <a:ea typeface="ＭＳ Ｐゴシック"/>
-              </a:rPr>
-              <a:t>When you write admin scripts – log</a:t>
-            </a:r>
-            <a:endParaRPr b="0" lang="en-US" sz="3200" spc="-1" strike="noStrike">
-              <a:solidFill>
-                <a:srgbClr val="000000"/>
-              </a:solidFill>
-              <a:latin typeface="Calibri"/>
-            </a:endParaRPr>
-          </a:p>
-          <a:p>
-            <a:pPr marL="343080" indent="-342720">
-              <a:lnSpc>
-                <a:spcPct val="100000"/>
-              </a:lnSpc>
-              <a:spcBef>
-                <a:spcPts val="641"/>
-              </a:spcBef>
-              <a:buClr>
-                <a:srgbClr val="000000"/>
-              </a:buClr>
-              <a:buFont typeface="Symbol" charset="2"/>
-              <a:buChar char=""/>
-            </a:pPr>
-            <a:r>
-              <a:rPr b="0" lang="en-CA" sz="3200" spc="-1" strike="noStrike">
-                <a:solidFill>
-                  <a:srgbClr val="000000"/>
-                </a:solidFill>
-                <a:latin typeface="Calibri"/>
-                <a:ea typeface="ＭＳ Ｐゴシック"/>
-              </a:rPr>
-              <a:t>Have a look at Apache httpd logs – they’re great!</a:t>
-            </a:r>
-            <a:endParaRPr b="0" lang="en-US" sz="3200" spc="-1" strike="noStrike">
-              <a:solidFill>
-                <a:srgbClr val="000000"/>
-              </a:solidFill>
-              <a:latin typeface="Calibri"/>
-            </a:endParaRPr>
-          </a:p>
-          <a:p>
-            <a:pPr marL="343080" indent="-342720">
-              <a:lnSpc>
-                <a:spcPct val="100000"/>
-              </a:lnSpc>
-              <a:spcBef>
-                <a:spcPts val="641"/>
-              </a:spcBef>
-              <a:buClr>
-                <a:srgbClr val="000000"/>
-              </a:buClr>
-              <a:buFont typeface="Symbol" charset="2"/>
-              <a:buChar char=""/>
-            </a:pPr>
-            <a:r>
-              <a:rPr b="0" lang="en-CA" sz="3200" spc="-1" strike="noStrike">
-                <a:solidFill>
-                  <a:srgbClr val="000000"/>
-                </a:solidFill>
-                <a:latin typeface="Calibri"/>
-                <a:ea typeface="ＭＳ Ｐゴシック"/>
-              </a:rPr>
-              <a:t>Investigate </a:t>
-            </a:r>
-            <a:r>
-              <a:rPr b="0" lang="en-CA" sz="3200" spc="-1" strike="noStrike">
-                <a:solidFill>
-                  <a:srgbClr val="000000"/>
-                </a:solidFill>
-                <a:latin typeface="Courier New"/>
-                <a:ea typeface="ＭＳ Ｐゴシック"/>
-              </a:rPr>
-              <a:t>logrotate</a:t>
-            </a:r>
-            <a:r>
-              <a:rPr b="0" lang="en-CA" sz="3200" spc="-1" strike="noStrike">
-                <a:solidFill>
-                  <a:srgbClr val="000000"/>
-                </a:solidFill>
-                <a:latin typeface="Calibri"/>
-                <a:ea typeface="ＭＳ Ｐゴシック"/>
-              </a:rPr>
-              <a:t> </a:t>
-            </a:r>
-            <a:endParaRPr b="0" lang="en-US" sz="3200" spc="-1" strike="noStrike">
-              <a:solidFill>
-                <a:srgbClr val="000000"/>
-              </a:solidFill>
-              <a:latin typeface="Calibri"/>
-            </a:endParaRPr>
-          </a:p>
-          <a:p>
-            <a:pPr marL="343080" indent="-342720">
-              <a:lnSpc>
-                <a:spcPct val="100000"/>
-              </a:lnSpc>
-              <a:spcBef>
-                <a:spcPts val="641"/>
-              </a:spcBef>
-              <a:buClr>
-                <a:srgbClr val="000000"/>
-              </a:buClr>
-              <a:buFont typeface="Symbol" charset="2"/>
-              <a:buChar char=""/>
-            </a:pPr>
-            <a:r>
-              <a:rPr b="0" lang="en-CA" sz="3200" spc="-1" strike="noStrike">
-                <a:solidFill>
-                  <a:srgbClr val="000000"/>
-                </a:solidFill>
-                <a:latin typeface="Calibri"/>
-                <a:ea typeface="ＭＳ Ｐゴシック"/>
-              </a:rPr>
-              <a:t>Listen to the master: </a:t>
-            </a:r>
-            <a:br/>
-            <a:r>
-              <a:rPr b="0" lang="en-CA" sz="3200" spc="-1" strike="noStrike">
-                <a:solidFill>
-                  <a:srgbClr val="000000"/>
-                </a:solidFill>
-                <a:latin typeface="Calibri"/>
-                <a:ea typeface="ＭＳ Ｐゴシック"/>
-              </a:rPr>
-              <a:t>     </a:t>
-            </a:r>
-            <a:r>
-              <a:rPr b="0" lang="en-CA" sz="2400" spc="-1" strike="noStrike">
-                <a:solidFill>
-                  <a:srgbClr val="000000"/>
-                </a:solidFill>
-                <a:latin typeface="Calibri"/>
-                <a:ea typeface="ＭＳ Ｐゴシック"/>
-              </a:rPr>
-              <a:t>https://youtu.be/fewUSu_QZAY</a:t>
-            </a:r>
-            <a:endParaRPr b="0" lang="en-US" sz="2400" spc="-1" strike="noStrike">
-              <a:solidFill>
-                <a:srgbClr val="000000"/>
-              </a:solidFill>
-              <a:latin typeface="Calibri"/>
-            </a:endParaRPr>
-          </a:p>
+            <a:spAutoFit/>
+          </a:bodyPr>
           <a:p>
             <a:pPr>
               <a:lnSpc>
                 <a:spcPct val="100000"/>
               </a:lnSpc>
-              <a:spcBef>
-                <a:spcPts val="641"/>
-              </a:spcBef>
-            </a:pPr>
-            <a:endParaRPr b="0" lang="en-US" sz="2400" spc="-1" strike="noStrike">
-              <a:solidFill>
-                <a:srgbClr val="000000"/>
-              </a:solidFill>
-              <a:latin typeface="Calibri"/>
+            </a:pPr>
+            <a:r>
+              <a:rPr b="0" lang="en-US" sz="1200" spc="-1" strike="noStrike">
+                <a:solidFill>
+                  <a:srgbClr val="000000"/>
+                </a:solidFill>
+                <a:latin typeface="Arial"/>
+                <a:ea typeface="DejaVu Sans"/>
+              </a:rPr>
+              <a:t>CODE facilitynames[] =</a:t>
+            </a:r>
+            <a:endParaRPr b="0" lang="en-CA" sz="1200" spc="-1" strike="noStrike">
+              <a:latin typeface="Arial"/>
+            </a:endParaRPr>
+          </a:p>
+          <a:p>
+            <a:pPr>
+              <a:lnSpc>
+                <a:spcPct val="100000"/>
+              </a:lnSpc>
+            </a:pPr>
+            <a:r>
+              <a:rPr b="0" lang="en-US" sz="1200" spc="-1" strike="noStrike">
+                <a:solidFill>
+                  <a:srgbClr val="000000"/>
+                </a:solidFill>
+                <a:latin typeface="Arial"/>
+                <a:ea typeface="DejaVu Sans"/>
+              </a:rPr>
+              <a:t>  </a:t>
+            </a:r>
+            <a:r>
+              <a:rPr b="0" lang="en-US" sz="1200" spc="-1" strike="noStrike">
+                <a:solidFill>
+                  <a:srgbClr val="000000"/>
+                </a:solidFill>
+                <a:latin typeface="Arial"/>
+                <a:ea typeface="DejaVu Sans"/>
+              </a:rPr>
+              <a:t>{</a:t>
+            </a:r>
+            <a:endParaRPr b="0" lang="en-CA" sz="1200" spc="-1" strike="noStrike">
+              <a:latin typeface="Arial"/>
+            </a:endParaRPr>
+          </a:p>
+          <a:p>
+            <a:pPr>
+              <a:lnSpc>
+                <a:spcPct val="100000"/>
+              </a:lnSpc>
+            </a:pPr>
+            <a:r>
+              <a:rPr b="0" lang="en-US" sz="1200" spc="-1" strike="noStrike">
+                <a:solidFill>
+                  <a:srgbClr val="000000"/>
+                </a:solidFill>
+                <a:latin typeface="Arial"/>
+                <a:ea typeface="DejaVu Sans"/>
+              </a:rPr>
+              <a:t>    </a:t>
+            </a:r>
+            <a:r>
+              <a:rPr b="0" lang="en-US" sz="1200" spc="-1" strike="noStrike">
+                <a:solidFill>
+                  <a:srgbClr val="000000"/>
+                </a:solidFill>
+                <a:latin typeface="Arial"/>
+                <a:ea typeface="DejaVu Sans"/>
+              </a:rPr>
+              <a:t>{ "auth", LOG_AUTH },</a:t>
+            </a:r>
+            <a:endParaRPr b="0" lang="en-CA" sz="1200" spc="-1" strike="noStrike">
+              <a:latin typeface="Arial"/>
+            </a:endParaRPr>
+          </a:p>
+          <a:p>
+            <a:pPr>
+              <a:lnSpc>
+                <a:spcPct val="100000"/>
+              </a:lnSpc>
+            </a:pPr>
+            <a:r>
+              <a:rPr b="0" lang="en-US" sz="1200" spc="-1" strike="noStrike">
+                <a:solidFill>
+                  <a:srgbClr val="000000"/>
+                </a:solidFill>
+                <a:latin typeface="Arial"/>
+                <a:ea typeface="DejaVu Sans"/>
+              </a:rPr>
+              <a:t>    </a:t>
+            </a:r>
+            <a:r>
+              <a:rPr b="0" lang="en-US" sz="1200" spc="-1" strike="noStrike">
+                <a:solidFill>
+                  <a:srgbClr val="000000"/>
+                </a:solidFill>
+                <a:latin typeface="Arial"/>
+                <a:ea typeface="DejaVu Sans"/>
+              </a:rPr>
+              <a:t>{ "authpriv", LOG_AUTHPRIV },</a:t>
+            </a:r>
+            <a:endParaRPr b="0" lang="en-CA" sz="1200" spc="-1" strike="noStrike">
+              <a:latin typeface="Arial"/>
+            </a:endParaRPr>
+          </a:p>
+          <a:p>
+            <a:pPr>
+              <a:lnSpc>
+                <a:spcPct val="100000"/>
+              </a:lnSpc>
+            </a:pPr>
+            <a:r>
+              <a:rPr b="0" lang="en-US" sz="1200" spc="-1" strike="noStrike">
+                <a:solidFill>
+                  <a:srgbClr val="000000"/>
+                </a:solidFill>
+                <a:latin typeface="Arial"/>
+                <a:ea typeface="DejaVu Sans"/>
+              </a:rPr>
+              <a:t>    </a:t>
+            </a:r>
+            <a:r>
+              <a:rPr b="0" lang="en-US" sz="1200" spc="-1" strike="noStrike">
+                <a:solidFill>
+                  <a:srgbClr val="000000"/>
+                </a:solidFill>
+                <a:latin typeface="Arial"/>
+                <a:ea typeface="DejaVu Sans"/>
+              </a:rPr>
+              <a:t>{ "cron", LOG_CRON },</a:t>
+            </a:r>
+            <a:endParaRPr b="0" lang="en-CA" sz="1200" spc="-1" strike="noStrike">
+              <a:latin typeface="Arial"/>
+            </a:endParaRPr>
+          </a:p>
+          <a:p>
+            <a:pPr>
+              <a:lnSpc>
+                <a:spcPct val="100000"/>
+              </a:lnSpc>
+            </a:pPr>
+            <a:r>
+              <a:rPr b="0" lang="en-US" sz="1200" spc="-1" strike="noStrike">
+                <a:solidFill>
+                  <a:srgbClr val="000000"/>
+                </a:solidFill>
+                <a:latin typeface="Arial"/>
+                <a:ea typeface="DejaVu Sans"/>
+              </a:rPr>
+              <a:t>    </a:t>
+            </a:r>
+            <a:r>
+              <a:rPr b="0" lang="en-US" sz="1200" spc="-1" strike="noStrike">
+                <a:solidFill>
+                  <a:srgbClr val="000000"/>
+                </a:solidFill>
+                <a:latin typeface="Arial"/>
+                <a:ea typeface="DejaVu Sans"/>
+              </a:rPr>
+              <a:t>{ "daemon", LOG_DAEMON },</a:t>
+            </a:r>
+            <a:endParaRPr b="0" lang="en-CA" sz="1200" spc="-1" strike="noStrike">
+              <a:latin typeface="Arial"/>
+            </a:endParaRPr>
+          </a:p>
+          <a:p>
+            <a:pPr>
+              <a:lnSpc>
+                <a:spcPct val="100000"/>
+              </a:lnSpc>
+            </a:pPr>
+            <a:r>
+              <a:rPr b="0" lang="en-US" sz="1200" spc="-1" strike="noStrike">
+                <a:solidFill>
+                  <a:srgbClr val="000000"/>
+                </a:solidFill>
+                <a:latin typeface="Arial"/>
+                <a:ea typeface="DejaVu Sans"/>
+              </a:rPr>
+              <a:t>    </a:t>
+            </a:r>
+            <a:r>
+              <a:rPr b="0" lang="en-US" sz="1200" spc="-1" strike="noStrike">
+                <a:solidFill>
+                  <a:srgbClr val="000000"/>
+                </a:solidFill>
+                <a:latin typeface="Arial"/>
+                <a:ea typeface="DejaVu Sans"/>
+              </a:rPr>
+              <a:t>{ "ftp", LOG_FTP },</a:t>
+            </a:r>
+            <a:endParaRPr b="0" lang="en-CA" sz="1200" spc="-1" strike="noStrike">
+              <a:latin typeface="Arial"/>
+            </a:endParaRPr>
+          </a:p>
+          <a:p>
+            <a:pPr>
+              <a:lnSpc>
+                <a:spcPct val="100000"/>
+              </a:lnSpc>
+            </a:pPr>
+            <a:r>
+              <a:rPr b="0" lang="en-US" sz="1200" spc="-1" strike="noStrike">
+                <a:solidFill>
+                  <a:srgbClr val="000000"/>
+                </a:solidFill>
+                <a:latin typeface="Arial"/>
+                <a:ea typeface="DejaVu Sans"/>
+              </a:rPr>
+              <a:t>    </a:t>
+            </a:r>
+            <a:r>
+              <a:rPr b="0" lang="en-US" sz="1200" spc="-1" strike="noStrike">
+                <a:solidFill>
+                  <a:srgbClr val="000000"/>
+                </a:solidFill>
+                <a:latin typeface="Arial"/>
+                <a:ea typeface="DejaVu Sans"/>
+              </a:rPr>
+              <a:t>{ "kern", LOG_KERN },</a:t>
+            </a:r>
+            <a:endParaRPr b="0" lang="en-CA" sz="1200" spc="-1" strike="noStrike">
+              <a:latin typeface="Arial"/>
+            </a:endParaRPr>
+          </a:p>
+          <a:p>
+            <a:pPr>
+              <a:lnSpc>
+                <a:spcPct val="100000"/>
+              </a:lnSpc>
+            </a:pPr>
+            <a:r>
+              <a:rPr b="0" lang="en-US" sz="1200" spc="-1" strike="noStrike">
+                <a:solidFill>
+                  <a:srgbClr val="000000"/>
+                </a:solidFill>
+                <a:latin typeface="Arial"/>
+                <a:ea typeface="DejaVu Sans"/>
+              </a:rPr>
+              <a:t>    </a:t>
+            </a:r>
+            <a:r>
+              <a:rPr b="0" lang="en-US" sz="1200" spc="-1" strike="noStrike">
+                <a:solidFill>
+                  <a:srgbClr val="000000"/>
+                </a:solidFill>
+                <a:latin typeface="Arial"/>
+                <a:ea typeface="DejaVu Sans"/>
+              </a:rPr>
+              <a:t>{ "lpr", LOG_LPR },</a:t>
+            </a:r>
+            <a:endParaRPr b="0" lang="en-CA" sz="1200" spc="-1" strike="noStrike">
+              <a:latin typeface="Arial"/>
+            </a:endParaRPr>
+          </a:p>
+          <a:p>
+            <a:pPr>
+              <a:lnSpc>
+                <a:spcPct val="100000"/>
+              </a:lnSpc>
+            </a:pPr>
+            <a:r>
+              <a:rPr b="0" lang="en-US" sz="1200" spc="-1" strike="noStrike">
+                <a:solidFill>
+                  <a:srgbClr val="000000"/>
+                </a:solidFill>
+                <a:latin typeface="Arial"/>
+                <a:ea typeface="DejaVu Sans"/>
+              </a:rPr>
+              <a:t>    </a:t>
+            </a:r>
+            <a:r>
+              <a:rPr b="0" lang="en-US" sz="1200" spc="-1" strike="noStrike">
+                <a:solidFill>
+                  <a:srgbClr val="000000"/>
+                </a:solidFill>
+                <a:latin typeface="Arial"/>
+                <a:ea typeface="DejaVu Sans"/>
+              </a:rPr>
+              <a:t>{ "mail", LOG_MAIL },</a:t>
+            </a:r>
+            <a:endParaRPr b="0" lang="en-CA" sz="1200" spc="-1" strike="noStrike">
+              <a:latin typeface="Arial"/>
+            </a:endParaRPr>
+          </a:p>
+          <a:p>
+            <a:pPr>
+              <a:lnSpc>
+                <a:spcPct val="100000"/>
+              </a:lnSpc>
+            </a:pPr>
+            <a:r>
+              <a:rPr b="0" lang="en-US" sz="1200" spc="-1" strike="noStrike">
+                <a:solidFill>
+                  <a:srgbClr val="000000"/>
+                </a:solidFill>
+                <a:latin typeface="Arial"/>
+                <a:ea typeface="DejaVu Sans"/>
+              </a:rPr>
+              <a:t>    </a:t>
+            </a:r>
+            <a:r>
+              <a:rPr b="0" lang="en-US" sz="1200" spc="-1" strike="noStrike">
+                <a:solidFill>
+                  <a:srgbClr val="000000"/>
+                </a:solidFill>
+                <a:latin typeface="Arial"/>
+                <a:ea typeface="DejaVu Sans"/>
+              </a:rPr>
+              <a:t>{ "mark", INTERNAL_MARK },          /* INTERNAL */</a:t>
+            </a:r>
+            <a:endParaRPr b="0" lang="en-CA" sz="1200" spc="-1" strike="noStrike">
+              <a:latin typeface="Arial"/>
+            </a:endParaRPr>
+          </a:p>
+          <a:p>
+            <a:pPr>
+              <a:lnSpc>
+                <a:spcPct val="100000"/>
+              </a:lnSpc>
+            </a:pPr>
+            <a:r>
+              <a:rPr b="0" lang="en-US" sz="1200" spc="-1" strike="noStrike">
+                <a:solidFill>
+                  <a:srgbClr val="000000"/>
+                </a:solidFill>
+                <a:latin typeface="Arial"/>
+                <a:ea typeface="DejaVu Sans"/>
+              </a:rPr>
+              <a:t>    </a:t>
+            </a:r>
+            <a:r>
+              <a:rPr b="0" lang="en-US" sz="1200" spc="-1" strike="noStrike">
+                <a:solidFill>
+                  <a:srgbClr val="000000"/>
+                </a:solidFill>
+                <a:latin typeface="Arial"/>
+                <a:ea typeface="DejaVu Sans"/>
+              </a:rPr>
+              <a:t>{ "news", LOG_NEWS },</a:t>
+            </a:r>
+            <a:endParaRPr b="0" lang="en-CA" sz="1200" spc="-1" strike="noStrike">
+              <a:latin typeface="Arial"/>
+            </a:endParaRPr>
+          </a:p>
+          <a:p>
+            <a:pPr>
+              <a:lnSpc>
+                <a:spcPct val="100000"/>
+              </a:lnSpc>
+            </a:pPr>
+            <a:r>
+              <a:rPr b="0" lang="en-US" sz="1200" spc="-1" strike="noStrike">
+                <a:solidFill>
+                  <a:srgbClr val="000000"/>
+                </a:solidFill>
+                <a:latin typeface="Arial"/>
+                <a:ea typeface="DejaVu Sans"/>
+              </a:rPr>
+              <a:t>    </a:t>
+            </a:r>
+            <a:r>
+              <a:rPr b="0" lang="en-US" sz="1200" spc="-1" strike="noStrike">
+                <a:solidFill>
+                  <a:srgbClr val="000000"/>
+                </a:solidFill>
+                <a:latin typeface="Arial"/>
+                <a:ea typeface="DejaVu Sans"/>
+              </a:rPr>
+              <a:t>{ "security", LOG_AUTH },           /* DEPRECATED */</a:t>
+            </a:r>
+            <a:endParaRPr b="0" lang="en-CA" sz="1200" spc="-1" strike="noStrike">
+              <a:latin typeface="Arial"/>
+            </a:endParaRPr>
+          </a:p>
+          <a:p>
+            <a:pPr>
+              <a:lnSpc>
+                <a:spcPct val="100000"/>
+              </a:lnSpc>
+            </a:pPr>
+            <a:r>
+              <a:rPr b="0" lang="en-US" sz="1200" spc="-1" strike="noStrike">
+                <a:solidFill>
+                  <a:srgbClr val="000000"/>
+                </a:solidFill>
+                <a:latin typeface="Arial"/>
+                <a:ea typeface="DejaVu Sans"/>
+              </a:rPr>
+              <a:t>    </a:t>
+            </a:r>
+            <a:r>
+              <a:rPr b="0" lang="en-US" sz="1200" spc="-1" strike="noStrike">
+                <a:solidFill>
+                  <a:srgbClr val="000000"/>
+                </a:solidFill>
+                <a:latin typeface="Arial"/>
+                <a:ea typeface="DejaVu Sans"/>
+              </a:rPr>
+              <a:t>{ "syslog", LOG_SYSLOG },</a:t>
+            </a:r>
+            <a:endParaRPr b="0" lang="en-CA" sz="1200" spc="-1" strike="noStrike">
+              <a:latin typeface="Arial"/>
+            </a:endParaRPr>
+          </a:p>
+          <a:p>
+            <a:pPr>
+              <a:lnSpc>
+                <a:spcPct val="100000"/>
+              </a:lnSpc>
+            </a:pPr>
+            <a:r>
+              <a:rPr b="0" lang="en-US" sz="1200" spc="-1" strike="noStrike">
+                <a:solidFill>
+                  <a:srgbClr val="000000"/>
+                </a:solidFill>
+                <a:latin typeface="Arial"/>
+                <a:ea typeface="DejaVu Sans"/>
+              </a:rPr>
+              <a:t>    </a:t>
+            </a:r>
+            <a:r>
+              <a:rPr b="0" lang="en-US" sz="1200" spc="-1" strike="noStrike">
+                <a:solidFill>
+                  <a:srgbClr val="000000"/>
+                </a:solidFill>
+                <a:latin typeface="Arial"/>
+                <a:ea typeface="DejaVu Sans"/>
+              </a:rPr>
+              <a:t>{ "user", LOG_USER },</a:t>
+            </a:r>
+            <a:endParaRPr b="0" lang="en-CA" sz="1200" spc="-1" strike="noStrike">
+              <a:latin typeface="Arial"/>
+            </a:endParaRPr>
+          </a:p>
+          <a:p>
+            <a:pPr>
+              <a:lnSpc>
+                <a:spcPct val="100000"/>
+              </a:lnSpc>
+            </a:pPr>
+            <a:r>
+              <a:rPr b="0" lang="en-US" sz="1200" spc="-1" strike="noStrike">
+                <a:solidFill>
+                  <a:srgbClr val="000000"/>
+                </a:solidFill>
+                <a:latin typeface="Arial"/>
+                <a:ea typeface="DejaVu Sans"/>
+              </a:rPr>
+              <a:t>    </a:t>
+            </a:r>
+            <a:r>
+              <a:rPr b="0" lang="en-US" sz="1200" spc="-1" strike="noStrike">
+                <a:solidFill>
+                  <a:srgbClr val="000000"/>
+                </a:solidFill>
+                <a:latin typeface="Arial"/>
+                <a:ea typeface="DejaVu Sans"/>
+              </a:rPr>
+              <a:t>{ "uucp", LOG_UUCP },</a:t>
+            </a:r>
+            <a:endParaRPr b="0" lang="en-CA" sz="1200" spc="-1" strike="noStrike">
+              <a:latin typeface="Arial"/>
+            </a:endParaRPr>
+          </a:p>
+          <a:p>
+            <a:pPr>
+              <a:lnSpc>
+                <a:spcPct val="100000"/>
+              </a:lnSpc>
+            </a:pPr>
+            <a:r>
+              <a:rPr b="0" lang="en-US" sz="1200" spc="-1" strike="noStrike">
+                <a:solidFill>
+                  <a:srgbClr val="000000"/>
+                </a:solidFill>
+                <a:latin typeface="Arial"/>
+                <a:ea typeface="DejaVu Sans"/>
+              </a:rPr>
+              <a:t>    </a:t>
+            </a:r>
+            <a:r>
+              <a:rPr b="0" lang="en-US" sz="1200" spc="-1" strike="noStrike">
+                <a:solidFill>
+                  <a:srgbClr val="000000"/>
+                </a:solidFill>
+                <a:latin typeface="Arial"/>
+                <a:ea typeface="DejaVu Sans"/>
+              </a:rPr>
+              <a:t>{ "local0", LOG_LOCAL0 },</a:t>
+            </a:r>
+            <a:endParaRPr b="0" lang="en-CA" sz="1200" spc="-1" strike="noStrike">
+              <a:latin typeface="Arial"/>
+            </a:endParaRPr>
+          </a:p>
+          <a:p>
+            <a:pPr>
+              <a:lnSpc>
+                <a:spcPct val="100000"/>
+              </a:lnSpc>
+            </a:pPr>
+            <a:r>
+              <a:rPr b="0" lang="en-US" sz="1200" spc="-1" strike="noStrike">
+                <a:solidFill>
+                  <a:srgbClr val="000000"/>
+                </a:solidFill>
+                <a:latin typeface="Arial"/>
+                <a:ea typeface="DejaVu Sans"/>
+              </a:rPr>
+              <a:t>    </a:t>
+            </a:r>
+            <a:r>
+              <a:rPr b="0" lang="en-US" sz="1200" spc="-1" strike="noStrike">
+                <a:solidFill>
+                  <a:srgbClr val="000000"/>
+                </a:solidFill>
+                <a:latin typeface="Arial"/>
+                <a:ea typeface="DejaVu Sans"/>
+              </a:rPr>
+              <a:t>{ "local1", LOG_LOCAL1 },</a:t>
+            </a:r>
+            <a:endParaRPr b="0" lang="en-CA" sz="1200" spc="-1" strike="noStrike">
+              <a:latin typeface="Arial"/>
+            </a:endParaRPr>
+          </a:p>
+          <a:p>
+            <a:pPr>
+              <a:lnSpc>
+                <a:spcPct val="100000"/>
+              </a:lnSpc>
+            </a:pPr>
+            <a:r>
+              <a:rPr b="0" lang="en-US" sz="1200" spc="-1" strike="noStrike">
+                <a:solidFill>
+                  <a:srgbClr val="000000"/>
+                </a:solidFill>
+                <a:latin typeface="Arial"/>
+                <a:ea typeface="DejaVu Sans"/>
+              </a:rPr>
+              <a:t>    </a:t>
+            </a:r>
+            <a:r>
+              <a:rPr b="0" lang="en-US" sz="1200" spc="-1" strike="noStrike">
+                <a:solidFill>
+                  <a:srgbClr val="000000"/>
+                </a:solidFill>
+                <a:latin typeface="Arial"/>
+                <a:ea typeface="DejaVu Sans"/>
+              </a:rPr>
+              <a:t>{ "local2", LOG_LOCAL2 },</a:t>
+            </a:r>
+            <a:endParaRPr b="0" lang="en-CA" sz="1200" spc="-1" strike="noStrike">
+              <a:latin typeface="Arial"/>
+            </a:endParaRPr>
+          </a:p>
+          <a:p>
+            <a:pPr>
+              <a:lnSpc>
+                <a:spcPct val="100000"/>
+              </a:lnSpc>
+            </a:pPr>
+            <a:r>
+              <a:rPr b="0" lang="en-US" sz="1200" spc="-1" strike="noStrike">
+                <a:solidFill>
+                  <a:srgbClr val="000000"/>
+                </a:solidFill>
+                <a:latin typeface="Arial"/>
+                <a:ea typeface="DejaVu Sans"/>
+              </a:rPr>
+              <a:t>    </a:t>
+            </a:r>
+            <a:r>
+              <a:rPr b="0" lang="en-US" sz="1200" spc="-1" strike="noStrike">
+                <a:solidFill>
+                  <a:srgbClr val="000000"/>
+                </a:solidFill>
+                <a:latin typeface="Arial"/>
+                <a:ea typeface="DejaVu Sans"/>
+              </a:rPr>
+              <a:t>{ "local3", LOG_LOCAL3 },</a:t>
+            </a:r>
+            <a:endParaRPr b="0" lang="en-CA" sz="1200" spc="-1" strike="noStrike">
+              <a:latin typeface="Arial"/>
+            </a:endParaRPr>
+          </a:p>
+          <a:p>
+            <a:pPr>
+              <a:lnSpc>
+                <a:spcPct val="100000"/>
+              </a:lnSpc>
+            </a:pPr>
+            <a:r>
+              <a:rPr b="0" lang="en-US" sz="1200" spc="-1" strike="noStrike">
+                <a:solidFill>
+                  <a:srgbClr val="000000"/>
+                </a:solidFill>
+                <a:latin typeface="Arial"/>
+                <a:ea typeface="DejaVu Sans"/>
+              </a:rPr>
+              <a:t>    </a:t>
+            </a:r>
+            <a:r>
+              <a:rPr b="0" lang="en-US" sz="1200" spc="-1" strike="noStrike">
+                <a:solidFill>
+                  <a:srgbClr val="000000"/>
+                </a:solidFill>
+                <a:latin typeface="Arial"/>
+                <a:ea typeface="DejaVu Sans"/>
+              </a:rPr>
+              <a:t>{ "local4", LOG_LOCAL4 },</a:t>
+            </a:r>
+            <a:endParaRPr b="0" lang="en-CA" sz="1200" spc="-1" strike="noStrike">
+              <a:latin typeface="Arial"/>
+            </a:endParaRPr>
+          </a:p>
+          <a:p>
+            <a:pPr>
+              <a:lnSpc>
+                <a:spcPct val="100000"/>
+              </a:lnSpc>
+            </a:pPr>
+            <a:r>
+              <a:rPr b="0" lang="en-US" sz="1200" spc="-1" strike="noStrike">
+                <a:solidFill>
+                  <a:srgbClr val="000000"/>
+                </a:solidFill>
+                <a:latin typeface="Arial"/>
+                <a:ea typeface="DejaVu Sans"/>
+              </a:rPr>
+              <a:t>    </a:t>
+            </a:r>
+            <a:r>
+              <a:rPr b="0" lang="en-US" sz="1200" spc="-1" strike="noStrike">
+                <a:solidFill>
+                  <a:srgbClr val="000000"/>
+                </a:solidFill>
+                <a:latin typeface="Arial"/>
+                <a:ea typeface="DejaVu Sans"/>
+              </a:rPr>
+              <a:t>{ "local5", LOG_LOCAL5 },</a:t>
+            </a:r>
+            <a:endParaRPr b="0" lang="en-CA" sz="1200" spc="-1" strike="noStrike">
+              <a:latin typeface="Arial"/>
+            </a:endParaRPr>
+          </a:p>
+          <a:p>
+            <a:pPr>
+              <a:lnSpc>
+                <a:spcPct val="100000"/>
+              </a:lnSpc>
+            </a:pPr>
+            <a:r>
+              <a:rPr b="0" lang="en-US" sz="1200" spc="-1" strike="noStrike">
+                <a:solidFill>
+                  <a:srgbClr val="000000"/>
+                </a:solidFill>
+                <a:latin typeface="Arial"/>
+                <a:ea typeface="DejaVu Sans"/>
+              </a:rPr>
+              <a:t>    </a:t>
+            </a:r>
+            <a:r>
+              <a:rPr b="0" lang="en-US" sz="1200" spc="-1" strike="noStrike">
+                <a:solidFill>
+                  <a:srgbClr val="000000"/>
+                </a:solidFill>
+                <a:latin typeface="Arial"/>
+                <a:ea typeface="DejaVu Sans"/>
+              </a:rPr>
+              <a:t>{ "local6", LOG_LOCAL6 },</a:t>
+            </a:r>
+            <a:endParaRPr b="0" lang="en-CA" sz="1200" spc="-1" strike="noStrike">
+              <a:latin typeface="Arial"/>
+            </a:endParaRPr>
+          </a:p>
+          <a:p>
+            <a:pPr>
+              <a:lnSpc>
+                <a:spcPct val="100000"/>
+              </a:lnSpc>
+            </a:pPr>
+            <a:r>
+              <a:rPr b="0" lang="en-US" sz="1200" spc="-1" strike="noStrike">
+                <a:solidFill>
+                  <a:srgbClr val="000000"/>
+                </a:solidFill>
+                <a:latin typeface="Arial"/>
+                <a:ea typeface="DejaVu Sans"/>
+              </a:rPr>
+              <a:t>    </a:t>
+            </a:r>
+            <a:r>
+              <a:rPr b="0" lang="en-US" sz="1200" spc="-1" strike="noStrike">
+                <a:solidFill>
+                  <a:srgbClr val="000000"/>
+                </a:solidFill>
+                <a:latin typeface="Arial"/>
+                <a:ea typeface="DejaVu Sans"/>
+              </a:rPr>
+              <a:t>{ "local7", LOG_LOCAL7 },</a:t>
+            </a:r>
+            <a:endParaRPr b="0" lang="en-CA" sz="1200" spc="-1" strike="noStrike">
+              <a:latin typeface="Arial"/>
+            </a:endParaRPr>
+          </a:p>
+          <a:p>
+            <a:pPr>
+              <a:lnSpc>
+                <a:spcPct val="100000"/>
+              </a:lnSpc>
+            </a:pPr>
+            <a:r>
+              <a:rPr b="0" lang="en-US" sz="1200" spc="-1" strike="noStrike">
+                <a:solidFill>
+                  <a:srgbClr val="000000"/>
+                </a:solidFill>
+                <a:latin typeface="Arial"/>
+                <a:ea typeface="DejaVu Sans"/>
+              </a:rPr>
+              <a:t>    </a:t>
+            </a:r>
+            <a:r>
+              <a:rPr b="0" lang="en-US" sz="1200" spc="-1" strike="noStrike">
+                <a:solidFill>
+                  <a:srgbClr val="000000"/>
+                </a:solidFill>
+                <a:latin typeface="Arial"/>
+                <a:ea typeface="DejaVu Sans"/>
+              </a:rPr>
+              <a:t>{ NULL, -1 }</a:t>
+            </a:r>
+            <a:endParaRPr b="0" lang="en-CA" sz="1200" spc="-1" strike="noStrike">
+              <a:latin typeface="Arial"/>
+            </a:endParaRPr>
+          </a:p>
+          <a:p>
+            <a:pPr>
+              <a:lnSpc>
+                <a:spcPct val="100000"/>
+              </a:lnSpc>
+            </a:pPr>
+            <a:r>
+              <a:rPr b="0" lang="en-US" sz="1200" spc="-1" strike="noStrike">
+                <a:solidFill>
+                  <a:srgbClr val="000000"/>
+                </a:solidFill>
+                <a:latin typeface="Arial"/>
+                <a:ea typeface="DejaVu Sans"/>
+              </a:rPr>
+              <a:t>  </a:t>
+            </a:r>
+            <a:r>
+              <a:rPr b="0" lang="en-US" sz="1200" spc="-1" strike="noStrike">
+                <a:solidFill>
+                  <a:srgbClr val="000000"/>
+                </a:solidFill>
+                <a:latin typeface="Arial"/>
+                <a:ea typeface="DejaVu Sans"/>
+              </a:rPr>
+              <a:t>};</a:t>
+            </a:r>
+            <a:endParaRPr b="0" lang="en-CA" sz="1200" spc="-1" strike="noStrike">
+              <a:latin typeface="Arial"/>
             </a:endParaRPr>
           </a:p>
         </p:txBody>
@@ -4764,7 +4995,7 @@
 </p:sld>
 </file>
 
-<file path=ppt/slides/slide2.xml><?xml version="1.0" encoding="utf-8"?>
+<file path=ppt/slides/slide11.xml><?xml version="1.0" encoding="utf-8"?>
 <p:sld xmlns:a="http://schemas.openxmlformats.org/drawingml/2006/main" xmlns:p="http://schemas.openxmlformats.org/presentationml/2006/main" xmlns:r="http://schemas.openxmlformats.org/officeDocument/2006/relationships" xmlns:p14="http://schemas.microsoft.com/office/powerpoint/2010/main" xmlns:p15="http://schemas.microsoft.com/office/powerpoint/2012/main" xmlns:mc="http://schemas.openxmlformats.org/markup-compatibility/2006">
   <p:cSld>
     <p:spTree>
@@ -4783,1758 +5014,14 @@
       </p:grpSpPr>
       <p:sp>
         <p:nvSpPr>
-          <p:cNvPr id="86" name="TextShape 1"/>
-          <p:cNvSpPr txBox="1"/>
-          <p:nvPr/>
-        </p:nvSpPr>
-        <p:spPr>
-          <a:xfrm>
-            <a:off x="457200" y="274680"/>
-            <a:ext cx="8229240" cy="1142640"/>
-          </a:xfrm>
-          <a:prstGeom prst="rect">
-            <a:avLst/>
-          </a:prstGeom>
-          <a:noFill/>
-          <a:ln>
-            <a:noFill/>
-          </a:ln>
-        </p:spPr>
-        <p:txBody>
-          <a:bodyPr lIns="90000" rIns="90000" tIns="45000" bIns="45000">
-            <a:noAutofit/>
-          </a:bodyPr>
-          <a:p>
-            <a:pPr>
-              <a:lnSpc>
-                <a:spcPct val="100000"/>
-              </a:lnSpc>
-            </a:pPr>
-            <a:r>
-              <a:rPr b="0" lang="en-US" sz="4400" spc="-1" strike="noStrike">
-                <a:solidFill>
-                  <a:srgbClr val="000000"/>
-                </a:solidFill>
-                <a:latin typeface="Calibri"/>
-                <a:ea typeface="ＭＳ Ｐゴシック"/>
-              </a:rPr>
-              <a:t>Log </a:t>
-            </a:r>
-            <a:r>
-              <a:rPr b="0" lang="en-US" sz="4400" spc="-1" strike="noStrike">
-                <a:solidFill>
-                  <a:srgbClr val="000000"/>
-                </a:solidFill>
-                <a:latin typeface="Calibri"/>
-                <a:ea typeface="ＭＳ Ｐゴシック"/>
-              </a:rPr>
-              <a:t>Files </a:t>
-            </a:r>
-            <a:r>
-              <a:rPr b="0" lang="en-US" sz="4400" spc="-1" strike="noStrike">
-                <a:solidFill>
-                  <a:srgbClr val="000000"/>
-                </a:solidFill>
-                <a:latin typeface="Calibri"/>
-                <a:ea typeface="ＭＳ Ｐゴシック"/>
-              </a:rPr>
-              <a:t>– </a:t>
-            </a:r>
-            <a:r>
-              <a:rPr b="0" lang="en-US" sz="4400" spc="-1" strike="noStrike">
-                <a:solidFill>
-                  <a:srgbClr val="000000"/>
-                </a:solidFill>
-                <a:latin typeface="Calibri"/>
-                <a:ea typeface="ＭＳ Ｐゴシック"/>
-              </a:rPr>
-              <a:t>why </a:t>
-            </a:r>
-            <a:r>
-              <a:rPr b="0" lang="en-US" sz="4400" spc="-1" strike="noStrike">
-                <a:solidFill>
-                  <a:srgbClr val="000000"/>
-                </a:solidFill>
-                <a:latin typeface="Calibri"/>
-                <a:ea typeface="ＭＳ Ｐゴシック"/>
-              </a:rPr>
-              <a:t>both</a:t>
-            </a:r>
-            <a:r>
-              <a:rPr b="0" lang="en-US" sz="4400" spc="-1" strike="noStrike">
-                <a:solidFill>
-                  <a:srgbClr val="000000"/>
-                </a:solidFill>
-                <a:latin typeface="Calibri"/>
-                <a:ea typeface="ＭＳ Ｐゴシック"/>
-              </a:rPr>
-              <a:t>er</a:t>
-            </a:r>
-            <a:endParaRPr b="0" lang="en-US" sz="4400" spc="-1" strike="noStrike">
-              <a:solidFill>
-                <a:srgbClr val="000000"/>
-              </a:solidFill>
-              <a:latin typeface="Arial"/>
-            </a:endParaRPr>
-          </a:p>
-        </p:txBody>
-      </p:sp>
-      <p:sp>
-        <p:nvSpPr>
-          <p:cNvPr id="87" name="TextShape 2"/>
-          <p:cNvSpPr txBox="1"/>
-          <p:nvPr/>
-        </p:nvSpPr>
-        <p:spPr>
-          <a:xfrm>
-            <a:off x="990720" y="1417680"/>
-            <a:ext cx="7391160" cy="4800240"/>
-          </a:xfrm>
-          <a:prstGeom prst="rect">
-            <a:avLst/>
-          </a:prstGeom>
-          <a:noFill/>
-          <a:ln>
-            <a:noFill/>
-          </a:ln>
-        </p:spPr>
-        <p:txBody>
-          <a:bodyPr lIns="90000" rIns="90000" tIns="45000" bIns="45000">
-            <a:noAutofit/>
-          </a:bodyPr>
-          <a:p>
-            <a:pPr marL="343080" indent="-342720">
-              <a:lnSpc>
-                <a:spcPct val="150000"/>
-              </a:lnSpc>
-              <a:spcBef>
-                <a:spcPts val="400"/>
-              </a:spcBef>
-              <a:buClr>
-                <a:srgbClr val="000000"/>
-              </a:buClr>
-              <a:buFont typeface="Symbol" charset="2"/>
-              <a:buChar char=""/>
-            </a:pPr>
-            <a:r>
-              <a:rPr b="0" lang="en-US" sz="2000" spc="-1" strike="noStrike">
-                <a:solidFill>
-                  <a:srgbClr val="000000"/>
-                </a:solidFill>
-                <a:latin typeface="Calibri"/>
-                <a:ea typeface="ＭＳ Ｐゴシック"/>
-              </a:rPr>
-              <a:t>We care, we really care, about  “What happened and </a:t>
-            </a:r>
-            <a:r>
-              <a:rPr b="0" lang="en-US" sz="2000" spc="-1" strike="noStrike">
-                <a:solidFill>
-                  <a:srgbClr val="000000"/>
-                </a:solidFill>
-                <a:latin typeface="Calibri"/>
-                <a:ea typeface="ＭＳ Ｐゴシック"/>
-              </a:rPr>
-              <a:t>when it happened”</a:t>
-            </a:r>
-            <a:endParaRPr b="0" lang="en-US" sz="2000" spc="-1" strike="noStrike">
-              <a:solidFill>
-                <a:srgbClr val="000000"/>
-              </a:solidFill>
-              <a:latin typeface="Calibri"/>
-            </a:endParaRPr>
-          </a:p>
-          <a:p>
-            <a:pPr marL="343080" indent="-342720">
-              <a:lnSpc>
-                <a:spcPct val="150000"/>
-              </a:lnSpc>
-              <a:spcBef>
-                <a:spcPts val="400"/>
-              </a:spcBef>
-              <a:buClr>
-                <a:srgbClr val="000000"/>
-              </a:buClr>
-              <a:buFont typeface="Symbol" charset="2"/>
-              <a:buChar char=""/>
-            </a:pPr>
-            <a:r>
-              <a:rPr b="0" lang="en-US" sz="2000" spc="-1" strike="noStrike">
-                <a:solidFill>
-                  <a:srgbClr val="000000"/>
-                </a:solidFill>
-                <a:latin typeface="Calibri"/>
-                <a:ea typeface="ＭＳ Ｐゴシック"/>
-              </a:rPr>
-              <a:t>Log files are an administrator’s best friend when </a:t>
-            </a:r>
-            <a:r>
-              <a:rPr b="0" lang="en-US" sz="2000" spc="-1" strike="noStrike">
-                <a:solidFill>
-                  <a:srgbClr val="000000"/>
-                </a:solidFill>
-                <a:latin typeface="Calibri"/>
-                <a:ea typeface="ＭＳ Ｐゴシック"/>
-              </a:rPr>
-              <a:t>debugging</a:t>
-            </a:r>
-            <a:endParaRPr b="0" lang="en-US" sz="2000" spc="-1" strike="noStrike">
-              <a:solidFill>
-                <a:srgbClr val="000000"/>
-              </a:solidFill>
-              <a:latin typeface="Calibri"/>
-            </a:endParaRPr>
-          </a:p>
-          <a:p>
-            <a:pPr marL="343080" indent="-342720">
-              <a:lnSpc>
-                <a:spcPct val="150000"/>
-              </a:lnSpc>
-              <a:spcBef>
-                <a:spcPts val="400"/>
-              </a:spcBef>
-              <a:buClr>
-                <a:srgbClr val="000000"/>
-              </a:buClr>
-              <a:buFont typeface="Symbol" charset="2"/>
-              <a:buChar char=""/>
-            </a:pPr>
-            <a:r>
-              <a:rPr b="0" lang="en-US" sz="2000" spc="-1" strike="noStrike">
-                <a:solidFill>
-                  <a:srgbClr val="000000"/>
-                </a:solidFill>
-                <a:latin typeface="Calibri"/>
-                <a:ea typeface="ＭＳ Ｐゴシック"/>
-              </a:rPr>
-              <a:t>Application developers will often ask for log files when </a:t>
-            </a:r>
-            <a:r>
-              <a:rPr b="0" lang="en-US" sz="2000" spc="-1" strike="noStrike">
-                <a:solidFill>
-                  <a:srgbClr val="000000"/>
-                </a:solidFill>
-                <a:latin typeface="Calibri"/>
-                <a:ea typeface="ＭＳ Ｐゴシック"/>
-              </a:rPr>
-              <a:t>trouble shooting</a:t>
-            </a:r>
-            <a:endParaRPr b="0" lang="en-US" sz="2000" spc="-1" strike="noStrike">
-              <a:solidFill>
-                <a:srgbClr val="000000"/>
-              </a:solidFill>
-              <a:latin typeface="Calibri"/>
-            </a:endParaRPr>
-          </a:p>
-          <a:p>
-            <a:pPr>
-              <a:lnSpc>
-                <a:spcPct val="90000"/>
-              </a:lnSpc>
-              <a:spcBef>
-                <a:spcPts val="641"/>
-              </a:spcBef>
-              <a:tabLst>
-                <a:tab algn="l" pos="0"/>
-              </a:tabLst>
-            </a:pPr>
-            <a:endParaRPr b="0" lang="en-US" sz="2000" spc="-1" strike="noStrike">
-              <a:solidFill>
-                <a:srgbClr val="000000"/>
-              </a:solidFill>
-              <a:latin typeface="Calibri"/>
-            </a:endParaRPr>
-          </a:p>
-        </p:txBody>
-      </p:sp>
-    </p:spTree>
-  </p:cSld>
-  <mc:AlternateContent>
-    <mc:Choice Requires="p14">
-      <p:transition spd="slow" p14:dur="2000"/>
-    </mc:Choice>
-    <mc:Fallback>
-      <p:transition spd="slow"/>
-    </mc:Fallback>
-  </mc:AlternateContent>
-</p:sld>
-</file>
-
-<file path=ppt/slides/slide3.xml><?xml version="1.0" encoding="utf-8"?>
-<p:sld xmlns:a="http://schemas.openxmlformats.org/drawingml/2006/main" xmlns:p="http://schemas.openxmlformats.org/presentationml/2006/main" xmlns:r="http://schemas.openxmlformats.org/officeDocument/2006/relationships" xmlns:p14="http://schemas.microsoft.com/office/powerpoint/2010/main" xmlns:p15="http://schemas.microsoft.com/office/powerpoint/2012/main" xmlns:mc="http://schemas.openxmlformats.org/markup-compatibility/2006">
-  <p:cSld>
-    <p:spTree>
-      <p:nvGrpSpPr>
-        <p:cNvPr id="1" name=""/>
-        <p:cNvGrpSpPr/>
-        <p:nvPr/>
-      </p:nvGrpSpPr>
-      <p:grpSpPr>
-        <a:xfrm>
-          <a:off x="0" y="0"/>
-          <a:ext cx="0" cy="0"/>
-          <a:chOff x="0" y="0"/>
-          <a:chExt cx="0" cy="0"/>
-        </a:xfrm>
-      </p:grpSpPr>
-      <p:sp>
-        <p:nvSpPr>
-          <p:cNvPr id="88" name="TextShape 1"/>
-          <p:cNvSpPr txBox="1"/>
-          <p:nvPr/>
-        </p:nvSpPr>
-        <p:spPr>
-          <a:xfrm>
-            <a:off x="457200" y="274680"/>
-            <a:ext cx="8229240" cy="1142640"/>
-          </a:xfrm>
-          <a:prstGeom prst="rect">
-            <a:avLst/>
-          </a:prstGeom>
-          <a:noFill/>
-          <a:ln>
-            <a:noFill/>
-          </a:ln>
-        </p:spPr>
-        <p:txBody>
-          <a:bodyPr lIns="90000" rIns="90000" tIns="45000" bIns="45000">
-            <a:noAutofit/>
-          </a:bodyPr>
-          <a:p>
-            <a:pPr>
-              <a:lnSpc>
-                <a:spcPct val="100000"/>
-              </a:lnSpc>
-            </a:pPr>
-            <a:r>
-              <a:rPr b="0" lang="en-CA" sz="4400" spc="-1" strike="noStrike">
-                <a:solidFill>
-                  <a:srgbClr val="000000"/>
-                </a:solidFill>
-                <a:latin typeface="Calibri"/>
-                <a:ea typeface="ＭＳ Ｐゴシック"/>
-              </a:rPr>
-              <a:t>Loggi</a:t>
-            </a:r>
-            <a:r>
-              <a:rPr b="0" lang="en-CA" sz="4400" spc="-1" strike="noStrike">
-                <a:solidFill>
-                  <a:srgbClr val="000000"/>
-                </a:solidFill>
-                <a:latin typeface="Calibri"/>
-                <a:ea typeface="ＭＳ Ｐゴシック"/>
-              </a:rPr>
-              <a:t>ng </a:t>
-            </a:r>
-            <a:r>
-              <a:rPr b="0" lang="en-CA" sz="4400" spc="-1" strike="noStrike">
-                <a:solidFill>
-                  <a:srgbClr val="000000"/>
-                </a:solidFill>
-                <a:latin typeface="Calibri"/>
-                <a:ea typeface="ＭＳ Ｐゴシック"/>
-              </a:rPr>
-              <a:t>Optio</a:t>
-            </a:r>
-            <a:r>
-              <a:rPr b="0" lang="en-CA" sz="4400" spc="-1" strike="noStrike">
-                <a:solidFill>
-                  <a:srgbClr val="000000"/>
-                </a:solidFill>
-                <a:latin typeface="Calibri"/>
-                <a:ea typeface="ＭＳ Ｐゴシック"/>
-              </a:rPr>
-              <a:t>ns</a:t>
-            </a:r>
-            <a:endParaRPr b="0" lang="en-US" sz="4400" spc="-1" strike="noStrike">
-              <a:solidFill>
-                <a:srgbClr val="000000"/>
-              </a:solidFill>
-              <a:latin typeface="Arial"/>
-            </a:endParaRPr>
-          </a:p>
-        </p:txBody>
-      </p:sp>
-      <p:sp>
-        <p:nvSpPr>
-          <p:cNvPr id="89" name="TextShape 2"/>
-          <p:cNvSpPr txBox="1"/>
-          <p:nvPr/>
-        </p:nvSpPr>
-        <p:spPr>
-          <a:xfrm>
-            <a:off x="1158480" y="1944000"/>
-            <a:ext cx="7661520" cy="2361960"/>
-          </a:xfrm>
-          <a:prstGeom prst="rect">
-            <a:avLst/>
-          </a:prstGeom>
-          <a:noFill/>
-          <a:ln>
-            <a:noFill/>
-          </a:ln>
-        </p:spPr>
-        <p:txBody>
-          <a:bodyPr lIns="90000" rIns="90000" tIns="45000" bIns="45000">
-            <a:noAutofit/>
-          </a:bodyPr>
-          <a:p>
-            <a:pPr marL="343080" indent="-342720">
-              <a:lnSpc>
-                <a:spcPct val="100000"/>
-              </a:lnSpc>
-              <a:spcBef>
-                <a:spcPts val="641"/>
-              </a:spcBef>
-              <a:buClr>
-                <a:srgbClr val="000000"/>
-              </a:buClr>
-              <a:buFont typeface="Symbol" charset="2"/>
-              <a:buChar char=""/>
-            </a:pPr>
-            <a:r>
-              <a:rPr b="0" lang="en-CA" sz="2800" spc="-1" strike="noStrike">
-                <a:solidFill>
-                  <a:srgbClr val="000000"/>
-                </a:solidFill>
-                <a:latin typeface="Calibri"/>
-                <a:ea typeface="ＭＳ Ｐゴシック"/>
-              </a:rPr>
-              <a:t>Application specific</a:t>
-            </a:r>
-            <a:br/>
-            <a:r>
-              <a:rPr b="0" lang="en-CA" sz="2800" spc="-1" strike="noStrike">
-                <a:solidFill>
-                  <a:srgbClr val="000000"/>
-                </a:solidFill>
-                <a:latin typeface="Calibri"/>
-              </a:rPr>
-              <a:t> </a:t>
-            </a:r>
-            <a:endParaRPr b="0" lang="en-US" sz="2800" spc="-1" strike="noStrike">
-              <a:solidFill>
-                <a:srgbClr val="000000"/>
-              </a:solidFill>
-              <a:latin typeface="Calibri"/>
-            </a:endParaRPr>
-          </a:p>
-          <a:p>
-            <a:pPr marL="343080" indent="-342720">
-              <a:lnSpc>
-                <a:spcPct val="100000"/>
-              </a:lnSpc>
-              <a:spcBef>
-                <a:spcPts val="641"/>
-              </a:spcBef>
-              <a:buClr>
-                <a:srgbClr val="000000"/>
-              </a:buClr>
-              <a:buFont typeface="Symbol" charset="2"/>
-              <a:buChar char=""/>
-            </a:pPr>
-            <a:r>
-              <a:rPr b="0" lang="en-CA" sz="2800" spc="-1" strike="noStrike">
-                <a:solidFill>
-                  <a:srgbClr val="000000"/>
-                </a:solidFill>
-                <a:latin typeface="Calibri"/>
-                <a:ea typeface="ＭＳ Ｐゴシック"/>
-              </a:rPr>
-              <a:t>Common logging facility </a:t>
-            </a:r>
-            <a:br/>
-            <a:r>
-              <a:rPr b="0" lang="en-CA" sz="2800" spc="-1" strike="noStrike">
-                <a:solidFill>
-                  <a:srgbClr val="000000"/>
-                </a:solidFill>
-                <a:latin typeface="Calibri"/>
-                <a:ea typeface="ＭＳ Ｐゴシック"/>
-              </a:rPr>
-              <a:t>(syslog/rsyslog, Window$ Event Log)</a:t>
-            </a:r>
-            <a:endParaRPr b="0" lang="en-US" sz="2800" spc="-1" strike="noStrike">
-              <a:solidFill>
-                <a:srgbClr val="000000"/>
-              </a:solidFill>
-              <a:latin typeface="Calibri"/>
-            </a:endParaRPr>
-          </a:p>
-        </p:txBody>
-      </p:sp>
-    </p:spTree>
-  </p:cSld>
-  <mc:AlternateContent>
-    <mc:Choice Requires="p14">
-      <p:transition spd="slow" p14:dur="2000"/>
-    </mc:Choice>
-    <mc:Fallback>
-      <p:transition spd="slow"/>
-    </mc:Fallback>
-  </mc:AlternateContent>
-</p:sld>
-</file>
-
-<file path=ppt/slides/slide4.xml><?xml version="1.0" encoding="utf-8"?>
-<p:sld xmlns:a="http://schemas.openxmlformats.org/drawingml/2006/main" xmlns:p="http://schemas.openxmlformats.org/presentationml/2006/main" xmlns:r="http://schemas.openxmlformats.org/officeDocument/2006/relationships" xmlns:p14="http://schemas.microsoft.com/office/powerpoint/2010/main" xmlns:p15="http://schemas.microsoft.com/office/powerpoint/2012/main" xmlns:mc="http://schemas.openxmlformats.org/markup-compatibility/2006">
-  <p:cSld>
-    <p:spTree>
-      <p:nvGrpSpPr>
-        <p:cNvPr id="1" name=""/>
-        <p:cNvGrpSpPr/>
-        <p:nvPr/>
-      </p:nvGrpSpPr>
-      <p:grpSpPr>
-        <a:xfrm>
-          <a:off x="0" y="0"/>
-          <a:ext cx="0" cy="0"/>
-          <a:chOff x="0" y="0"/>
-          <a:chExt cx="0" cy="0"/>
-        </a:xfrm>
-      </p:grpSpPr>
-      <p:sp>
-        <p:nvSpPr>
-          <p:cNvPr id="90" name="TextShape 1"/>
-          <p:cNvSpPr txBox="1"/>
-          <p:nvPr/>
-        </p:nvSpPr>
-        <p:spPr>
-          <a:xfrm>
-            <a:off x="457200" y="274680"/>
-            <a:ext cx="8229240" cy="1142640"/>
-          </a:xfrm>
-          <a:prstGeom prst="rect">
-            <a:avLst/>
-          </a:prstGeom>
-          <a:noFill/>
-          <a:ln>
-            <a:noFill/>
-          </a:ln>
-        </p:spPr>
-        <p:txBody>
-          <a:bodyPr lIns="90000" rIns="90000" tIns="45000" bIns="45000">
-            <a:noAutofit/>
-          </a:bodyPr>
-          <a:p>
-            <a:pPr>
-              <a:lnSpc>
-                <a:spcPct val="100000"/>
-              </a:lnSpc>
-            </a:pPr>
-            <a:r>
-              <a:rPr b="0" lang="en-US" sz="4400" spc="-1" strike="noStrike">
-                <a:solidFill>
-                  <a:srgbClr val="000000"/>
-                </a:solidFill>
-                <a:latin typeface="Calibri"/>
-                <a:ea typeface="ＭＳ Ｐゴシック"/>
-              </a:rPr>
-              <a:t>Gene</a:t>
-            </a:r>
-            <a:r>
-              <a:rPr b="0" lang="en-US" sz="4400" spc="-1" strike="noStrike">
-                <a:solidFill>
-                  <a:srgbClr val="000000"/>
-                </a:solidFill>
-                <a:latin typeface="Calibri"/>
-                <a:ea typeface="ＭＳ Ｐゴシック"/>
-              </a:rPr>
-              <a:t>ral </a:t>
-            </a:r>
-            <a:r>
-              <a:rPr b="0" lang="en-US" sz="4400" spc="-1" strike="noStrike">
-                <a:solidFill>
-                  <a:srgbClr val="000000"/>
-                </a:solidFill>
-                <a:latin typeface="Calibri"/>
-                <a:ea typeface="ＭＳ Ｐゴシック"/>
-              </a:rPr>
-              <a:t>Truth</a:t>
-            </a:r>
-            <a:r>
-              <a:rPr b="0" lang="en-US" sz="4400" spc="-1" strike="noStrike">
-                <a:solidFill>
-                  <a:srgbClr val="000000"/>
-                </a:solidFill>
-                <a:latin typeface="Calibri"/>
-                <a:ea typeface="ＭＳ Ｐゴシック"/>
-              </a:rPr>
-              <a:t>s </a:t>
-            </a:r>
-            <a:r>
-              <a:rPr b="0" lang="en-US" sz="4400" spc="-1" strike="noStrike">
-                <a:solidFill>
-                  <a:srgbClr val="000000"/>
-                </a:solidFill>
-                <a:latin typeface="Calibri"/>
-                <a:ea typeface="ＭＳ Ｐゴシック"/>
-              </a:rPr>
-              <a:t>abou</a:t>
-            </a:r>
-            <a:r>
-              <a:rPr b="0" lang="en-US" sz="4400" spc="-1" strike="noStrike">
-                <a:solidFill>
-                  <a:srgbClr val="000000"/>
-                </a:solidFill>
-                <a:latin typeface="Calibri"/>
-                <a:ea typeface="ＭＳ Ｐゴシック"/>
-              </a:rPr>
-              <a:t>t </a:t>
-            </a:r>
-            <a:r>
-              <a:rPr b="0" lang="en-US" sz="4400" spc="-1" strike="noStrike">
-                <a:solidFill>
-                  <a:srgbClr val="000000"/>
-                </a:solidFill>
-                <a:latin typeface="Calibri"/>
-                <a:ea typeface="ＭＳ Ｐゴシック"/>
-              </a:rPr>
-              <a:t>logs</a:t>
-            </a:r>
-            <a:endParaRPr b="0" lang="en-US" sz="4400" spc="-1" strike="noStrike">
-              <a:solidFill>
-                <a:srgbClr val="000000"/>
-              </a:solidFill>
-              <a:latin typeface="Arial"/>
-            </a:endParaRPr>
-          </a:p>
-        </p:txBody>
-      </p:sp>
-      <p:sp>
-        <p:nvSpPr>
-          <p:cNvPr id="91" name="TextShape 2"/>
-          <p:cNvSpPr txBox="1"/>
-          <p:nvPr/>
-        </p:nvSpPr>
-        <p:spPr>
-          <a:xfrm>
-            <a:off x="1143000" y="1295280"/>
-            <a:ext cx="7619760" cy="4114440"/>
-          </a:xfrm>
-          <a:prstGeom prst="rect">
-            <a:avLst/>
-          </a:prstGeom>
-          <a:noFill/>
-          <a:ln>
-            <a:noFill/>
-          </a:ln>
-        </p:spPr>
-        <p:txBody>
-          <a:bodyPr lIns="90000" rIns="90000" tIns="45000" bIns="45000">
-            <a:noAutofit/>
-          </a:bodyPr>
-          <a:p>
-            <a:pPr marL="343080" indent="-342720">
-              <a:lnSpc>
-                <a:spcPct val="150000"/>
-              </a:lnSpc>
-              <a:spcBef>
-                <a:spcPts val="479"/>
-              </a:spcBef>
-              <a:buClr>
-                <a:srgbClr val="000000"/>
-              </a:buClr>
-              <a:buFont typeface="Symbol" charset="2"/>
-              <a:buChar char=""/>
-            </a:pPr>
-            <a:r>
-              <a:rPr b="0" lang="en-US" sz="2400" spc="-1" strike="noStrike">
-                <a:solidFill>
-                  <a:srgbClr val="000000"/>
-                </a:solidFill>
-                <a:latin typeface="Calibri"/>
-                <a:ea typeface="ＭＳ Ｐゴシック"/>
-              </a:rPr>
-              <a:t>Developers spend considerable time and energy writing messages to the log file – to help </a:t>
-            </a:r>
-            <a:r>
-              <a:rPr b="1" lang="en-US" sz="2400" spc="-1" strike="noStrike">
-                <a:solidFill>
-                  <a:srgbClr val="000000"/>
-                </a:solidFill>
-                <a:latin typeface="Calibri"/>
-                <a:ea typeface="ＭＳ Ｐゴシック"/>
-              </a:rPr>
-              <a:t>you</a:t>
-            </a:r>
-            <a:endParaRPr b="0" lang="en-US" sz="2400" spc="-1" strike="noStrike">
-              <a:solidFill>
-                <a:srgbClr val="000000"/>
-              </a:solidFill>
-              <a:latin typeface="Calibri"/>
-            </a:endParaRPr>
-          </a:p>
-          <a:p>
-            <a:pPr marL="343080" indent="-342720">
-              <a:lnSpc>
-                <a:spcPct val="150000"/>
-              </a:lnSpc>
-              <a:spcBef>
-                <a:spcPts val="479"/>
-              </a:spcBef>
-              <a:buClr>
-                <a:srgbClr val="000000"/>
-              </a:buClr>
-              <a:buFont typeface="Symbol" charset="2"/>
-              <a:buChar char=""/>
-            </a:pPr>
-            <a:r>
-              <a:rPr b="0" lang="en-US" sz="2400" spc="-1" strike="noStrike">
-                <a:solidFill>
-                  <a:srgbClr val="000000"/>
-                </a:solidFill>
-                <a:latin typeface="Calibri"/>
-                <a:ea typeface="ＭＳ Ｐゴシック"/>
-              </a:rPr>
-              <a:t>Most logging mechanisms share these traits</a:t>
-            </a:r>
-            <a:endParaRPr b="0" lang="en-US" sz="2400" spc="-1" strike="noStrike">
-              <a:solidFill>
-                <a:srgbClr val="000000"/>
-              </a:solidFill>
-              <a:latin typeface="Calibri"/>
-            </a:endParaRPr>
-          </a:p>
-          <a:p>
-            <a:pPr lvl="1" marL="743040" indent="-285480">
-              <a:lnSpc>
-                <a:spcPct val="150000"/>
-              </a:lnSpc>
-              <a:spcBef>
-                <a:spcPts val="400"/>
-              </a:spcBef>
-              <a:buClr>
-                <a:srgbClr val="000000"/>
-              </a:buClr>
-              <a:buFont typeface="Symbol" charset="2"/>
-              <a:buChar char=""/>
-            </a:pPr>
-            <a:r>
-              <a:rPr b="0" lang="en-US" sz="2000" spc="-1" strike="noStrike">
-                <a:solidFill>
-                  <a:srgbClr val="000000"/>
-                </a:solidFill>
-                <a:latin typeface="Calibri"/>
-                <a:ea typeface="ＭＳ Ｐゴシック"/>
-              </a:rPr>
-              <a:t>Time stamp</a:t>
-            </a:r>
-            <a:endParaRPr b="0" lang="en-US" sz="2000" spc="-1" strike="noStrike">
-              <a:solidFill>
-                <a:srgbClr val="000000"/>
-              </a:solidFill>
-              <a:latin typeface="Calibri"/>
-            </a:endParaRPr>
-          </a:p>
-          <a:p>
-            <a:pPr lvl="1" marL="743040" indent="-285480">
-              <a:lnSpc>
-                <a:spcPct val="150000"/>
-              </a:lnSpc>
-              <a:spcBef>
-                <a:spcPts val="400"/>
-              </a:spcBef>
-              <a:buClr>
-                <a:srgbClr val="000000"/>
-              </a:buClr>
-              <a:buFont typeface="Symbol" charset="2"/>
-              <a:buChar char=""/>
-            </a:pPr>
-            <a:r>
-              <a:rPr b="0" lang="en-US" sz="2000" spc="-1" strike="noStrike">
-                <a:solidFill>
-                  <a:srgbClr val="000000"/>
-                </a:solidFill>
-                <a:latin typeface="Calibri"/>
-                <a:ea typeface="ＭＳ Ｐゴシック"/>
-              </a:rPr>
-              <a:t>Severity level (debug, info, warn, error)</a:t>
-            </a:r>
-            <a:endParaRPr b="0" lang="en-US" sz="2000" spc="-1" strike="noStrike">
-              <a:solidFill>
-                <a:srgbClr val="000000"/>
-              </a:solidFill>
-              <a:latin typeface="Calibri"/>
-            </a:endParaRPr>
-          </a:p>
-          <a:p>
-            <a:pPr lvl="1" marL="743040" indent="-285480">
-              <a:lnSpc>
-                <a:spcPct val="150000"/>
-              </a:lnSpc>
-              <a:spcBef>
-                <a:spcPts val="400"/>
-              </a:spcBef>
-              <a:buClr>
-                <a:srgbClr val="000000"/>
-              </a:buClr>
-              <a:buFont typeface="Symbol" charset="2"/>
-              <a:buChar char=""/>
-            </a:pPr>
-            <a:r>
-              <a:rPr b="0" lang="en-US" sz="2000" spc="-1" strike="noStrike">
-                <a:solidFill>
-                  <a:srgbClr val="000000"/>
-                </a:solidFill>
-                <a:latin typeface="Calibri"/>
-                <a:ea typeface="ＭＳ Ｐゴシック"/>
-              </a:rPr>
-              <a:t>Ability to limit messages to one level and ‘above’</a:t>
-            </a:r>
-            <a:endParaRPr b="0" lang="en-US" sz="2000" spc="-1" strike="noStrike">
-              <a:solidFill>
-                <a:srgbClr val="000000"/>
-              </a:solidFill>
-              <a:latin typeface="Calibri"/>
-            </a:endParaRPr>
-          </a:p>
-          <a:p>
-            <a:pPr lvl="1" marL="743040" indent="-285480">
-              <a:lnSpc>
-                <a:spcPct val="150000"/>
-              </a:lnSpc>
-              <a:spcBef>
-                <a:spcPts val="400"/>
-              </a:spcBef>
-              <a:buClr>
-                <a:srgbClr val="000000"/>
-              </a:buClr>
-              <a:buFont typeface="Symbol" charset="2"/>
-              <a:buChar char=""/>
-            </a:pPr>
-            <a:r>
-              <a:rPr b="0" lang="en-US" sz="2000" spc="-1" strike="noStrike">
-                <a:solidFill>
-                  <a:srgbClr val="000000"/>
-                </a:solidFill>
-                <a:latin typeface="Calibri"/>
-                <a:ea typeface="ＭＳ Ｐゴシック"/>
-              </a:rPr>
-              <a:t>Description text</a:t>
-            </a:r>
-            <a:endParaRPr b="0" lang="en-US" sz="2000" spc="-1" strike="noStrike">
-              <a:solidFill>
-                <a:srgbClr val="000000"/>
-              </a:solidFill>
-              <a:latin typeface="Calibri"/>
-            </a:endParaRPr>
-          </a:p>
-        </p:txBody>
-      </p:sp>
-    </p:spTree>
-  </p:cSld>
-  <mc:AlternateContent>
-    <mc:Choice Requires="p14">
-      <p:transition spd="slow" p14:dur="2000"/>
-    </mc:Choice>
-    <mc:Fallback>
-      <p:transition spd="slow"/>
-    </mc:Fallback>
-  </mc:AlternateContent>
-</p:sld>
-</file>
-
-<file path=ppt/slides/slide5.xml><?xml version="1.0" encoding="utf-8"?>
-<p:sld xmlns:a="http://schemas.openxmlformats.org/drawingml/2006/main" xmlns:p="http://schemas.openxmlformats.org/presentationml/2006/main" xmlns:r="http://schemas.openxmlformats.org/officeDocument/2006/relationships" xmlns:p14="http://schemas.microsoft.com/office/powerpoint/2010/main" xmlns:p15="http://schemas.microsoft.com/office/powerpoint/2012/main" xmlns:mc="http://schemas.openxmlformats.org/markup-compatibility/2006">
-  <p:cSld>
-    <p:spTree>
-      <p:nvGrpSpPr>
-        <p:cNvPr id="1" name=""/>
-        <p:cNvGrpSpPr/>
-        <p:nvPr/>
-      </p:nvGrpSpPr>
-      <p:grpSpPr>
-        <a:xfrm>
-          <a:off x="0" y="0"/>
-          <a:ext cx="0" cy="0"/>
-          <a:chOff x="0" y="0"/>
-          <a:chExt cx="0" cy="0"/>
-        </a:xfrm>
-      </p:grpSpPr>
-      <p:sp>
-        <p:nvSpPr>
-          <p:cNvPr id="92" name="TextShape 1"/>
-          <p:cNvSpPr txBox="1"/>
-          <p:nvPr/>
-        </p:nvSpPr>
-        <p:spPr>
-          <a:xfrm>
-            <a:off x="457200" y="274680"/>
-            <a:ext cx="8229240" cy="1142640"/>
-          </a:xfrm>
-          <a:prstGeom prst="rect">
-            <a:avLst/>
-          </a:prstGeom>
-          <a:noFill/>
-          <a:ln>
-            <a:noFill/>
-          </a:ln>
-        </p:spPr>
-        <p:txBody>
-          <a:bodyPr lIns="90000" rIns="90000" tIns="45000" bIns="45000">
-            <a:noAutofit/>
-          </a:bodyPr>
-          <a:p>
-            <a:pPr>
-              <a:lnSpc>
-                <a:spcPct val="100000"/>
-              </a:lnSpc>
-            </a:pPr>
-            <a:r>
-              <a:rPr b="0" lang="en-CA" sz="4400" spc="-1" strike="noStrike">
-                <a:solidFill>
-                  <a:srgbClr val="000000"/>
-                </a:solidFill>
-                <a:latin typeface="Calibri"/>
-                <a:ea typeface="ＭＳ Ｐゴシック"/>
-              </a:rPr>
-              <a:t>syslo</a:t>
-            </a:r>
-            <a:r>
-              <a:rPr b="0" lang="en-CA" sz="4400" spc="-1" strike="noStrike">
-                <a:solidFill>
-                  <a:srgbClr val="000000"/>
-                </a:solidFill>
-                <a:latin typeface="Calibri"/>
-                <a:ea typeface="ＭＳ Ｐゴシック"/>
-              </a:rPr>
-              <a:t>g </a:t>
-            </a:r>
-            <a:r>
-              <a:rPr b="0" lang="en-CA" sz="4400" spc="-1" strike="noStrike">
-                <a:solidFill>
-                  <a:srgbClr val="000000"/>
-                </a:solidFill>
-                <a:latin typeface="Calibri"/>
-                <a:ea typeface="ＭＳ Ｐゴシック"/>
-              </a:rPr>
-              <a:t>and </a:t>
-            </a:r>
-            <a:r>
-              <a:rPr b="0" lang="en-CA" sz="4400" spc="-1" strike="noStrike">
-                <a:solidFill>
-                  <a:srgbClr val="000000"/>
-                </a:solidFill>
-                <a:latin typeface="Calibri"/>
-                <a:ea typeface="ＭＳ Ｐゴシック"/>
-              </a:rPr>
-              <a:t>rsysl</a:t>
-            </a:r>
-            <a:r>
-              <a:rPr b="0" lang="en-CA" sz="4400" spc="-1" strike="noStrike">
-                <a:solidFill>
-                  <a:srgbClr val="000000"/>
-                </a:solidFill>
-                <a:latin typeface="Calibri"/>
-                <a:ea typeface="ＭＳ Ｐゴシック"/>
-              </a:rPr>
-              <a:t>og</a:t>
-            </a:r>
-            <a:endParaRPr b="0" lang="en-US" sz="4400" spc="-1" strike="noStrike">
-              <a:solidFill>
-                <a:srgbClr val="000000"/>
-              </a:solidFill>
-              <a:latin typeface="Arial"/>
-            </a:endParaRPr>
-          </a:p>
-        </p:txBody>
-      </p:sp>
-      <p:sp>
-        <p:nvSpPr>
-          <p:cNvPr id="93" name="TextShape 2"/>
-          <p:cNvSpPr txBox="1"/>
-          <p:nvPr/>
-        </p:nvSpPr>
-        <p:spPr>
-          <a:xfrm>
-            <a:off x="457200" y="1600200"/>
-            <a:ext cx="8229240" cy="4525560"/>
-          </a:xfrm>
-          <a:prstGeom prst="rect">
-            <a:avLst/>
-          </a:prstGeom>
-          <a:noFill/>
-          <a:ln>
-            <a:noFill/>
-          </a:ln>
-        </p:spPr>
-        <p:txBody>
-          <a:bodyPr lIns="90000" rIns="90000" tIns="45000" bIns="45000">
-            <a:noAutofit/>
-          </a:bodyPr>
-          <a:p>
-            <a:pPr marL="343080" indent="-342720">
-              <a:lnSpc>
-                <a:spcPct val="100000"/>
-              </a:lnSpc>
-              <a:spcBef>
-                <a:spcPts val="641"/>
-              </a:spcBef>
-              <a:buClr>
-                <a:srgbClr val="000000"/>
-              </a:buClr>
-              <a:buFont typeface="Symbol" charset="2"/>
-              <a:buChar char=""/>
-            </a:pPr>
-            <a:r>
-              <a:rPr b="0" lang="en-CA" sz="3200" spc="-1" strike="noStrike">
-                <a:solidFill>
-                  <a:srgbClr val="000000"/>
-                </a:solidFill>
-                <a:latin typeface="Calibri"/>
-                <a:ea typeface="ＭＳ Ｐゴシック"/>
-              </a:rPr>
-              <a:t>Centralized logging system</a:t>
-            </a:r>
-            <a:endParaRPr b="0" lang="en-US" sz="3200" spc="-1" strike="noStrike">
-              <a:solidFill>
-                <a:srgbClr val="000000"/>
-              </a:solidFill>
-              <a:latin typeface="Calibri"/>
-            </a:endParaRPr>
-          </a:p>
-          <a:p>
-            <a:pPr marL="343080" indent="-342720">
-              <a:lnSpc>
-                <a:spcPct val="100000"/>
-              </a:lnSpc>
-              <a:spcBef>
-                <a:spcPts val="641"/>
-              </a:spcBef>
-              <a:buClr>
-                <a:srgbClr val="000000"/>
-              </a:buClr>
-              <a:buFont typeface="Symbol" charset="2"/>
-              <a:buChar char=""/>
-            </a:pPr>
-            <a:r>
-              <a:rPr b="0" lang="en-CA" sz="3200" spc="-1" strike="noStrike">
-                <a:solidFill>
-                  <a:srgbClr val="000000"/>
-                </a:solidFill>
-                <a:latin typeface="Calibri"/>
-                <a:ea typeface="ＭＳ Ｐゴシック"/>
-              </a:rPr>
-              <a:t>Used by most *nix system daemons</a:t>
-            </a:r>
-            <a:endParaRPr b="0" lang="en-US" sz="3200" spc="-1" strike="noStrike">
-              <a:solidFill>
-                <a:srgbClr val="000000"/>
-              </a:solidFill>
-              <a:latin typeface="Calibri"/>
-            </a:endParaRPr>
-          </a:p>
-          <a:p>
-            <a:pPr marL="343080" indent="-342720">
-              <a:lnSpc>
-                <a:spcPct val="100000"/>
-              </a:lnSpc>
-              <a:spcBef>
-                <a:spcPts val="641"/>
-              </a:spcBef>
-              <a:buClr>
-                <a:srgbClr val="000000"/>
-              </a:buClr>
-              <a:buFont typeface="Symbol" charset="2"/>
-              <a:buChar char=""/>
-            </a:pPr>
-            <a:r>
-              <a:rPr b="0" lang="en-CA" sz="3200" spc="-1" strike="noStrike">
-                <a:solidFill>
-                  <a:srgbClr val="000000"/>
-                </a:solidFill>
-                <a:latin typeface="Calibri"/>
-                <a:ea typeface="ＭＳ Ｐゴシック"/>
-              </a:rPr>
-              <a:t>Can be used by most other daemons</a:t>
-            </a:r>
-            <a:endParaRPr b="0" lang="en-US" sz="3200" spc="-1" strike="noStrike">
-              <a:solidFill>
-                <a:srgbClr val="000000"/>
-              </a:solidFill>
-              <a:latin typeface="Calibri"/>
-            </a:endParaRPr>
-          </a:p>
-          <a:p>
-            <a:pPr marL="343080" indent="-342720">
-              <a:lnSpc>
-                <a:spcPct val="100000"/>
-              </a:lnSpc>
-              <a:spcBef>
-                <a:spcPts val="641"/>
-              </a:spcBef>
-              <a:buClr>
-                <a:srgbClr val="000000"/>
-              </a:buClr>
-              <a:buFont typeface="Symbol" charset="2"/>
-              <a:buChar char=""/>
-            </a:pPr>
-            <a:r>
-              <a:rPr b="0" lang="en-CA" sz="3200" spc="-1" strike="noStrike">
-                <a:solidFill>
-                  <a:srgbClr val="000000"/>
-                </a:solidFill>
-                <a:latin typeface="Calibri"/>
-                <a:ea typeface="ＭＳ Ｐゴシック"/>
-              </a:rPr>
-              <a:t>Supports remote logging (very important for security)</a:t>
-            </a:r>
-            <a:endParaRPr b="0" lang="en-US" sz="3200" spc="-1" strike="noStrike">
-              <a:solidFill>
-                <a:srgbClr val="000000"/>
-              </a:solidFill>
-              <a:latin typeface="Calibri"/>
-            </a:endParaRPr>
-          </a:p>
-          <a:p>
-            <a:pPr marL="343080" indent="-342720">
-              <a:lnSpc>
-                <a:spcPct val="100000"/>
-              </a:lnSpc>
-              <a:spcBef>
-                <a:spcPts val="641"/>
-              </a:spcBef>
-              <a:buClr>
-                <a:srgbClr val="000000"/>
-              </a:buClr>
-              <a:buFont typeface="Symbol" charset="2"/>
-              <a:buChar char=""/>
-            </a:pPr>
-            <a:r>
-              <a:rPr b="0" lang="en-CA" sz="3200" spc="-1" strike="noStrike">
-                <a:solidFill>
-                  <a:srgbClr val="000000"/>
-                </a:solidFill>
-                <a:latin typeface="Calibri"/>
-                <a:ea typeface="ＭＳ Ｐゴシック"/>
-              </a:rPr>
-              <a:t>Log ‘level’ and ‘destination(s)’ can be controlled ‘centrally’</a:t>
-            </a:r>
-            <a:endParaRPr b="0" lang="en-US" sz="3200" spc="-1" strike="noStrike">
-              <a:solidFill>
-                <a:srgbClr val="000000"/>
-              </a:solidFill>
-              <a:latin typeface="Calibri"/>
-            </a:endParaRPr>
-          </a:p>
-        </p:txBody>
-      </p:sp>
-    </p:spTree>
-  </p:cSld>
-  <mc:AlternateContent>
-    <mc:Choice Requires="p14">
-      <p:transition spd="slow" p14:dur="2000"/>
-    </mc:Choice>
-    <mc:Fallback>
-      <p:transition spd="slow"/>
-    </mc:Fallback>
-  </mc:AlternateContent>
-</p:sld>
-</file>
-
-<file path=ppt/slides/slide6.xml><?xml version="1.0" encoding="utf-8"?>
-<p:sld xmlns:a="http://schemas.openxmlformats.org/drawingml/2006/main" xmlns:p="http://schemas.openxmlformats.org/presentationml/2006/main" xmlns:r="http://schemas.openxmlformats.org/officeDocument/2006/relationships" xmlns:p14="http://schemas.microsoft.com/office/powerpoint/2010/main" xmlns:p15="http://schemas.microsoft.com/office/powerpoint/2012/main" xmlns:mc="http://schemas.openxmlformats.org/markup-compatibility/2006">
-  <p:cSld>
-    <p:spTree>
-      <p:nvGrpSpPr>
-        <p:cNvPr id="1" name=""/>
-        <p:cNvGrpSpPr/>
-        <p:nvPr/>
-      </p:nvGrpSpPr>
-      <p:grpSpPr>
-        <a:xfrm>
-          <a:off x="0" y="0"/>
-          <a:ext cx="0" cy="0"/>
-          <a:chOff x="0" y="0"/>
-          <a:chExt cx="0" cy="0"/>
-        </a:xfrm>
-      </p:grpSpPr>
-      <p:sp>
-        <p:nvSpPr>
-          <p:cNvPr id="94" name="TextShape 1"/>
-          <p:cNvSpPr txBox="1"/>
-          <p:nvPr/>
-        </p:nvSpPr>
-        <p:spPr>
-          <a:xfrm>
-            <a:off x="457200" y="609480"/>
-            <a:ext cx="8229240" cy="4525560"/>
-          </a:xfrm>
-          <a:prstGeom prst="rect">
-            <a:avLst/>
-          </a:prstGeom>
-          <a:noFill/>
-          <a:ln>
-            <a:noFill/>
-          </a:ln>
-        </p:spPr>
-        <p:txBody>
-          <a:bodyPr lIns="90000" rIns="90000" tIns="45000" bIns="45000">
-            <a:noAutofit/>
-          </a:bodyPr>
-          <a:p>
-            <a:pPr>
-              <a:lnSpc>
-                <a:spcPct val="100000"/>
-              </a:lnSpc>
-              <a:spcBef>
-                <a:spcPts val="641"/>
-              </a:spcBef>
-              <a:tabLst>
-                <a:tab algn="l" pos="0"/>
-              </a:tabLst>
-            </a:pPr>
-            <a:r>
-              <a:rPr b="1" lang="en-CA" sz="3200" spc="-1" strike="noStrike">
-                <a:solidFill>
-                  <a:srgbClr val="000000"/>
-                </a:solidFill>
-                <a:latin typeface="Calibri"/>
-                <a:ea typeface="ＭＳ Ｐゴシック"/>
-              </a:rPr>
-              <a:t>Why is remote logging important for security?</a:t>
-            </a:r>
-            <a:endParaRPr b="0" lang="en-US" sz="3200" spc="-1" strike="noStrike">
-              <a:solidFill>
-                <a:srgbClr val="000000"/>
-              </a:solidFill>
-              <a:latin typeface="Calibri"/>
-            </a:endParaRPr>
-          </a:p>
-          <a:p>
-            <a:pPr>
-              <a:lnSpc>
-                <a:spcPct val="100000"/>
-              </a:lnSpc>
-              <a:spcBef>
-                <a:spcPts val="641"/>
-              </a:spcBef>
-              <a:tabLst>
-                <a:tab algn="l" pos="0"/>
-              </a:tabLst>
-            </a:pPr>
-            <a:endParaRPr b="0" lang="en-US" sz="3200" spc="-1" strike="noStrike">
-              <a:solidFill>
-                <a:srgbClr val="000000"/>
-              </a:solidFill>
-              <a:latin typeface="Calibri"/>
-            </a:endParaRPr>
-          </a:p>
-          <a:p>
-            <a:pPr>
-              <a:lnSpc>
-                <a:spcPct val="100000"/>
-              </a:lnSpc>
-              <a:spcBef>
-                <a:spcPts val="641"/>
-              </a:spcBef>
-              <a:tabLst>
-                <a:tab algn="l" pos="0"/>
-              </a:tabLst>
-            </a:pPr>
-            <a:r>
-              <a:rPr b="0" lang="en-CA" sz="3200" spc="-1" strike="noStrike">
-                <a:solidFill>
-                  <a:srgbClr val="000000"/>
-                </a:solidFill>
-                <a:latin typeface="Calibri"/>
-                <a:ea typeface="ＭＳ Ｐゴシック"/>
-              </a:rPr>
-              <a:t>Consider these two facts:</a:t>
-            </a:r>
-            <a:endParaRPr b="0" lang="en-US" sz="3200" spc="-1" strike="noStrike">
-              <a:solidFill>
-                <a:srgbClr val="000000"/>
-              </a:solidFill>
-              <a:latin typeface="Calibri"/>
-            </a:endParaRPr>
-          </a:p>
-          <a:p>
-            <a:pPr marL="514440" indent="-514080">
-              <a:lnSpc>
-                <a:spcPct val="100000"/>
-              </a:lnSpc>
-              <a:spcBef>
-                <a:spcPts val="641"/>
-              </a:spcBef>
-              <a:buClr>
-                <a:srgbClr val="000000"/>
-              </a:buClr>
-              <a:buFont typeface="StarSymbol"/>
-              <a:buAutoNum type="arabicParenR"/>
-              <a:tabLst>
-                <a:tab algn="l" pos="0"/>
-              </a:tabLst>
-            </a:pPr>
-            <a:r>
-              <a:rPr b="0" lang="en-CA" sz="3200" spc="-1" strike="noStrike">
-                <a:solidFill>
-                  <a:srgbClr val="000000"/>
-                </a:solidFill>
-                <a:latin typeface="Calibri"/>
-                <a:ea typeface="ＭＳ Ｐゴシック"/>
-              </a:rPr>
-              <a:t>Security events, like failed login attempts, are logged to a file only root can access</a:t>
-            </a:r>
-            <a:endParaRPr b="0" lang="en-US" sz="3200" spc="-1" strike="noStrike">
-              <a:solidFill>
-                <a:srgbClr val="000000"/>
-              </a:solidFill>
-              <a:latin typeface="Calibri"/>
-            </a:endParaRPr>
-          </a:p>
-          <a:p>
-            <a:pPr marL="514440" indent="-514080">
-              <a:lnSpc>
-                <a:spcPct val="100000"/>
-              </a:lnSpc>
-              <a:spcBef>
-                <a:spcPts val="641"/>
-              </a:spcBef>
-              <a:buClr>
-                <a:srgbClr val="000000"/>
-              </a:buClr>
-              <a:buFont typeface="StarSymbol"/>
-              <a:buAutoNum type="arabicParenR"/>
-              <a:tabLst>
-                <a:tab algn="l" pos="0"/>
-              </a:tabLst>
-            </a:pPr>
-            <a:r>
-              <a:rPr b="0" lang="en-CA" sz="3200" spc="-1" strike="noStrike">
-                <a:solidFill>
-                  <a:srgbClr val="000000"/>
-                </a:solidFill>
-                <a:latin typeface="Calibri"/>
-                <a:ea typeface="ＭＳ Ｐゴシック"/>
-              </a:rPr>
-              <a:t>Intruders know fact 1.</a:t>
-            </a:r>
-            <a:endParaRPr b="0" lang="en-US" sz="3200" spc="-1" strike="noStrike">
-              <a:solidFill>
-                <a:srgbClr val="000000"/>
-              </a:solidFill>
-              <a:latin typeface="Calibri"/>
-            </a:endParaRPr>
-          </a:p>
-        </p:txBody>
-      </p:sp>
-    </p:spTree>
-  </p:cSld>
-  <mc:AlternateContent>
-    <mc:Choice Requires="p14">
-      <p:transition spd="slow" p14:dur="2000"/>
-    </mc:Choice>
-    <mc:Fallback>
-      <p:transition spd="slow"/>
-    </mc:Fallback>
-  </mc:AlternateContent>
-</p:sld>
-</file>
-
-<file path=ppt/slides/slide7.xml><?xml version="1.0" encoding="utf-8"?>
-<p:sld xmlns:a="http://schemas.openxmlformats.org/drawingml/2006/main" xmlns:p="http://schemas.openxmlformats.org/presentationml/2006/main" xmlns:r="http://schemas.openxmlformats.org/officeDocument/2006/relationships" xmlns:p14="http://schemas.microsoft.com/office/powerpoint/2010/main" xmlns:p15="http://schemas.microsoft.com/office/powerpoint/2012/main" xmlns:mc="http://schemas.openxmlformats.org/markup-compatibility/2006">
-  <p:cSld>
-    <p:spTree>
-      <p:nvGrpSpPr>
-        <p:cNvPr id="1" name=""/>
-        <p:cNvGrpSpPr/>
-        <p:nvPr/>
-      </p:nvGrpSpPr>
-      <p:grpSpPr>
-        <a:xfrm>
-          <a:off x="0" y="0"/>
-          <a:ext cx="0" cy="0"/>
-          <a:chOff x="0" y="0"/>
-          <a:chExt cx="0" cy="0"/>
-        </a:xfrm>
-      </p:grpSpPr>
-      <p:sp>
-        <p:nvSpPr>
-          <p:cNvPr id="95" name="TextShape 1"/>
-          <p:cNvSpPr txBox="1"/>
-          <p:nvPr/>
-        </p:nvSpPr>
-        <p:spPr>
-          <a:xfrm>
-            <a:off x="457200" y="274680"/>
-            <a:ext cx="8229240" cy="1142640"/>
-          </a:xfrm>
-          <a:prstGeom prst="rect">
-            <a:avLst/>
-          </a:prstGeom>
-          <a:noFill/>
-          <a:ln>
-            <a:noFill/>
-          </a:ln>
-        </p:spPr>
-        <p:txBody>
-          <a:bodyPr lIns="90000" rIns="90000" tIns="45000" bIns="45000">
-            <a:noAutofit/>
-          </a:bodyPr>
-          <a:p>
-            <a:pPr>
-              <a:lnSpc>
-                <a:spcPct val="100000"/>
-              </a:lnSpc>
-            </a:pPr>
-            <a:r>
-              <a:rPr b="0" lang="en-CA" sz="4400" spc="-1" strike="noStrike">
-                <a:solidFill>
-                  <a:srgbClr val="000000"/>
-                </a:solidFill>
-                <a:latin typeface="Calibri"/>
-                <a:ea typeface="ＭＳ Ｐゴシック"/>
-              </a:rPr>
-              <a:t>[r]sy</a:t>
-            </a:r>
-            <a:r>
-              <a:rPr b="0" lang="en-CA" sz="4400" spc="-1" strike="noStrike">
-                <a:solidFill>
-                  <a:srgbClr val="000000"/>
-                </a:solidFill>
-                <a:latin typeface="Calibri"/>
-                <a:ea typeface="ＭＳ Ｐゴシック"/>
-              </a:rPr>
-              <a:t>slog </a:t>
-            </a:r>
-            <a:r>
-              <a:rPr b="0" lang="en-CA" sz="4400" spc="-1" strike="noStrike">
-                <a:solidFill>
-                  <a:srgbClr val="000000"/>
-                </a:solidFill>
-                <a:latin typeface="Calibri"/>
-                <a:ea typeface="ＭＳ Ｐゴシック"/>
-              </a:rPr>
-              <a:t>Mess</a:t>
-            </a:r>
-            <a:r>
-              <a:rPr b="0" lang="en-CA" sz="4400" spc="-1" strike="noStrike">
-                <a:solidFill>
-                  <a:srgbClr val="000000"/>
-                </a:solidFill>
-                <a:latin typeface="Calibri"/>
-                <a:ea typeface="ＭＳ Ｐゴシック"/>
-              </a:rPr>
-              <a:t>age </a:t>
-            </a:r>
-            <a:r>
-              <a:rPr b="0" lang="en-CA" sz="4400" spc="-1" strike="noStrike">
-                <a:solidFill>
-                  <a:srgbClr val="000000"/>
-                </a:solidFill>
-                <a:latin typeface="Calibri"/>
-                <a:ea typeface="ＭＳ Ｐゴシック"/>
-              </a:rPr>
-              <a:t>Struc</a:t>
-            </a:r>
-            <a:r>
-              <a:rPr b="0" lang="en-CA" sz="4400" spc="-1" strike="noStrike">
-                <a:solidFill>
-                  <a:srgbClr val="000000"/>
-                </a:solidFill>
-                <a:latin typeface="Calibri"/>
-                <a:ea typeface="ＭＳ Ｐゴシック"/>
-              </a:rPr>
-              <a:t>ture</a:t>
-            </a:r>
-            <a:endParaRPr b="0" lang="en-US" sz="4400" spc="-1" strike="noStrike">
-              <a:solidFill>
-                <a:srgbClr val="000000"/>
-              </a:solidFill>
-              <a:latin typeface="Arial"/>
-            </a:endParaRPr>
-          </a:p>
-        </p:txBody>
-      </p:sp>
-      <p:sp>
-        <p:nvSpPr>
-          <p:cNvPr id="96" name="TextShape 2"/>
-          <p:cNvSpPr txBox="1"/>
-          <p:nvPr/>
-        </p:nvSpPr>
-        <p:spPr>
-          <a:xfrm>
-            <a:off x="457200" y="1600200"/>
-            <a:ext cx="8229240" cy="3733560"/>
-          </a:xfrm>
-          <a:prstGeom prst="rect">
-            <a:avLst/>
-          </a:prstGeom>
-          <a:noFill/>
-          <a:ln>
-            <a:noFill/>
-          </a:ln>
-        </p:spPr>
-        <p:txBody>
-          <a:bodyPr lIns="90000" rIns="90000" tIns="45000" bIns="45000">
-            <a:noAutofit/>
-          </a:bodyPr>
-          <a:p>
-            <a:pPr>
-              <a:lnSpc>
-                <a:spcPct val="100000"/>
-              </a:lnSpc>
-              <a:spcBef>
-                <a:spcPts val="641"/>
-              </a:spcBef>
-              <a:tabLst>
-                <a:tab algn="l" pos="0"/>
-              </a:tabLst>
-            </a:pPr>
-            <a:r>
-              <a:rPr b="0" lang="en-CA" sz="3200" spc="-1" strike="noStrike">
-                <a:solidFill>
-                  <a:srgbClr val="000000"/>
-                </a:solidFill>
-                <a:latin typeface="Calibri"/>
-                <a:ea typeface="ＭＳ Ｐゴシック"/>
-              </a:rPr>
-              <a:t>Facility.Severity Message</a:t>
-            </a:r>
-            <a:endParaRPr b="0" lang="en-US" sz="3200" spc="-1" strike="noStrike">
-              <a:solidFill>
-                <a:srgbClr val="000000"/>
-              </a:solidFill>
-              <a:latin typeface="Calibri"/>
-            </a:endParaRPr>
-          </a:p>
-          <a:p>
-            <a:pPr>
-              <a:lnSpc>
-                <a:spcPct val="100000"/>
-              </a:lnSpc>
-              <a:spcBef>
-                <a:spcPts val="641"/>
-              </a:spcBef>
-              <a:tabLst>
-                <a:tab algn="l" pos="0"/>
-              </a:tabLst>
-            </a:pPr>
-            <a:endParaRPr b="0" lang="en-US" sz="3200" spc="-1" strike="noStrike">
-              <a:solidFill>
-                <a:srgbClr val="000000"/>
-              </a:solidFill>
-              <a:latin typeface="Calibri"/>
-            </a:endParaRPr>
-          </a:p>
-          <a:p>
-            <a:pPr>
-              <a:lnSpc>
-                <a:spcPct val="100000"/>
-              </a:lnSpc>
-              <a:spcBef>
-                <a:spcPts val="561"/>
-              </a:spcBef>
-              <a:tabLst>
-                <a:tab algn="l" pos="0"/>
-              </a:tabLst>
-            </a:pPr>
-            <a:r>
-              <a:rPr b="1" lang="en-CA" sz="2800" spc="-1" strike="noStrike">
-                <a:solidFill>
-                  <a:srgbClr val="000000"/>
-                </a:solidFill>
-                <a:latin typeface="Calibri"/>
-                <a:ea typeface="ＭＳ Ｐゴシック"/>
-              </a:rPr>
-              <a:t>Facility</a:t>
-            </a:r>
-            <a:r>
-              <a:rPr b="0" lang="en-CA" sz="2800" spc="-1" strike="noStrike">
-                <a:solidFill>
-                  <a:srgbClr val="000000"/>
-                </a:solidFill>
-                <a:latin typeface="Calibri"/>
-                <a:ea typeface="ＭＳ Ｐゴシック"/>
-              </a:rPr>
-              <a:t>: “Who” sent the message</a:t>
-            </a:r>
-            <a:endParaRPr b="0" lang="en-US" sz="2800" spc="-1" strike="noStrike">
-              <a:solidFill>
-                <a:srgbClr val="000000"/>
-              </a:solidFill>
-              <a:latin typeface="Calibri"/>
-            </a:endParaRPr>
-          </a:p>
-          <a:p>
-            <a:pPr>
-              <a:lnSpc>
-                <a:spcPct val="100000"/>
-              </a:lnSpc>
-              <a:spcBef>
-                <a:spcPts val="561"/>
-              </a:spcBef>
-              <a:tabLst>
-                <a:tab algn="l" pos="0"/>
-              </a:tabLst>
-            </a:pPr>
-            <a:r>
-              <a:rPr b="1" lang="en-CA" sz="2800" spc="-1" strike="noStrike">
-                <a:solidFill>
-                  <a:srgbClr val="000000"/>
-                </a:solidFill>
-                <a:latin typeface="Calibri"/>
-                <a:ea typeface="ＭＳ Ｐゴシック"/>
-              </a:rPr>
-              <a:t>Severity</a:t>
-            </a:r>
-            <a:r>
-              <a:rPr b="0" lang="en-CA" sz="2800" spc="-1" strike="noStrike">
-                <a:solidFill>
-                  <a:srgbClr val="000000"/>
-                </a:solidFill>
-                <a:latin typeface="Calibri"/>
-                <a:ea typeface="ＭＳ Ｐゴシック"/>
-              </a:rPr>
-              <a:t>: How “important” is the message</a:t>
-            </a:r>
-            <a:endParaRPr b="0" lang="en-US" sz="2800" spc="-1" strike="noStrike">
-              <a:solidFill>
-                <a:srgbClr val="000000"/>
-              </a:solidFill>
-              <a:latin typeface="Calibri"/>
-            </a:endParaRPr>
-          </a:p>
-          <a:p>
-            <a:pPr>
-              <a:lnSpc>
-                <a:spcPct val="100000"/>
-              </a:lnSpc>
-              <a:spcBef>
-                <a:spcPts val="561"/>
-              </a:spcBef>
-              <a:tabLst>
-                <a:tab algn="l" pos="0"/>
-              </a:tabLst>
-            </a:pPr>
-            <a:r>
-              <a:rPr b="1" lang="en-CA" sz="2800" spc="-1" strike="noStrike">
-                <a:solidFill>
-                  <a:srgbClr val="000000"/>
-                </a:solidFill>
-                <a:latin typeface="Calibri"/>
-                <a:ea typeface="ＭＳ Ｐゴシック"/>
-              </a:rPr>
-              <a:t>Message</a:t>
-            </a:r>
-            <a:r>
-              <a:rPr b="0" lang="en-CA" sz="2800" spc="-1" strike="noStrike">
-                <a:solidFill>
-                  <a:srgbClr val="000000"/>
-                </a:solidFill>
-                <a:latin typeface="Calibri"/>
-                <a:ea typeface="ＭＳ Ｐゴシック"/>
-              </a:rPr>
-              <a:t>: What the developer wanted to say to you.</a:t>
-            </a:r>
-            <a:endParaRPr b="0" lang="en-US" sz="2800" spc="-1" strike="noStrike">
-              <a:solidFill>
-                <a:srgbClr val="000000"/>
-              </a:solidFill>
-              <a:latin typeface="Calibri"/>
-            </a:endParaRPr>
-          </a:p>
-        </p:txBody>
-      </p:sp>
-    </p:spTree>
-  </p:cSld>
-  <mc:AlternateContent>
-    <mc:Choice Requires="p14">
-      <p:transition spd="slow" p14:dur="2000"/>
-    </mc:Choice>
-    <mc:Fallback>
-      <p:transition spd="slow"/>
-    </mc:Fallback>
-  </mc:AlternateContent>
-</p:sld>
-</file>
-
-<file path=ppt/slides/slide8.xml><?xml version="1.0" encoding="utf-8"?>
-<p:sld xmlns:a="http://schemas.openxmlformats.org/drawingml/2006/main" xmlns:p="http://schemas.openxmlformats.org/presentationml/2006/main" xmlns:r="http://schemas.openxmlformats.org/officeDocument/2006/relationships" xmlns:p14="http://schemas.microsoft.com/office/powerpoint/2010/main" xmlns:p15="http://schemas.microsoft.com/office/powerpoint/2012/main" xmlns:mc="http://schemas.openxmlformats.org/markup-compatibility/2006">
-  <p:cSld>
-    <p:spTree>
-      <p:nvGrpSpPr>
-        <p:cNvPr id="1" name=""/>
-        <p:cNvGrpSpPr/>
-        <p:nvPr/>
-      </p:nvGrpSpPr>
-      <p:grpSpPr>
-        <a:xfrm>
-          <a:off x="0" y="0"/>
-          <a:ext cx="0" cy="0"/>
-          <a:chOff x="0" y="0"/>
-          <a:chExt cx="0" cy="0"/>
-        </a:xfrm>
-      </p:grpSpPr>
-      <p:sp>
-        <p:nvSpPr>
-          <p:cNvPr id="97" name="TextShape 1"/>
-          <p:cNvSpPr txBox="1"/>
-          <p:nvPr/>
-        </p:nvSpPr>
-        <p:spPr>
-          <a:xfrm>
-            <a:off x="457200" y="274680"/>
-            <a:ext cx="8229240" cy="1142640"/>
-          </a:xfrm>
-          <a:prstGeom prst="rect">
-            <a:avLst/>
-          </a:prstGeom>
-          <a:noFill/>
-          <a:ln>
-            <a:noFill/>
-          </a:ln>
-        </p:spPr>
-        <p:txBody>
-          <a:bodyPr lIns="90000" rIns="90000" tIns="45000" bIns="45000">
-            <a:noAutofit/>
-          </a:bodyPr>
-          <a:p>
-            <a:pPr>
-              <a:lnSpc>
-                <a:spcPct val="100000"/>
-              </a:lnSpc>
-            </a:pPr>
-            <a:r>
-              <a:rPr b="0" lang="en-CA" sz="4400" spc="-1" strike="noStrike">
-                <a:solidFill>
-                  <a:srgbClr val="000000"/>
-                </a:solidFill>
-                <a:latin typeface="Calibri"/>
-                <a:ea typeface="ＭＳ Ｐゴシック"/>
-              </a:rPr>
-              <a:t>[r]syslog Facilities </a:t>
-            </a:r>
-            <a:r>
-              <a:rPr b="0" i="1" lang="en-CA" sz="2800" spc="-1" strike="noStrike">
-                <a:solidFill>
-                  <a:srgbClr val="000000"/>
-                </a:solidFill>
-                <a:latin typeface="Calibri"/>
-                <a:ea typeface="ＭＳ Ｐゴシック"/>
-              </a:rPr>
-              <a:t>(from syslog.h)</a:t>
-            </a:r>
-            <a:endParaRPr b="0" lang="en-US" sz="2800" spc="-1" strike="noStrike">
-              <a:solidFill>
-                <a:srgbClr val="000000"/>
-              </a:solidFill>
-              <a:latin typeface="Arial"/>
-            </a:endParaRPr>
-          </a:p>
-        </p:txBody>
-      </p:sp>
-      <p:sp>
-        <p:nvSpPr>
-          <p:cNvPr id="98" name="CustomShape 2"/>
+          <p:cNvPr id="104" name="CustomShape 1"/>
           <p:cNvSpPr/>
           <p:nvPr/>
         </p:nvSpPr>
         <p:spPr>
           <a:xfrm>
-            <a:off x="2133720" y="1143000"/>
-            <a:ext cx="6705360" cy="4835880"/>
+            <a:off x="457200" y="274680"/>
+            <a:ext cx="8228880" cy="1142280"/>
           </a:xfrm>
           <a:prstGeom prst="rect">
             <a:avLst/>
@@ -6552,7 +5039,7 @@
         </p:style>
         <p:txBody>
           <a:bodyPr lIns="90000" rIns="90000" tIns="45000" bIns="45000">
-            <a:spAutoFit/>
+            <a:noAutofit/>
           </a:bodyPr>
           <a:p>
             <a:pPr>
@@ -6561,915 +5048,6 @@
               </a:lnSpc>
             </a:pPr>
             <a:r>
-              <a:rPr b="0" lang="en-US" sz="1200" spc="-1" strike="noStrike">
-                <a:solidFill>
-                  <a:srgbClr val="000000"/>
-                </a:solidFill>
-                <a:latin typeface="Arial"/>
-              </a:rPr>
-              <a:t>CODE facilitynames[] =</a:t>
-            </a:r>
-            <a:endParaRPr b="0" lang="en-CA" sz="1200" spc="-1" strike="noStrike">
-              <a:latin typeface="Arial"/>
-            </a:endParaRPr>
-          </a:p>
-          <a:p>
-            <a:pPr>
-              <a:lnSpc>
-                <a:spcPct val="100000"/>
-              </a:lnSpc>
-            </a:pPr>
-            <a:r>
-              <a:rPr b="0" lang="en-US" sz="1200" spc="-1" strike="noStrike">
-                <a:solidFill>
-                  <a:srgbClr val="000000"/>
-                </a:solidFill>
-                <a:latin typeface="Arial"/>
-              </a:rPr>
-              <a:t>  </a:t>
-            </a:r>
-            <a:r>
-              <a:rPr b="0" lang="en-US" sz="1200" spc="-1" strike="noStrike">
-                <a:solidFill>
-                  <a:srgbClr val="000000"/>
-                </a:solidFill>
-                <a:latin typeface="Arial"/>
-              </a:rPr>
-              <a:t>{</a:t>
-            </a:r>
-            <a:endParaRPr b="0" lang="en-CA" sz="1200" spc="-1" strike="noStrike">
-              <a:latin typeface="Arial"/>
-            </a:endParaRPr>
-          </a:p>
-          <a:p>
-            <a:pPr>
-              <a:lnSpc>
-                <a:spcPct val="100000"/>
-              </a:lnSpc>
-            </a:pPr>
-            <a:r>
-              <a:rPr b="0" lang="en-US" sz="1200" spc="-1" strike="noStrike">
-                <a:solidFill>
-                  <a:srgbClr val="000000"/>
-                </a:solidFill>
-                <a:latin typeface="Arial"/>
-              </a:rPr>
-              <a:t>    </a:t>
-            </a:r>
-            <a:r>
-              <a:rPr b="0" lang="en-US" sz="1200" spc="-1" strike="noStrike">
-                <a:solidFill>
-                  <a:srgbClr val="000000"/>
-                </a:solidFill>
-                <a:latin typeface="Arial"/>
-              </a:rPr>
-              <a:t>{ "auth", LOG_AUTH },</a:t>
-            </a:r>
-            <a:endParaRPr b="0" lang="en-CA" sz="1200" spc="-1" strike="noStrike">
-              <a:latin typeface="Arial"/>
-            </a:endParaRPr>
-          </a:p>
-          <a:p>
-            <a:pPr>
-              <a:lnSpc>
-                <a:spcPct val="100000"/>
-              </a:lnSpc>
-            </a:pPr>
-            <a:r>
-              <a:rPr b="0" lang="en-US" sz="1200" spc="-1" strike="noStrike">
-                <a:solidFill>
-                  <a:srgbClr val="000000"/>
-                </a:solidFill>
-                <a:latin typeface="Arial"/>
-              </a:rPr>
-              <a:t>    </a:t>
-            </a:r>
-            <a:r>
-              <a:rPr b="0" lang="en-US" sz="1200" spc="-1" strike="noStrike">
-                <a:solidFill>
-                  <a:srgbClr val="000000"/>
-                </a:solidFill>
-                <a:latin typeface="Arial"/>
-              </a:rPr>
-              <a:t>{ "authpriv", </a:t>
-            </a:r>
-            <a:r>
-              <a:rPr b="0" lang="en-US" sz="1200" spc="-1" strike="noStrike">
-                <a:solidFill>
-                  <a:srgbClr val="000000"/>
-                </a:solidFill>
-                <a:latin typeface="Arial"/>
-              </a:rPr>
-              <a:t>LOG_AUTHPRIV },</a:t>
-            </a:r>
-            <a:endParaRPr b="0" lang="en-CA" sz="1200" spc="-1" strike="noStrike">
-              <a:latin typeface="Arial"/>
-            </a:endParaRPr>
-          </a:p>
-          <a:p>
-            <a:pPr>
-              <a:lnSpc>
-                <a:spcPct val="100000"/>
-              </a:lnSpc>
-            </a:pPr>
-            <a:r>
-              <a:rPr b="0" lang="en-US" sz="1200" spc="-1" strike="noStrike">
-                <a:solidFill>
-                  <a:srgbClr val="000000"/>
-                </a:solidFill>
-                <a:latin typeface="Arial"/>
-              </a:rPr>
-              <a:t>    </a:t>
-            </a:r>
-            <a:r>
-              <a:rPr b="0" lang="en-US" sz="1200" spc="-1" strike="noStrike">
-                <a:solidFill>
-                  <a:srgbClr val="000000"/>
-                </a:solidFill>
-                <a:latin typeface="Arial"/>
-              </a:rPr>
-              <a:t>{ "cron", LOG_CRON },</a:t>
-            </a:r>
-            <a:endParaRPr b="0" lang="en-CA" sz="1200" spc="-1" strike="noStrike">
-              <a:latin typeface="Arial"/>
-            </a:endParaRPr>
-          </a:p>
-          <a:p>
-            <a:pPr>
-              <a:lnSpc>
-                <a:spcPct val="100000"/>
-              </a:lnSpc>
-            </a:pPr>
-            <a:r>
-              <a:rPr b="0" lang="en-US" sz="1200" spc="-1" strike="noStrike">
-                <a:solidFill>
-                  <a:srgbClr val="000000"/>
-                </a:solidFill>
-                <a:latin typeface="Arial"/>
-              </a:rPr>
-              <a:t>    </a:t>
-            </a:r>
-            <a:r>
-              <a:rPr b="0" lang="en-US" sz="1200" spc="-1" strike="noStrike">
-                <a:solidFill>
-                  <a:srgbClr val="000000"/>
-                </a:solidFill>
-                <a:latin typeface="Arial"/>
-              </a:rPr>
-              <a:t>{ "daemon", </a:t>
-            </a:r>
-            <a:r>
-              <a:rPr b="0" lang="en-US" sz="1200" spc="-1" strike="noStrike">
-                <a:solidFill>
-                  <a:srgbClr val="000000"/>
-                </a:solidFill>
-                <a:latin typeface="Arial"/>
-              </a:rPr>
-              <a:t>LOG_DAEMON },</a:t>
-            </a:r>
-            <a:endParaRPr b="0" lang="en-CA" sz="1200" spc="-1" strike="noStrike">
-              <a:latin typeface="Arial"/>
-            </a:endParaRPr>
-          </a:p>
-          <a:p>
-            <a:pPr>
-              <a:lnSpc>
-                <a:spcPct val="100000"/>
-              </a:lnSpc>
-            </a:pPr>
-            <a:r>
-              <a:rPr b="0" lang="en-US" sz="1200" spc="-1" strike="noStrike">
-                <a:solidFill>
-                  <a:srgbClr val="000000"/>
-                </a:solidFill>
-                <a:latin typeface="Arial"/>
-              </a:rPr>
-              <a:t>    </a:t>
-            </a:r>
-            <a:r>
-              <a:rPr b="0" lang="en-US" sz="1200" spc="-1" strike="noStrike">
-                <a:solidFill>
-                  <a:srgbClr val="000000"/>
-                </a:solidFill>
-                <a:latin typeface="Arial"/>
-              </a:rPr>
-              <a:t>{ "ftp", LOG_FTP },</a:t>
-            </a:r>
-            <a:endParaRPr b="0" lang="en-CA" sz="1200" spc="-1" strike="noStrike">
-              <a:latin typeface="Arial"/>
-            </a:endParaRPr>
-          </a:p>
-          <a:p>
-            <a:pPr>
-              <a:lnSpc>
-                <a:spcPct val="100000"/>
-              </a:lnSpc>
-            </a:pPr>
-            <a:r>
-              <a:rPr b="0" lang="en-US" sz="1200" spc="-1" strike="noStrike">
-                <a:solidFill>
-                  <a:srgbClr val="000000"/>
-                </a:solidFill>
-                <a:latin typeface="Arial"/>
-              </a:rPr>
-              <a:t>    </a:t>
-            </a:r>
-            <a:r>
-              <a:rPr b="0" lang="en-US" sz="1200" spc="-1" strike="noStrike">
-                <a:solidFill>
-                  <a:srgbClr val="000000"/>
-                </a:solidFill>
-                <a:latin typeface="Arial"/>
-              </a:rPr>
-              <a:t>{ "kern", LOG_KERN },</a:t>
-            </a:r>
-            <a:endParaRPr b="0" lang="en-CA" sz="1200" spc="-1" strike="noStrike">
-              <a:latin typeface="Arial"/>
-            </a:endParaRPr>
-          </a:p>
-          <a:p>
-            <a:pPr>
-              <a:lnSpc>
-                <a:spcPct val="100000"/>
-              </a:lnSpc>
-            </a:pPr>
-            <a:r>
-              <a:rPr b="0" lang="en-US" sz="1200" spc="-1" strike="noStrike">
-                <a:solidFill>
-                  <a:srgbClr val="000000"/>
-                </a:solidFill>
-                <a:latin typeface="Arial"/>
-              </a:rPr>
-              <a:t>    </a:t>
-            </a:r>
-            <a:r>
-              <a:rPr b="0" lang="en-US" sz="1200" spc="-1" strike="noStrike">
-                <a:solidFill>
-                  <a:srgbClr val="000000"/>
-                </a:solidFill>
-                <a:latin typeface="Arial"/>
-              </a:rPr>
-              <a:t>{ "lpr", LOG_LPR },</a:t>
-            </a:r>
-            <a:endParaRPr b="0" lang="en-CA" sz="1200" spc="-1" strike="noStrike">
-              <a:latin typeface="Arial"/>
-            </a:endParaRPr>
-          </a:p>
-          <a:p>
-            <a:pPr>
-              <a:lnSpc>
-                <a:spcPct val="100000"/>
-              </a:lnSpc>
-            </a:pPr>
-            <a:r>
-              <a:rPr b="0" lang="en-US" sz="1200" spc="-1" strike="noStrike">
-                <a:solidFill>
-                  <a:srgbClr val="000000"/>
-                </a:solidFill>
-                <a:latin typeface="Arial"/>
-              </a:rPr>
-              <a:t>    </a:t>
-            </a:r>
-            <a:r>
-              <a:rPr b="0" lang="en-US" sz="1200" spc="-1" strike="noStrike">
-                <a:solidFill>
-                  <a:srgbClr val="000000"/>
-                </a:solidFill>
-                <a:latin typeface="Arial"/>
-              </a:rPr>
-              <a:t>{ "mail", LOG_MAIL },</a:t>
-            </a:r>
-            <a:endParaRPr b="0" lang="en-CA" sz="1200" spc="-1" strike="noStrike">
-              <a:latin typeface="Arial"/>
-            </a:endParaRPr>
-          </a:p>
-          <a:p>
-            <a:pPr>
-              <a:lnSpc>
-                <a:spcPct val="100000"/>
-              </a:lnSpc>
-            </a:pPr>
-            <a:r>
-              <a:rPr b="0" lang="en-US" sz="1200" spc="-1" strike="noStrike">
-                <a:solidFill>
-                  <a:srgbClr val="000000"/>
-                </a:solidFill>
-                <a:latin typeface="Arial"/>
-              </a:rPr>
-              <a:t>    </a:t>
-            </a:r>
-            <a:r>
-              <a:rPr b="0" lang="en-US" sz="1200" spc="-1" strike="noStrike">
-                <a:solidFill>
-                  <a:srgbClr val="000000"/>
-                </a:solidFill>
-                <a:latin typeface="Arial"/>
-              </a:rPr>
-              <a:t>{ "mark", </a:t>
-            </a:r>
-            <a:r>
-              <a:rPr b="0" lang="en-US" sz="1200" spc="-1" strike="noStrike">
-                <a:solidFill>
-                  <a:srgbClr val="000000"/>
-                </a:solidFill>
-                <a:latin typeface="Arial"/>
-              </a:rPr>
-              <a:t>INTERNAL_MARK },          /</a:t>
-            </a:r>
-            <a:r>
-              <a:rPr b="0" lang="en-US" sz="1200" spc="-1" strike="noStrike">
-                <a:solidFill>
-                  <a:srgbClr val="000000"/>
-                </a:solidFill>
-                <a:latin typeface="Arial"/>
-              </a:rPr>
-              <a:t>* INTERNAL */</a:t>
-            </a:r>
-            <a:endParaRPr b="0" lang="en-CA" sz="1200" spc="-1" strike="noStrike">
-              <a:latin typeface="Arial"/>
-            </a:endParaRPr>
-          </a:p>
-          <a:p>
-            <a:pPr>
-              <a:lnSpc>
-                <a:spcPct val="100000"/>
-              </a:lnSpc>
-            </a:pPr>
-            <a:r>
-              <a:rPr b="0" lang="en-US" sz="1200" spc="-1" strike="noStrike">
-                <a:solidFill>
-                  <a:srgbClr val="000000"/>
-                </a:solidFill>
-                <a:latin typeface="Arial"/>
-              </a:rPr>
-              <a:t>    </a:t>
-            </a:r>
-            <a:r>
-              <a:rPr b="0" lang="en-US" sz="1200" spc="-1" strike="noStrike">
-                <a:solidFill>
-                  <a:srgbClr val="000000"/>
-                </a:solidFill>
-                <a:latin typeface="Arial"/>
-              </a:rPr>
-              <a:t>{ "news", LOG_NEWS },</a:t>
-            </a:r>
-            <a:endParaRPr b="0" lang="en-CA" sz="1200" spc="-1" strike="noStrike">
-              <a:latin typeface="Arial"/>
-            </a:endParaRPr>
-          </a:p>
-          <a:p>
-            <a:pPr>
-              <a:lnSpc>
-                <a:spcPct val="100000"/>
-              </a:lnSpc>
-            </a:pPr>
-            <a:r>
-              <a:rPr b="0" lang="en-US" sz="1200" spc="-1" strike="noStrike">
-                <a:solidFill>
-                  <a:srgbClr val="000000"/>
-                </a:solidFill>
-                <a:latin typeface="Arial"/>
-              </a:rPr>
-              <a:t>    </a:t>
-            </a:r>
-            <a:r>
-              <a:rPr b="0" lang="en-US" sz="1200" spc="-1" strike="noStrike">
-                <a:solidFill>
-                  <a:srgbClr val="000000"/>
-                </a:solidFill>
-                <a:latin typeface="Arial"/>
-              </a:rPr>
-              <a:t>{ "security", </a:t>
-            </a:r>
-            <a:r>
-              <a:rPr b="0" lang="en-US" sz="1200" spc="-1" strike="noStrike">
-                <a:solidFill>
-                  <a:srgbClr val="000000"/>
-                </a:solidFill>
-                <a:latin typeface="Arial"/>
-              </a:rPr>
-              <a:t>LOG_AUTH },           /* </a:t>
-            </a:r>
-            <a:r>
-              <a:rPr b="0" lang="en-US" sz="1200" spc="-1" strike="noStrike">
-                <a:solidFill>
-                  <a:srgbClr val="000000"/>
-                </a:solidFill>
-                <a:latin typeface="Arial"/>
-              </a:rPr>
-              <a:t>DEPRECATED */</a:t>
-            </a:r>
-            <a:endParaRPr b="0" lang="en-CA" sz="1200" spc="-1" strike="noStrike">
-              <a:latin typeface="Arial"/>
-            </a:endParaRPr>
-          </a:p>
-          <a:p>
-            <a:pPr>
-              <a:lnSpc>
-                <a:spcPct val="100000"/>
-              </a:lnSpc>
-            </a:pPr>
-            <a:r>
-              <a:rPr b="0" lang="en-US" sz="1200" spc="-1" strike="noStrike">
-                <a:solidFill>
-                  <a:srgbClr val="000000"/>
-                </a:solidFill>
-                <a:latin typeface="Arial"/>
-              </a:rPr>
-              <a:t>    </a:t>
-            </a:r>
-            <a:r>
-              <a:rPr b="0" lang="en-US" sz="1200" spc="-1" strike="noStrike">
-                <a:solidFill>
-                  <a:srgbClr val="000000"/>
-                </a:solidFill>
-                <a:latin typeface="Arial"/>
-              </a:rPr>
-              <a:t>{ "syslog", </a:t>
-            </a:r>
-            <a:r>
-              <a:rPr b="0" lang="en-US" sz="1200" spc="-1" strike="noStrike">
-                <a:solidFill>
-                  <a:srgbClr val="000000"/>
-                </a:solidFill>
-                <a:latin typeface="Arial"/>
-              </a:rPr>
-              <a:t>LOG_SYSLOG },</a:t>
-            </a:r>
-            <a:endParaRPr b="0" lang="en-CA" sz="1200" spc="-1" strike="noStrike">
-              <a:latin typeface="Arial"/>
-            </a:endParaRPr>
-          </a:p>
-          <a:p>
-            <a:pPr>
-              <a:lnSpc>
-                <a:spcPct val="100000"/>
-              </a:lnSpc>
-            </a:pPr>
-            <a:r>
-              <a:rPr b="0" lang="en-US" sz="1200" spc="-1" strike="noStrike">
-                <a:solidFill>
-                  <a:srgbClr val="000000"/>
-                </a:solidFill>
-                <a:latin typeface="Arial"/>
-              </a:rPr>
-              <a:t>    </a:t>
-            </a:r>
-            <a:r>
-              <a:rPr b="0" lang="en-US" sz="1200" spc="-1" strike="noStrike">
-                <a:solidFill>
-                  <a:srgbClr val="000000"/>
-                </a:solidFill>
-                <a:latin typeface="Arial"/>
-              </a:rPr>
-              <a:t>{ "user", LOG_USER },</a:t>
-            </a:r>
-            <a:endParaRPr b="0" lang="en-CA" sz="1200" spc="-1" strike="noStrike">
-              <a:latin typeface="Arial"/>
-            </a:endParaRPr>
-          </a:p>
-          <a:p>
-            <a:pPr>
-              <a:lnSpc>
-                <a:spcPct val="100000"/>
-              </a:lnSpc>
-            </a:pPr>
-            <a:r>
-              <a:rPr b="0" lang="en-US" sz="1200" spc="-1" strike="noStrike">
-                <a:solidFill>
-                  <a:srgbClr val="000000"/>
-                </a:solidFill>
-                <a:latin typeface="Arial"/>
-              </a:rPr>
-              <a:t>    </a:t>
-            </a:r>
-            <a:r>
-              <a:rPr b="0" lang="en-US" sz="1200" spc="-1" strike="noStrike">
-                <a:solidFill>
-                  <a:srgbClr val="000000"/>
-                </a:solidFill>
-                <a:latin typeface="Arial"/>
-              </a:rPr>
-              <a:t>{ "uucp", LOG_UUCP },</a:t>
-            </a:r>
-            <a:endParaRPr b="0" lang="en-CA" sz="1200" spc="-1" strike="noStrike">
-              <a:latin typeface="Arial"/>
-            </a:endParaRPr>
-          </a:p>
-          <a:p>
-            <a:pPr>
-              <a:lnSpc>
-                <a:spcPct val="100000"/>
-              </a:lnSpc>
-            </a:pPr>
-            <a:r>
-              <a:rPr b="0" lang="en-US" sz="1200" spc="-1" strike="noStrike">
-                <a:solidFill>
-                  <a:srgbClr val="000000"/>
-                </a:solidFill>
-                <a:latin typeface="Arial"/>
-              </a:rPr>
-              <a:t>    </a:t>
-            </a:r>
-            <a:r>
-              <a:rPr b="0" lang="en-US" sz="1200" spc="-1" strike="noStrike">
-                <a:solidFill>
-                  <a:srgbClr val="000000"/>
-                </a:solidFill>
-                <a:latin typeface="Arial"/>
-              </a:rPr>
-              <a:t>{ "local0", </a:t>
-            </a:r>
-            <a:r>
-              <a:rPr b="0" lang="en-US" sz="1200" spc="-1" strike="noStrike">
-                <a:solidFill>
-                  <a:srgbClr val="000000"/>
-                </a:solidFill>
-                <a:latin typeface="Arial"/>
-              </a:rPr>
-              <a:t>LOG_LOCAL0 },</a:t>
-            </a:r>
-            <a:endParaRPr b="0" lang="en-CA" sz="1200" spc="-1" strike="noStrike">
-              <a:latin typeface="Arial"/>
-            </a:endParaRPr>
-          </a:p>
-          <a:p>
-            <a:pPr>
-              <a:lnSpc>
-                <a:spcPct val="100000"/>
-              </a:lnSpc>
-            </a:pPr>
-            <a:r>
-              <a:rPr b="0" lang="en-US" sz="1200" spc="-1" strike="noStrike">
-                <a:solidFill>
-                  <a:srgbClr val="000000"/>
-                </a:solidFill>
-                <a:latin typeface="Arial"/>
-              </a:rPr>
-              <a:t>    </a:t>
-            </a:r>
-            <a:r>
-              <a:rPr b="0" lang="en-US" sz="1200" spc="-1" strike="noStrike">
-                <a:solidFill>
-                  <a:srgbClr val="000000"/>
-                </a:solidFill>
-                <a:latin typeface="Arial"/>
-              </a:rPr>
-              <a:t>{ "local1", </a:t>
-            </a:r>
-            <a:r>
-              <a:rPr b="0" lang="en-US" sz="1200" spc="-1" strike="noStrike">
-                <a:solidFill>
-                  <a:srgbClr val="000000"/>
-                </a:solidFill>
-                <a:latin typeface="Arial"/>
-              </a:rPr>
-              <a:t>LOG_LOCAL1 },</a:t>
-            </a:r>
-            <a:endParaRPr b="0" lang="en-CA" sz="1200" spc="-1" strike="noStrike">
-              <a:latin typeface="Arial"/>
-            </a:endParaRPr>
-          </a:p>
-          <a:p>
-            <a:pPr>
-              <a:lnSpc>
-                <a:spcPct val="100000"/>
-              </a:lnSpc>
-            </a:pPr>
-            <a:r>
-              <a:rPr b="0" lang="en-US" sz="1200" spc="-1" strike="noStrike">
-                <a:solidFill>
-                  <a:srgbClr val="000000"/>
-                </a:solidFill>
-                <a:latin typeface="Arial"/>
-              </a:rPr>
-              <a:t>    </a:t>
-            </a:r>
-            <a:r>
-              <a:rPr b="0" lang="en-US" sz="1200" spc="-1" strike="noStrike">
-                <a:solidFill>
-                  <a:srgbClr val="000000"/>
-                </a:solidFill>
-                <a:latin typeface="Arial"/>
-              </a:rPr>
-              <a:t>{ "local2", </a:t>
-            </a:r>
-            <a:r>
-              <a:rPr b="0" lang="en-US" sz="1200" spc="-1" strike="noStrike">
-                <a:solidFill>
-                  <a:srgbClr val="000000"/>
-                </a:solidFill>
-                <a:latin typeface="Arial"/>
-              </a:rPr>
-              <a:t>LOG_LOCAL2 },</a:t>
-            </a:r>
-            <a:endParaRPr b="0" lang="en-CA" sz="1200" spc="-1" strike="noStrike">
-              <a:latin typeface="Arial"/>
-            </a:endParaRPr>
-          </a:p>
-          <a:p>
-            <a:pPr>
-              <a:lnSpc>
-                <a:spcPct val="100000"/>
-              </a:lnSpc>
-            </a:pPr>
-            <a:r>
-              <a:rPr b="0" lang="en-US" sz="1200" spc="-1" strike="noStrike">
-                <a:solidFill>
-                  <a:srgbClr val="000000"/>
-                </a:solidFill>
-                <a:latin typeface="Arial"/>
-              </a:rPr>
-              <a:t>    </a:t>
-            </a:r>
-            <a:r>
-              <a:rPr b="0" lang="en-US" sz="1200" spc="-1" strike="noStrike">
-                <a:solidFill>
-                  <a:srgbClr val="000000"/>
-                </a:solidFill>
-                <a:latin typeface="Arial"/>
-              </a:rPr>
-              <a:t>{ "local3", </a:t>
-            </a:r>
-            <a:r>
-              <a:rPr b="0" lang="en-US" sz="1200" spc="-1" strike="noStrike">
-                <a:solidFill>
-                  <a:srgbClr val="000000"/>
-                </a:solidFill>
-                <a:latin typeface="Arial"/>
-              </a:rPr>
-              <a:t>LOG_LOCAL3 },</a:t>
-            </a:r>
-            <a:endParaRPr b="0" lang="en-CA" sz="1200" spc="-1" strike="noStrike">
-              <a:latin typeface="Arial"/>
-            </a:endParaRPr>
-          </a:p>
-          <a:p>
-            <a:pPr>
-              <a:lnSpc>
-                <a:spcPct val="100000"/>
-              </a:lnSpc>
-            </a:pPr>
-            <a:r>
-              <a:rPr b="0" lang="en-US" sz="1200" spc="-1" strike="noStrike">
-                <a:solidFill>
-                  <a:srgbClr val="000000"/>
-                </a:solidFill>
-                <a:latin typeface="Arial"/>
-              </a:rPr>
-              <a:t>    </a:t>
-            </a:r>
-            <a:r>
-              <a:rPr b="0" lang="en-US" sz="1200" spc="-1" strike="noStrike">
-                <a:solidFill>
-                  <a:srgbClr val="000000"/>
-                </a:solidFill>
-                <a:latin typeface="Arial"/>
-              </a:rPr>
-              <a:t>{ "local4", </a:t>
-            </a:r>
-            <a:r>
-              <a:rPr b="0" lang="en-US" sz="1200" spc="-1" strike="noStrike">
-                <a:solidFill>
-                  <a:srgbClr val="000000"/>
-                </a:solidFill>
-                <a:latin typeface="Arial"/>
-              </a:rPr>
-              <a:t>LOG_LOCAL4 },</a:t>
-            </a:r>
-            <a:endParaRPr b="0" lang="en-CA" sz="1200" spc="-1" strike="noStrike">
-              <a:latin typeface="Arial"/>
-            </a:endParaRPr>
-          </a:p>
-          <a:p>
-            <a:pPr>
-              <a:lnSpc>
-                <a:spcPct val="100000"/>
-              </a:lnSpc>
-            </a:pPr>
-            <a:r>
-              <a:rPr b="0" lang="en-US" sz="1200" spc="-1" strike="noStrike">
-                <a:solidFill>
-                  <a:srgbClr val="000000"/>
-                </a:solidFill>
-                <a:latin typeface="Arial"/>
-              </a:rPr>
-              <a:t>    </a:t>
-            </a:r>
-            <a:r>
-              <a:rPr b="0" lang="en-US" sz="1200" spc="-1" strike="noStrike">
-                <a:solidFill>
-                  <a:srgbClr val="000000"/>
-                </a:solidFill>
-                <a:latin typeface="Arial"/>
-              </a:rPr>
-              <a:t>{ "local5", </a:t>
-            </a:r>
-            <a:r>
-              <a:rPr b="0" lang="en-US" sz="1200" spc="-1" strike="noStrike">
-                <a:solidFill>
-                  <a:srgbClr val="000000"/>
-                </a:solidFill>
-                <a:latin typeface="Arial"/>
-              </a:rPr>
-              <a:t>LOG_LOCAL5 },</a:t>
-            </a:r>
-            <a:endParaRPr b="0" lang="en-CA" sz="1200" spc="-1" strike="noStrike">
-              <a:latin typeface="Arial"/>
-            </a:endParaRPr>
-          </a:p>
-          <a:p>
-            <a:pPr>
-              <a:lnSpc>
-                <a:spcPct val="100000"/>
-              </a:lnSpc>
-            </a:pPr>
-            <a:r>
-              <a:rPr b="0" lang="en-US" sz="1200" spc="-1" strike="noStrike">
-                <a:solidFill>
-                  <a:srgbClr val="000000"/>
-                </a:solidFill>
-                <a:latin typeface="Arial"/>
-              </a:rPr>
-              <a:t>    </a:t>
-            </a:r>
-            <a:r>
-              <a:rPr b="0" lang="en-US" sz="1200" spc="-1" strike="noStrike">
-                <a:solidFill>
-                  <a:srgbClr val="000000"/>
-                </a:solidFill>
-                <a:latin typeface="Arial"/>
-              </a:rPr>
-              <a:t>{ "local6", </a:t>
-            </a:r>
-            <a:r>
-              <a:rPr b="0" lang="en-US" sz="1200" spc="-1" strike="noStrike">
-                <a:solidFill>
-                  <a:srgbClr val="000000"/>
-                </a:solidFill>
-                <a:latin typeface="Arial"/>
-              </a:rPr>
-              <a:t>LOG_LOCAL6 },</a:t>
-            </a:r>
-            <a:endParaRPr b="0" lang="en-CA" sz="1200" spc="-1" strike="noStrike">
-              <a:latin typeface="Arial"/>
-            </a:endParaRPr>
-          </a:p>
-          <a:p>
-            <a:pPr>
-              <a:lnSpc>
-                <a:spcPct val="100000"/>
-              </a:lnSpc>
-            </a:pPr>
-            <a:r>
-              <a:rPr b="0" lang="en-US" sz="1200" spc="-1" strike="noStrike">
-                <a:solidFill>
-                  <a:srgbClr val="000000"/>
-                </a:solidFill>
-                <a:latin typeface="Arial"/>
-              </a:rPr>
-              <a:t>    </a:t>
-            </a:r>
-            <a:r>
-              <a:rPr b="0" lang="en-US" sz="1200" spc="-1" strike="noStrike">
-                <a:solidFill>
-                  <a:srgbClr val="000000"/>
-                </a:solidFill>
-                <a:latin typeface="Arial"/>
-              </a:rPr>
-              <a:t>{ "local7", </a:t>
-            </a:r>
-            <a:r>
-              <a:rPr b="0" lang="en-US" sz="1200" spc="-1" strike="noStrike">
-                <a:solidFill>
-                  <a:srgbClr val="000000"/>
-                </a:solidFill>
-                <a:latin typeface="Arial"/>
-              </a:rPr>
-              <a:t>LOG_LOCAL7 },</a:t>
-            </a:r>
-            <a:endParaRPr b="0" lang="en-CA" sz="1200" spc="-1" strike="noStrike">
-              <a:latin typeface="Arial"/>
-            </a:endParaRPr>
-          </a:p>
-          <a:p>
-            <a:pPr>
-              <a:lnSpc>
-                <a:spcPct val="100000"/>
-              </a:lnSpc>
-            </a:pPr>
-            <a:r>
-              <a:rPr b="0" lang="en-US" sz="1200" spc="-1" strike="noStrike">
-                <a:solidFill>
-                  <a:srgbClr val="000000"/>
-                </a:solidFill>
-                <a:latin typeface="Arial"/>
-              </a:rPr>
-              <a:t>    </a:t>
-            </a:r>
-            <a:r>
-              <a:rPr b="0" lang="en-US" sz="1200" spc="-1" strike="noStrike">
-                <a:solidFill>
-                  <a:srgbClr val="000000"/>
-                </a:solidFill>
-                <a:latin typeface="Arial"/>
-              </a:rPr>
-              <a:t>{ NULL, -1 }</a:t>
-            </a:r>
-            <a:endParaRPr b="0" lang="en-CA" sz="1200" spc="-1" strike="noStrike">
-              <a:latin typeface="Arial"/>
-            </a:endParaRPr>
-          </a:p>
-          <a:p>
-            <a:pPr>
-              <a:lnSpc>
-                <a:spcPct val="100000"/>
-              </a:lnSpc>
-            </a:pPr>
-            <a:r>
-              <a:rPr b="0" lang="en-US" sz="1200" spc="-1" strike="noStrike">
-                <a:solidFill>
-                  <a:srgbClr val="000000"/>
-                </a:solidFill>
-                <a:latin typeface="Arial"/>
-              </a:rPr>
-              <a:t>  </a:t>
-            </a:r>
-            <a:r>
-              <a:rPr b="0" lang="en-US" sz="1200" spc="-1" strike="noStrike">
-                <a:solidFill>
-                  <a:srgbClr val="000000"/>
-                </a:solidFill>
-                <a:latin typeface="Arial"/>
-              </a:rPr>
-              <a:t>};</a:t>
-            </a:r>
-            <a:endParaRPr b="0" lang="en-CA" sz="1200" spc="-1" strike="noStrike">
-              <a:latin typeface="Arial"/>
-            </a:endParaRPr>
-          </a:p>
-        </p:txBody>
-      </p:sp>
-    </p:spTree>
-  </p:cSld>
-  <mc:AlternateContent>
-    <mc:Choice Requires="p14">
-      <p:transition spd="slow" p14:dur="2000"/>
-    </mc:Choice>
-    <mc:Fallback>
-      <p:transition spd="slow"/>
-    </mc:Fallback>
-  </mc:AlternateContent>
-</p:sld>
-</file>
-
-<file path=ppt/slides/slide9.xml><?xml version="1.0" encoding="utf-8"?>
-<p:sld xmlns:a="http://schemas.openxmlformats.org/drawingml/2006/main" xmlns:p="http://schemas.openxmlformats.org/presentationml/2006/main" xmlns:r="http://schemas.openxmlformats.org/officeDocument/2006/relationships" xmlns:p14="http://schemas.microsoft.com/office/powerpoint/2010/main" xmlns:p15="http://schemas.microsoft.com/office/powerpoint/2012/main" xmlns:mc="http://schemas.openxmlformats.org/markup-compatibility/2006">
-  <p:cSld>
-    <p:spTree>
-      <p:nvGrpSpPr>
-        <p:cNvPr id="1" name=""/>
-        <p:cNvGrpSpPr/>
-        <p:nvPr/>
-      </p:nvGrpSpPr>
-      <p:grpSpPr>
-        <a:xfrm>
-          <a:off x="0" y="0"/>
-          <a:ext cx="0" cy="0"/>
-          <a:chOff x="0" y="0"/>
-          <a:chExt cx="0" cy="0"/>
-        </a:xfrm>
-      </p:grpSpPr>
-      <p:sp>
-        <p:nvSpPr>
-          <p:cNvPr id="99" name="TextShape 1"/>
-          <p:cNvSpPr txBox="1"/>
-          <p:nvPr/>
-        </p:nvSpPr>
-        <p:spPr>
-          <a:xfrm>
-            <a:off x="457200" y="274680"/>
-            <a:ext cx="8229240" cy="1142640"/>
-          </a:xfrm>
-          <a:prstGeom prst="rect">
-            <a:avLst/>
-          </a:prstGeom>
-          <a:noFill/>
-          <a:ln>
-            <a:noFill/>
-          </a:ln>
-        </p:spPr>
-        <p:txBody>
-          <a:bodyPr lIns="90000" rIns="90000" tIns="45000" bIns="45000">
-            <a:noAutofit/>
-          </a:bodyPr>
-          <a:p>
-            <a:pPr>
-              <a:lnSpc>
-                <a:spcPct val="100000"/>
-              </a:lnSpc>
-            </a:pPr>
-            <a:r>
               <a:rPr b="0" lang="en-CA" sz="4400" spc="-1" strike="noStrike">
                 <a:solidFill>
                   <a:srgbClr val="000000"/>
@@ -7479,10 +5057,7 @@
               </a:rPr>
               <a:t>[r]syslog Priorities </a:t>
             </a:r>
-            <a:endParaRPr b="0" lang="en-US" sz="4400" spc="-1" strike="noStrike">
-              <a:solidFill>
-                <a:srgbClr val="000000"/>
-              </a:solidFill>
+            <a:endParaRPr b="0" lang="en-CA" sz="4400" spc="-1" strike="noStrike">
               <a:latin typeface="Arial"/>
             </a:endParaRPr>
           </a:p>
@@ -7490,13 +5065,13 @@
       </p:sp>
       <p:graphicFrame>
         <p:nvGraphicFramePr>
-          <p:cNvPr id="100" name="Table 2"/>
+          <p:cNvPr id="105" name="Table 2"/>
           <p:cNvGraphicFramePr/>
           <p:nvPr/>
         </p:nvGraphicFramePr>
         <p:xfrm>
           <a:off x="1863720" y="1321560"/>
-          <a:ext cx="8143920" cy="4654440"/>
+          <a:ext cx="5275440" cy="4654080"/>
         </p:xfrm>
         <a:graphic>
           <a:graphicData uri="http://schemas.openxmlformats.org/drawingml/2006/table">
@@ -7509,10 +5084,15 @@
               <a:tr h="424800">
                 <a:tc>
                   <a:txBody>
-                    <a:bodyPr lIns="90000" rIns="90000" tIns="46800" bIns="46800">
+                    <a:bodyPr lIns="90000" rIns="90000">
                       <a:noAutofit/>
                     </a:bodyPr>
                     <a:p>
+                      <a:pPr>
+                        <a:lnSpc>
+                          <a:spcPct val="100000"/>
+                        </a:lnSpc>
+                      </a:pPr>
                       <a:r>
                         <a:rPr b="0" lang="en-CA" sz="1600" spc="-1" strike="noStrike">
                           <a:latin typeface="Arial"/>
@@ -7552,10 +5132,15 @@
                 </a:tc>
                 <a:tc>
                   <a:txBody>
-                    <a:bodyPr lIns="90000" rIns="90000" tIns="46800" bIns="46800">
+                    <a:bodyPr lIns="90000" rIns="90000">
                       <a:noAutofit/>
                     </a:bodyPr>
                     <a:p>
+                      <a:pPr>
+                        <a:lnSpc>
+                          <a:spcPct val="100000"/>
+                        </a:lnSpc>
+                      </a:pPr>
                       <a:r>
                         <a:rPr b="0" lang="en-CA" sz="1600" spc="-1" strike="noStrike">
                           <a:latin typeface="Arial"/>
@@ -7597,10 +5182,15 @@
               <a:tr h="390600">
                 <a:tc>
                   <a:txBody>
-                    <a:bodyPr lIns="90000" rIns="90000" tIns="46800" bIns="46800">
+                    <a:bodyPr lIns="90000" rIns="90000">
                       <a:noAutofit/>
                     </a:bodyPr>
                     <a:p>
+                      <a:pPr>
+                        <a:lnSpc>
+                          <a:spcPct val="100000"/>
+                        </a:lnSpc>
+                      </a:pPr>
                       <a:r>
                         <a:rPr b="0" lang="en-CA" sz="1600" spc="-1" strike="noStrike">
                           <a:latin typeface="Arial"/>
@@ -7640,10 +5230,15 @@
                 </a:tc>
                 <a:tc>
                   <a:txBody>
-                    <a:bodyPr lIns="90000" rIns="90000" tIns="46800" bIns="46800">
+                    <a:bodyPr lIns="90000" rIns="90000">
                       <a:noAutofit/>
                     </a:bodyPr>
                     <a:p>
+                      <a:pPr>
+                        <a:lnSpc>
+                          <a:spcPct val="100000"/>
+                        </a:lnSpc>
+                      </a:pPr>
                       <a:r>
                         <a:rPr b="0" lang="en-CA" sz="1600" spc="-1" strike="noStrike">
                           <a:latin typeface="Arial"/>
@@ -7685,10 +5280,15 @@
               <a:tr h="390600">
                 <a:tc>
                   <a:txBody>
-                    <a:bodyPr lIns="90000" rIns="90000" tIns="46800" bIns="46800">
+                    <a:bodyPr lIns="90000" rIns="90000">
                       <a:noAutofit/>
                     </a:bodyPr>
                     <a:p>
+                      <a:pPr>
+                        <a:lnSpc>
+                          <a:spcPct val="100000"/>
+                        </a:lnSpc>
+                      </a:pPr>
                       <a:r>
                         <a:rPr b="0" lang="en-CA" sz="1600" spc="-1" strike="noStrike">
                           <a:latin typeface="Arial"/>
@@ -7728,21 +5328,20 @@
                 </a:tc>
                 <a:tc>
                   <a:txBody>
-                    <a:bodyPr lIns="90000" rIns="90000" tIns="46800" bIns="46800">
+                    <a:bodyPr lIns="90000" rIns="90000">
                       <a:noAutofit/>
                     </a:bodyPr>
                     <a:p>
+                      <a:pPr>
+                        <a:lnSpc>
+                          <a:spcPct val="100000"/>
+                        </a:lnSpc>
+                      </a:pPr>
                       <a:r>
                         <a:rPr b="0" lang="en-CA" sz="1600" spc="-1" strike="noStrike">
                           <a:latin typeface="Arial"/>
                         </a:rPr>
-                        <a:t>Should be corrected </a:t>
-                      </a:r>
-                      <a:r>
-                        <a:rPr b="0" lang="en-CA" sz="1600" spc="-1" strike="noStrike">
-                          <a:latin typeface="Arial"/>
-                        </a:rPr>
-                        <a:t>immediately</a:t>
+                        <a:t>Should be corrected immediately</a:t>
                       </a:r>
                       <a:endParaRPr b="0" lang="en-CA" sz="1600" spc="-1" strike="noStrike">
                         <a:latin typeface="Arial"/>
@@ -7779,10 +5378,15 @@
               <a:tr h="390600">
                 <a:tc>
                   <a:txBody>
-                    <a:bodyPr lIns="90000" rIns="90000" tIns="46800" bIns="46800">
+                    <a:bodyPr lIns="90000" rIns="90000">
                       <a:noAutofit/>
                     </a:bodyPr>
                     <a:p>
+                      <a:pPr>
+                        <a:lnSpc>
+                          <a:spcPct val="100000"/>
+                        </a:lnSpc>
+                      </a:pPr>
                       <a:r>
                         <a:rPr b="0" lang="en-CA" sz="1600" spc="-1" strike="noStrike">
                           <a:latin typeface="Arial"/>
@@ -7822,10 +5426,15 @@
                 </a:tc>
                 <a:tc>
                   <a:txBody>
-                    <a:bodyPr lIns="90000" rIns="90000" tIns="46800" bIns="46800">
+                    <a:bodyPr lIns="90000" rIns="90000">
                       <a:noAutofit/>
                     </a:bodyPr>
                     <a:p>
+                      <a:pPr>
+                        <a:lnSpc>
+                          <a:spcPct val="100000"/>
+                        </a:lnSpc>
+                      </a:pPr>
                       <a:r>
                         <a:rPr b="0" lang="en-CA" sz="1600" spc="-1" strike="noStrike">
                           <a:latin typeface="Arial"/>
@@ -7867,10 +5476,15 @@
               <a:tr h="390600">
                 <a:tc>
                   <a:txBody>
-                    <a:bodyPr lIns="90000" rIns="90000" tIns="46800" bIns="46800">
+                    <a:bodyPr lIns="90000" rIns="90000">
                       <a:noAutofit/>
                     </a:bodyPr>
                     <a:p>
+                      <a:pPr>
+                        <a:lnSpc>
+                          <a:spcPct val="100000"/>
+                        </a:lnSpc>
+                      </a:pPr>
                       <a:r>
                         <a:rPr b="0" lang="en-CA" sz="1600" spc="-1" strike="noStrike">
                           <a:latin typeface="Arial"/>
@@ -7910,10 +5524,15 @@
                 </a:tc>
                 <a:tc>
                   <a:txBody>
-                    <a:bodyPr lIns="90000" rIns="90000" tIns="46800" bIns="46800">
+                    <a:bodyPr lIns="90000" rIns="90000">
                       <a:noAutofit/>
                     </a:bodyPr>
                     <a:p>
+                      <a:pPr>
+                        <a:lnSpc>
+                          <a:spcPct val="100000"/>
+                        </a:lnSpc>
+                      </a:pPr>
                       <a:r>
                         <a:rPr b="0" lang="en-CA" sz="1600" spc="-1" strike="noStrike">
                           <a:latin typeface="Arial"/>
@@ -7955,10 +5574,15 @@
               <a:tr h="666720">
                 <a:tc>
                   <a:txBody>
-                    <a:bodyPr lIns="90000" rIns="90000" tIns="46800" bIns="46800">
+                    <a:bodyPr lIns="90000" rIns="90000">
                       <a:noAutofit/>
                     </a:bodyPr>
                     <a:p>
+                      <a:pPr>
+                        <a:lnSpc>
+                          <a:spcPct val="100000"/>
+                        </a:lnSpc>
+                      </a:pPr>
                       <a:r>
                         <a:rPr b="0" lang="en-CA" sz="1600" spc="-1" strike="noStrike">
                           <a:latin typeface="Arial"/>
@@ -7998,10 +5622,15 @@
                 </a:tc>
                 <a:tc>
                   <a:txBody>
-                    <a:bodyPr lIns="90000" rIns="90000" tIns="46800" bIns="46800">
+                    <a:bodyPr lIns="90000" rIns="90000">
                       <a:noAutofit/>
                     </a:bodyPr>
                     <a:p>
+                      <a:pPr>
+                        <a:lnSpc>
+                          <a:spcPct val="100000"/>
+                        </a:lnSpc>
+                      </a:pPr>
                       <a:r>
                         <a:rPr b="0" lang="en-CA" sz="1600" spc="-1" strike="noStrike">
                           <a:latin typeface="Arial"/>
@@ -8043,10 +5672,15 @@
               <a:tr h="666720">
                 <a:tc>
                   <a:txBody>
-                    <a:bodyPr lIns="90000" rIns="90000" tIns="46800" bIns="46800">
+                    <a:bodyPr lIns="90000" rIns="90000">
                       <a:noAutofit/>
                     </a:bodyPr>
                     <a:p>
+                      <a:pPr>
+                        <a:lnSpc>
+                          <a:spcPct val="100000"/>
+                        </a:lnSpc>
+                      </a:pPr>
                       <a:r>
                         <a:rPr b="0" lang="en-CA" sz="1600" spc="-1" strike="noStrike">
                           <a:latin typeface="Arial"/>
@@ -8086,10 +5720,15 @@
                 </a:tc>
                 <a:tc>
                   <a:txBody>
-                    <a:bodyPr lIns="90000" rIns="90000" tIns="46800" bIns="46800">
+                    <a:bodyPr lIns="90000" rIns="90000">
                       <a:noAutofit/>
                     </a:bodyPr>
                     <a:p>
+                      <a:pPr>
+                        <a:lnSpc>
+                          <a:spcPct val="100000"/>
+                        </a:lnSpc>
+                      </a:pPr>
                       <a:r>
                         <a:rPr b="0" lang="en-CA" sz="1600" spc="-1" strike="noStrike">
                           <a:latin typeface="Arial"/>
@@ -8131,10 +5770,15 @@
               <a:tr h="666720">
                 <a:tc>
                   <a:txBody>
-                    <a:bodyPr lIns="90000" rIns="90000" tIns="46800" bIns="46800">
+                    <a:bodyPr lIns="90000" rIns="90000">
                       <a:noAutofit/>
                     </a:bodyPr>
                     <a:p>
+                      <a:pPr>
+                        <a:lnSpc>
+                          <a:spcPct val="100000"/>
+                        </a:lnSpc>
+                      </a:pPr>
                       <a:r>
                         <a:rPr b="0" lang="en-CA" sz="1600" spc="-1" strike="noStrike">
                           <a:latin typeface="Arial"/>
@@ -8174,10 +5818,15 @@
                 </a:tc>
                 <a:tc>
                   <a:txBody>
-                    <a:bodyPr lIns="90000" rIns="90000" tIns="46800" bIns="46800">
+                    <a:bodyPr lIns="90000" rIns="90000">
                       <a:noAutofit/>
                     </a:bodyPr>
                     <a:p>
+                      <a:pPr>
+                        <a:lnSpc>
+                          <a:spcPct val="100000"/>
+                        </a:lnSpc>
+                      </a:pPr>
                       <a:r>
                         <a:rPr b="0" lang="en-CA" sz="1600" spc="-1" strike="noStrike">
                           <a:latin typeface="Arial"/>
@@ -8219,10 +5868,15 @@
               <a:tr h="667080">
                 <a:tc>
                   <a:txBody>
-                    <a:bodyPr lIns="90000" rIns="90000" tIns="46800" bIns="46800">
+                    <a:bodyPr lIns="90000" rIns="90000">
                       <a:noAutofit/>
                     </a:bodyPr>
                     <a:p>
+                      <a:pPr>
+                        <a:lnSpc>
+                          <a:spcPct val="100000"/>
+                        </a:lnSpc>
+                      </a:pPr>
                       <a:r>
                         <a:rPr b="0" lang="en-CA" sz="1600" spc="-1" strike="noStrike">
                           <a:latin typeface="Arial"/>
@@ -8262,10 +5916,15 @@
                 </a:tc>
                 <a:tc>
                   <a:txBody>
-                    <a:bodyPr lIns="90000" rIns="90000" tIns="46800" bIns="46800">
+                    <a:bodyPr lIns="90000" rIns="90000">
                       <a:noAutofit/>
                     </a:bodyPr>
                     <a:p>
+                      <a:pPr>
+                        <a:lnSpc>
+                          <a:spcPct val="100000"/>
+                        </a:lnSpc>
+                      </a:pPr>
                       <a:r>
                         <a:rPr b="0" lang="en-CA" sz="1600" spc="-1" strike="noStrike">
                           <a:latin typeface="Arial"/>
@@ -8308,6 +5967,2200 @@
           </a:graphicData>
         </a:graphic>
       </p:graphicFrame>
+    </p:spTree>
+  </p:cSld>
+  <mc:AlternateContent>
+    <mc:Choice Requires="p14">
+      <p:transition spd="slow" p14:dur="2000"/>
+    </mc:Choice>
+    <mc:Fallback>
+      <p:transition spd="slow"/>
+    </mc:Fallback>
+  </mc:AlternateContent>
+</p:sld>
+</file>
+
+<file path=ppt/slides/slide12.xml><?xml version="1.0" encoding="utf-8"?>
+<p:sld xmlns:a="http://schemas.openxmlformats.org/drawingml/2006/main" xmlns:p="http://schemas.openxmlformats.org/presentationml/2006/main" xmlns:r="http://schemas.openxmlformats.org/officeDocument/2006/relationships" xmlns:p14="http://schemas.microsoft.com/office/powerpoint/2010/main" xmlns:p15="http://schemas.microsoft.com/office/powerpoint/2012/main" xmlns:mc="http://schemas.openxmlformats.org/markup-compatibility/2006">
+  <p:cSld>
+    <p:spTree>
+      <p:nvGrpSpPr>
+        <p:cNvPr id="1" name=""/>
+        <p:cNvGrpSpPr/>
+        <p:nvPr/>
+      </p:nvGrpSpPr>
+      <p:grpSpPr>
+        <a:xfrm>
+          <a:off x="0" y="0"/>
+          <a:ext cx="0" cy="0"/>
+          <a:chOff x="0" y="0"/>
+          <a:chExt cx="0" cy="0"/>
+        </a:xfrm>
+      </p:grpSpPr>
+      <p:sp>
+        <p:nvSpPr>
+          <p:cNvPr id="106" name="CustomShape 1"/>
+          <p:cNvSpPr/>
+          <p:nvPr/>
+        </p:nvSpPr>
+        <p:spPr>
+          <a:xfrm>
+            <a:off x="457200" y="274680"/>
+            <a:ext cx="8228880" cy="1142280"/>
+          </a:xfrm>
+          <a:prstGeom prst="rect">
+            <a:avLst/>
+          </a:prstGeom>
+          <a:noFill/>
+          <a:ln>
+            <a:noFill/>
+          </a:ln>
+        </p:spPr>
+        <p:style>
+          <a:lnRef idx="0"/>
+          <a:fillRef idx="0"/>
+          <a:effectRef idx="0"/>
+          <a:fontRef idx="minor"/>
+        </p:style>
+        <p:txBody>
+          <a:bodyPr lIns="90000" rIns="90000" tIns="45000" bIns="45000">
+            <a:noAutofit/>
+          </a:bodyPr>
+          <a:p>
+            <a:pPr>
+              <a:lnSpc>
+                <a:spcPct val="100000"/>
+              </a:lnSpc>
+            </a:pPr>
+            <a:r>
+              <a:rPr b="0" lang="en-CA" sz="4400" spc="-1" strike="noStrike">
+                <a:solidFill>
+                  <a:srgbClr val="000000"/>
+                </a:solidFill>
+                <a:latin typeface="Calibri"/>
+                <a:ea typeface="ＭＳ Ｐゴシック"/>
+              </a:rPr>
+              <a:t>Parting Thoughts</a:t>
+            </a:r>
+            <a:endParaRPr b="0" lang="en-CA" sz="4400" spc="-1" strike="noStrike">
+              <a:latin typeface="Arial"/>
+            </a:endParaRPr>
+          </a:p>
+        </p:txBody>
+      </p:sp>
+      <p:sp>
+        <p:nvSpPr>
+          <p:cNvPr id="107" name="CustomShape 2"/>
+          <p:cNvSpPr/>
+          <p:nvPr/>
+        </p:nvSpPr>
+        <p:spPr>
+          <a:xfrm>
+            <a:off x="457200" y="1600200"/>
+            <a:ext cx="8038800" cy="4525200"/>
+          </a:xfrm>
+          <a:prstGeom prst="rect">
+            <a:avLst/>
+          </a:prstGeom>
+          <a:noFill/>
+          <a:ln>
+            <a:noFill/>
+          </a:ln>
+        </p:spPr>
+        <p:style>
+          <a:lnRef idx="0"/>
+          <a:fillRef idx="0"/>
+          <a:effectRef idx="0"/>
+          <a:fontRef idx="minor"/>
+        </p:style>
+        <p:txBody>
+          <a:bodyPr lIns="90000" rIns="90000" tIns="45000" bIns="45000">
+            <a:noAutofit/>
+          </a:bodyPr>
+          <a:p>
+            <a:pPr marL="343080" indent="-342360">
+              <a:lnSpc>
+                <a:spcPct val="100000"/>
+              </a:lnSpc>
+              <a:spcBef>
+                <a:spcPts val="641"/>
+              </a:spcBef>
+              <a:buClr>
+                <a:srgbClr val="000000"/>
+              </a:buClr>
+              <a:buFont typeface="Symbol" charset="2"/>
+              <a:buChar char=""/>
+            </a:pPr>
+            <a:r>
+              <a:rPr b="0" lang="en-CA" sz="2000" spc="-1" strike="noStrike">
+                <a:solidFill>
+                  <a:srgbClr val="000000"/>
+                </a:solidFill>
+                <a:latin typeface="Calibri"/>
+                <a:ea typeface="ＭＳ Ｐゴシック"/>
+              </a:rPr>
+              <a:t>Save your logs</a:t>
+            </a:r>
+            <a:endParaRPr b="0" lang="en-CA" sz="2000" spc="-1" strike="noStrike">
+              <a:latin typeface="Arial"/>
+            </a:endParaRPr>
+          </a:p>
+          <a:p>
+            <a:pPr marL="343080" indent="-342360">
+              <a:lnSpc>
+                <a:spcPct val="100000"/>
+              </a:lnSpc>
+              <a:spcBef>
+                <a:spcPts val="641"/>
+              </a:spcBef>
+              <a:buClr>
+                <a:srgbClr val="000000"/>
+              </a:buClr>
+              <a:buFont typeface="Symbol" charset="2"/>
+              <a:buChar char=""/>
+            </a:pPr>
+            <a:r>
+              <a:rPr b="0" lang="en-CA" sz="2000" spc="-1" strike="noStrike">
+                <a:solidFill>
+                  <a:srgbClr val="000000"/>
+                </a:solidFill>
+                <a:latin typeface="Calibri"/>
+                <a:ea typeface="ＭＳ Ｐゴシック"/>
+              </a:rPr>
+              <a:t>When you write admin scripts – log</a:t>
+            </a:r>
+            <a:endParaRPr b="0" lang="en-CA" sz="2000" spc="-1" strike="noStrike">
+              <a:latin typeface="Arial"/>
+            </a:endParaRPr>
+          </a:p>
+          <a:p>
+            <a:pPr marL="343080" indent="-342360">
+              <a:lnSpc>
+                <a:spcPct val="100000"/>
+              </a:lnSpc>
+              <a:spcBef>
+                <a:spcPts val="641"/>
+              </a:spcBef>
+              <a:buClr>
+                <a:srgbClr val="000000"/>
+              </a:buClr>
+              <a:buFont typeface="Symbol" charset="2"/>
+              <a:buChar char=""/>
+            </a:pPr>
+            <a:r>
+              <a:rPr b="0" lang="en-CA" sz="2000" spc="-1" strike="noStrike">
+                <a:solidFill>
+                  <a:srgbClr val="000000"/>
+                </a:solidFill>
+                <a:latin typeface="Calibri"/>
+                <a:ea typeface="ＭＳ Ｐゴシック"/>
+              </a:rPr>
+              <a:t>Have a look at Apache httpd logs – they’re great!</a:t>
+            </a:r>
+            <a:endParaRPr b="0" lang="en-CA" sz="2000" spc="-1" strike="noStrike">
+              <a:latin typeface="Arial"/>
+            </a:endParaRPr>
+          </a:p>
+          <a:p>
+            <a:pPr marL="343080" indent="-342360">
+              <a:lnSpc>
+                <a:spcPct val="100000"/>
+              </a:lnSpc>
+              <a:spcBef>
+                <a:spcPts val="641"/>
+              </a:spcBef>
+              <a:buClr>
+                <a:srgbClr val="000000"/>
+              </a:buClr>
+              <a:buFont typeface="Symbol" charset="2"/>
+              <a:buChar char=""/>
+            </a:pPr>
+            <a:r>
+              <a:rPr b="0" lang="en-CA" sz="2000" spc="-1" strike="noStrike">
+                <a:solidFill>
+                  <a:srgbClr val="000000"/>
+                </a:solidFill>
+                <a:latin typeface="Calibri"/>
+                <a:ea typeface="ＭＳ Ｐゴシック"/>
+              </a:rPr>
+              <a:t>Investigate </a:t>
+            </a:r>
+            <a:r>
+              <a:rPr b="0" lang="en-CA" sz="2000" spc="-1" strike="noStrike">
+                <a:solidFill>
+                  <a:srgbClr val="000000"/>
+                </a:solidFill>
+                <a:latin typeface="Courier New"/>
+                <a:ea typeface="ＭＳ Ｐゴシック"/>
+              </a:rPr>
+              <a:t>logrotate</a:t>
+            </a:r>
+            <a:r>
+              <a:rPr b="0" lang="en-CA" sz="2000" spc="-1" strike="noStrike">
+                <a:solidFill>
+                  <a:srgbClr val="000000"/>
+                </a:solidFill>
+                <a:latin typeface="Calibri"/>
+                <a:ea typeface="ＭＳ Ｐゴシック"/>
+              </a:rPr>
+              <a:t> </a:t>
+            </a:r>
+            <a:endParaRPr b="0" lang="en-CA" sz="2000" spc="-1" strike="noStrike">
+              <a:latin typeface="Arial"/>
+            </a:endParaRPr>
+          </a:p>
+          <a:p>
+            <a:pPr marL="343080" indent="-342360">
+              <a:lnSpc>
+                <a:spcPct val="100000"/>
+              </a:lnSpc>
+              <a:spcBef>
+                <a:spcPts val="641"/>
+              </a:spcBef>
+              <a:buClr>
+                <a:srgbClr val="000000"/>
+              </a:buClr>
+              <a:buFont typeface="Symbol" charset="2"/>
+              <a:buChar char=""/>
+            </a:pPr>
+            <a:r>
+              <a:rPr b="0" lang="en-CA" sz="2000" spc="-1" strike="noStrike">
+                <a:solidFill>
+                  <a:srgbClr val="000000"/>
+                </a:solidFill>
+                <a:latin typeface="Calibri"/>
+                <a:ea typeface="ＭＳ Ｐゴシック"/>
+              </a:rPr>
+              <a:t>Listen to the master: </a:t>
+            </a:r>
+            <a:br/>
+            <a:r>
+              <a:rPr b="0" lang="en-CA" sz="2000" spc="-1" strike="noStrike">
+                <a:solidFill>
+                  <a:srgbClr val="000000"/>
+                </a:solidFill>
+                <a:latin typeface="Calibri"/>
+                <a:ea typeface="ＭＳ Ｐゴシック"/>
+              </a:rPr>
+              <a:t>     https://youtu.be/fewUSu_QZAY</a:t>
+            </a:r>
+            <a:endParaRPr b="0" lang="en-CA" sz="2000" spc="-1" strike="noStrike">
+              <a:latin typeface="Arial"/>
+            </a:endParaRPr>
+          </a:p>
+          <a:p>
+            <a:pPr>
+              <a:lnSpc>
+                <a:spcPct val="100000"/>
+              </a:lnSpc>
+              <a:spcBef>
+                <a:spcPts val="641"/>
+              </a:spcBef>
+            </a:pPr>
+            <a:endParaRPr b="0" lang="en-CA" sz="2000" spc="-1" strike="noStrike">
+              <a:latin typeface="Arial"/>
+            </a:endParaRPr>
+          </a:p>
+        </p:txBody>
+      </p:sp>
+    </p:spTree>
+  </p:cSld>
+  <mc:AlternateContent>
+    <mc:Choice Requires="p14">
+      <p:transition spd="slow" p14:dur="2000"/>
+    </mc:Choice>
+    <mc:Fallback>
+      <p:transition spd="slow"/>
+    </mc:Fallback>
+  </mc:AlternateContent>
+</p:sld>
+</file>
+
+<file path=ppt/slides/slide2.xml><?xml version="1.0" encoding="utf-8"?>
+<p:sld xmlns:a="http://schemas.openxmlformats.org/drawingml/2006/main" xmlns:p="http://schemas.openxmlformats.org/presentationml/2006/main" xmlns:r="http://schemas.openxmlformats.org/officeDocument/2006/relationships" xmlns:p14="http://schemas.microsoft.com/office/powerpoint/2010/main" xmlns:p15="http://schemas.microsoft.com/office/powerpoint/2012/main" xmlns:mc="http://schemas.openxmlformats.org/markup-compatibility/2006">
+  <p:cSld>
+    <p:spTree>
+      <p:nvGrpSpPr>
+        <p:cNvPr id="1" name=""/>
+        <p:cNvGrpSpPr/>
+        <p:nvPr/>
+      </p:nvGrpSpPr>
+      <p:grpSpPr>
+        <a:xfrm>
+          <a:off x="0" y="0"/>
+          <a:ext cx="0" cy="0"/>
+          <a:chOff x="0" y="0"/>
+          <a:chExt cx="0" cy="0"/>
+        </a:xfrm>
+      </p:grpSpPr>
+      <p:sp>
+        <p:nvSpPr>
+          <p:cNvPr id="86" name="CustomShape 1"/>
+          <p:cNvSpPr/>
+          <p:nvPr/>
+        </p:nvSpPr>
+        <p:spPr>
+          <a:xfrm>
+            <a:off x="457200" y="274680"/>
+            <a:ext cx="8228880" cy="1142280"/>
+          </a:xfrm>
+          <a:prstGeom prst="rect">
+            <a:avLst/>
+          </a:prstGeom>
+          <a:noFill/>
+          <a:ln>
+            <a:noFill/>
+          </a:ln>
+        </p:spPr>
+        <p:style>
+          <a:lnRef idx="0"/>
+          <a:fillRef idx="0"/>
+          <a:effectRef idx="0"/>
+          <a:fontRef idx="minor"/>
+        </p:style>
+        <p:txBody>
+          <a:bodyPr lIns="90000" rIns="90000" tIns="45000" bIns="45000">
+            <a:noAutofit/>
+          </a:bodyPr>
+          <a:p>
+            <a:pPr>
+              <a:lnSpc>
+                <a:spcPct val="100000"/>
+              </a:lnSpc>
+            </a:pPr>
+            <a:r>
+              <a:rPr b="0" lang="en-US" sz="4400" spc="-1" strike="noStrike">
+                <a:solidFill>
+                  <a:srgbClr val="000000"/>
+                </a:solidFill>
+                <a:latin typeface="Calibri"/>
+                <a:ea typeface="ＭＳ Ｐゴシック"/>
+              </a:rPr>
+              <a:t>Log Files – why bother</a:t>
+            </a:r>
+            <a:endParaRPr b="0" lang="en-CA" sz="4400" spc="-1" strike="noStrike">
+              <a:latin typeface="Arial"/>
+            </a:endParaRPr>
+          </a:p>
+        </p:txBody>
+      </p:sp>
+      <p:sp>
+        <p:nvSpPr>
+          <p:cNvPr id="87" name="CustomShape 2"/>
+          <p:cNvSpPr/>
+          <p:nvPr/>
+        </p:nvSpPr>
+        <p:spPr>
+          <a:xfrm>
+            <a:off x="990720" y="1417680"/>
+            <a:ext cx="7390800" cy="4799880"/>
+          </a:xfrm>
+          <a:prstGeom prst="rect">
+            <a:avLst/>
+          </a:prstGeom>
+          <a:noFill/>
+          <a:ln>
+            <a:noFill/>
+          </a:ln>
+        </p:spPr>
+        <p:style>
+          <a:lnRef idx="0"/>
+          <a:fillRef idx="0"/>
+          <a:effectRef idx="0"/>
+          <a:fontRef idx="minor"/>
+        </p:style>
+        <p:txBody>
+          <a:bodyPr lIns="90000" rIns="90000" tIns="45000" bIns="45000">
+            <a:noAutofit/>
+          </a:bodyPr>
+          <a:p>
+            <a:pPr marL="343080" indent="-342360">
+              <a:lnSpc>
+                <a:spcPct val="150000"/>
+              </a:lnSpc>
+              <a:spcBef>
+                <a:spcPts val="400"/>
+              </a:spcBef>
+              <a:buClr>
+                <a:srgbClr val="000000"/>
+              </a:buClr>
+              <a:buFont typeface="Symbol"/>
+              <a:buChar char=""/>
+            </a:pPr>
+            <a:r>
+              <a:rPr b="0" lang="en-US" sz="2000" spc="-1" strike="noStrike">
+                <a:solidFill>
+                  <a:srgbClr val="000000"/>
+                </a:solidFill>
+                <a:latin typeface="Calibri"/>
+                <a:ea typeface="ＭＳ Ｐゴシック"/>
+              </a:rPr>
+              <a:t>We care, we really care, about  “What happened and when it happened”</a:t>
+            </a:r>
+            <a:endParaRPr b="0" lang="en-CA" sz="2000" spc="-1" strike="noStrike">
+              <a:latin typeface="Arial"/>
+            </a:endParaRPr>
+          </a:p>
+          <a:p>
+            <a:pPr marL="343080" indent="-342360">
+              <a:lnSpc>
+                <a:spcPct val="150000"/>
+              </a:lnSpc>
+              <a:spcBef>
+                <a:spcPts val="400"/>
+              </a:spcBef>
+              <a:buClr>
+                <a:srgbClr val="000000"/>
+              </a:buClr>
+              <a:buFont typeface="Symbol"/>
+              <a:buChar char=""/>
+            </a:pPr>
+            <a:r>
+              <a:rPr b="0" lang="en-US" sz="2000" spc="-1" strike="noStrike">
+                <a:solidFill>
+                  <a:srgbClr val="000000"/>
+                </a:solidFill>
+                <a:latin typeface="Calibri"/>
+                <a:ea typeface="ＭＳ Ｐゴシック"/>
+              </a:rPr>
+              <a:t>Log files are an administrator’s best friend when debugging</a:t>
+            </a:r>
+            <a:endParaRPr b="0" lang="en-CA" sz="2000" spc="-1" strike="noStrike">
+              <a:latin typeface="Arial"/>
+            </a:endParaRPr>
+          </a:p>
+          <a:p>
+            <a:pPr marL="343080" indent="-342360">
+              <a:lnSpc>
+                <a:spcPct val="150000"/>
+              </a:lnSpc>
+              <a:spcBef>
+                <a:spcPts val="400"/>
+              </a:spcBef>
+              <a:buClr>
+                <a:srgbClr val="000000"/>
+              </a:buClr>
+              <a:buFont typeface="Symbol"/>
+              <a:buChar char=""/>
+            </a:pPr>
+            <a:r>
+              <a:rPr b="0" lang="en-US" sz="2000" spc="-1" strike="noStrike">
+                <a:solidFill>
+                  <a:srgbClr val="000000"/>
+                </a:solidFill>
+                <a:latin typeface="Calibri"/>
+                <a:ea typeface="ＭＳ Ｐゴシック"/>
+              </a:rPr>
+              <a:t>Application developers will often ask for log files when trouble shooting</a:t>
+            </a:r>
+            <a:endParaRPr b="0" lang="en-CA" sz="2000" spc="-1" strike="noStrike">
+              <a:latin typeface="Arial"/>
+            </a:endParaRPr>
+          </a:p>
+          <a:p>
+            <a:pPr>
+              <a:lnSpc>
+                <a:spcPct val="90000"/>
+              </a:lnSpc>
+              <a:spcBef>
+                <a:spcPts val="641"/>
+              </a:spcBef>
+              <a:tabLst>
+                <a:tab algn="l" pos="0"/>
+              </a:tabLst>
+            </a:pPr>
+            <a:endParaRPr b="0" lang="en-CA" sz="2000" spc="-1" strike="noStrike">
+              <a:latin typeface="Arial"/>
+            </a:endParaRPr>
+          </a:p>
+        </p:txBody>
+      </p:sp>
+    </p:spTree>
+  </p:cSld>
+  <mc:AlternateContent>
+    <mc:Choice Requires="p14">
+      <p:transition spd="slow" p14:dur="2000"/>
+    </mc:Choice>
+    <mc:Fallback>
+      <p:transition spd="slow"/>
+    </mc:Fallback>
+  </mc:AlternateContent>
+</p:sld>
+</file>
+
+<file path=ppt/slides/slide3.xml><?xml version="1.0" encoding="utf-8"?>
+<p:sld xmlns:a="http://schemas.openxmlformats.org/drawingml/2006/main" xmlns:p="http://schemas.openxmlformats.org/presentationml/2006/main" xmlns:r="http://schemas.openxmlformats.org/officeDocument/2006/relationships" xmlns:p14="http://schemas.microsoft.com/office/powerpoint/2010/main" xmlns:p15="http://schemas.microsoft.com/office/powerpoint/2012/main" xmlns:mc="http://schemas.openxmlformats.org/markup-compatibility/2006">
+  <p:cSld>
+    <p:spTree>
+      <p:nvGrpSpPr>
+        <p:cNvPr id="1" name=""/>
+        <p:cNvGrpSpPr/>
+        <p:nvPr/>
+      </p:nvGrpSpPr>
+      <p:grpSpPr>
+        <a:xfrm>
+          <a:off x="0" y="0"/>
+          <a:ext cx="0" cy="0"/>
+          <a:chOff x="0" y="0"/>
+          <a:chExt cx="0" cy="0"/>
+        </a:xfrm>
+      </p:grpSpPr>
+      <p:sp>
+        <p:nvSpPr>
+          <p:cNvPr id="88" name="CustomShape 1"/>
+          <p:cNvSpPr/>
+          <p:nvPr/>
+        </p:nvSpPr>
+        <p:spPr>
+          <a:xfrm>
+            <a:off x="457200" y="274680"/>
+            <a:ext cx="8228880" cy="1142280"/>
+          </a:xfrm>
+          <a:prstGeom prst="rect">
+            <a:avLst/>
+          </a:prstGeom>
+          <a:noFill/>
+          <a:ln>
+            <a:noFill/>
+          </a:ln>
+        </p:spPr>
+        <p:style>
+          <a:lnRef idx="0"/>
+          <a:fillRef idx="0"/>
+          <a:effectRef idx="0"/>
+          <a:fontRef idx="minor"/>
+        </p:style>
+        <p:txBody>
+          <a:bodyPr lIns="90000" rIns="90000" tIns="45000" bIns="45000">
+            <a:noAutofit/>
+          </a:bodyPr>
+          <a:p>
+            <a:pPr>
+              <a:lnSpc>
+                <a:spcPct val="100000"/>
+              </a:lnSpc>
+            </a:pPr>
+            <a:r>
+              <a:rPr b="0" lang="en-CA" sz="4400" spc="-1" strike="noStrike">
+                <a:solidFill>
+                  <a:srgbClr val="000000"/>
+                </a:solidFill>
+                <a:latin typeface="Calibri"/>
+                <a:ea typeface="ＭＳ Ｐゴシック"/>
+              </a:rPr>
+              <a:t>Logging Options</a:t>
+            </a:r>
+            <a:endParaRPr b="0" lang="en-CA" sz="4400" spc="-1" strike="noStrike">
+              <a:latin typeface="Arial"/>
+            </a:endParaRPr>
+          </a:p>
+        </p:txBody>
+      </p:sp>
+      <p:sp>
+        <p:nvSpPr>
+          <p:cNvPr id="89" name="CustomShape 2"/>
+          <p:cNvSpPr/>
+          <p:nvPr/>
+        </p:nvSpPr>
+        <p:spPr>
+          <a:xfrm>
+            <a:off x="1158480" y="1944000"/>
+            <a:ext cx="7661160" cy="2361600"/>
+          </a:xfrm>
+          <a:prstGeom prst="rect">
+            <a:avLst/>
+          </a:prstGeom>
+          <a:noFill/>
+          <a:ln>
+            <a:noFill/>
+          </a:ln>
+        </p:spPr>
+        <p:style>
+          <a:lnRef idx="0"/>
+          <a:fillRef idx="0"/>
+          <a:effectRef idx="0"/>
+          <a:fontRef idx="minor"/>
+        </p:style>
+        <p:txBody>
+          <a:bodyPr lIns="90000" rIns="90000" tIns="45000" bIns="45000">
+            <a:noAutofit/>
+          </a:bodyPr>
+          <a:p>
+            <a:pPr marL="343080" indent="-342360">
+              <a:lnSpc>
+                <a:spcPct val="100000"/>
+              </a:lnSpc>
+              <a:spcBef>
+                <a:spcPts val="641"/>
+              </a:spcBef>
+              <a:buClr>
+                <a:srgbClr val="000000"/>
+              </a:buClr>
+              <a:buFont typeface="Symbol"/>
+              <a:buChar char=""/>
+            </a:pPr>
+            <a:r>
+              <a:rPr b="0" lang="en-CA" sz="2800" spc="-1" strike="noStrike">
+                <a:solidFill>
+                  <a:srgbClr val="000000"/>
+                </a:solidFill>
+                <a:latin typeface="Calibri"/>
+                <a:ea typeface="ＭＳ Ｐゴシック"/>
+              </a:rPr>
+              <a:t>Application specific</a:t>
+            </a:r>
+            <a:br/>
+            <a:r>
+              <a:rPr b="0" lang="en-CA" sz="2800" spc="-1" strike="noStrike">
+                <a:solidFill>
+                  <a:srgbClr val="000000"/>
+                </a:solidFill>
+                <a:latin typeface="Calibri"/>
+                <a:ea typeface="ＭＳ Ｐゴシック"/>
+              </a:rPr>
+              <a:t> </a:t>
+            </a:r>
+            <a:endParaRPr b="0" lang="en-CA" sz="2800" spc="-1" strike="noStrike">
+              <a:latin typeface="Arial"/>
+            </a:endParaRPr>
+          </a:p>
+          <a:p>
+            <a:pPr marL="343080" indent="-342360">
+              <a:lnSpc>
+                <a:spcPct val="100000"/>
+              </a:lnSpc>
+              <a:spcBef>
+                <a:spcPts val="641"/>
+              </a:spcBef>
+              <a:buClr>
+                <a:srgbClr val="000000"/>
+              </a:buClr>
+              <a:buFont typeface="Symbol"/>
+              <a:buChar char=""/>
+            </a:pPr>
+            <a:r>
+              <a:rPr b="0" lang="en-CA" sz="2800" spc="-1" strike="noStrike">
+                <a:solidFill>
+                  <a:srgbClr val="000000"/>
+                </a:solidFill>
+                <a:latin typeface="Calibri"/>
+                <a:ea typeface="ＭＳ Ｐゴシック"/>
+              </a:rPr>
+              <a:t>Common logging facility </a:t>
+            </a:r>
+            <a:br/>
+            <a:r>
+              <a:rPr b="0" lang="en-CA" sz="2800" spc="-1" strike="noStrike">
+                <a:solidFill>
+                  <a:srgbClr val="000000"/>
+                </a:solidFill>
+                <a:latin typeface="Calibri"/>
+                <a:ea typeface="ＭＳ Ｐゴシック"/>
+              </a:rPr>
+              <a:t>	</a:t>
+            </a:r>
+            <a:r>
+              <a:rPr b="0" lang="en-CA" sz="2800" spc="-1" strike="noStrike">
+                <a:solidFill>
+                  <a:srgbClr val="000000"/>
+                </a:solidFill>
+                <a:latin typeface="Calibri"/>
+                <a:ea typeface="ＭＳ Ｐゴシック"/>
+              </a:rPr>
+              <a:t>- syslog/rsyslog</a:t>
+            </a:r>
+            <a:endParaRPr b="0" lang="en-CA" sz="2800" spc="-1" strike="noStrike">
+              <a:latin typeface="Arial"/>
+            </a:endParaRPr>
+          </a:p>
+          <a:p>
+            <a:pPr lvl="3" marL="864000" indent="-216000">
+              <a:lnSpc>
+                <a:spcPct val="100000"/>
+              </a:lnSpc>
+              <a:spcBef>
+                <a:spcPts val="641"/>
+              </a:spcBef>
+              <a:buClr>
+                <a:srgbClr val="000000"/>
+              </a:buClr>
+              <a:buSzPct val="45000"/>
+              <a:buFont typeface="Wingdings" charset="2"/>
+              <a:buChar char=""/>
+            </a:pPr>
+            <a:r>
+              <a:rPr b="0" lang="en-CA" sz="2800" spc="-1" strike="noStrike">
+                <a:solidFill>
+                  <a:srgbClr val="000000"/>
+                </a:solidFill>
+                <a:latin typeface="Calibri"/>
+                <a:ea typeface="ＭＳ Ｐゴシック"/>
+              </a:rPr>
+              <a:t>- systemd journal</a:t>
+            </a:r>
+            <a:endParaRPr b="0" lang="en-CA" sz="2800" spc="-1" strike="noStrike">
+              <a:latin typeface="Arial"/>
+            </a:endParaRPr>
+          </a:p>
+          <a:p>
+            <a:pPr lvl="3" marL="864000" indent="-216000">
+              <a:lnSpc>
+                <a:spcPct val="100000"/>
+              </a:lnSpc>
+              <a:spcBef>
+                <a:spcPts val="641"/>
+              </a:spcBef>
+              <a:buClr>
+                <a:srgbClr val="000000"/>
+              </a:buClr>
+              <a:buSzPct val="45000"/>
+              <a:buFont typeface="Wingdings" charset="2"/>
+              <a:buChar char=""/>
+            </a:pPr>
+            <a:r>
+              <a:rPr b="0" lang="en-CA" sz="2800" spc="-1" strike="noStrike">
+                <a:solidFill>
+                  <a:srgbClr val="000000"/>
+                </a:solidFill>
+                <a:latin typeface="Calibri"/>
+                <a:ea typeface="ＭＳ Ｐゴシック"/>
+              </a:rPr>
+              <a:t>- Windows event log</a:t>
+            </a:r>
+            <a:endParaRPr b="0" lang="en-CA" sz="2800" spc="-1" strike="noStrike">
+              <a:latin typeface="Arial"/>
+            </a:endParaRPr>
+          </a:p>
+        </p:txBody>
+      </p:sp>
+    </p:spTree>
+  </p:cSld>
+  <mc:AlternateContent>
+    <mc:Choice Requires="p14">
+      <p:transition spd="slow" p14:dur="2000"/>
+    </mc:Choice>
+    <mc:Fallback>
+      <p:transition spd="slow"/>
+    </mc:Fallback>
+  </mc:AlternateContent>
+</p:sld>
+</file>
+
+<file path=ppt/slides/slide4.xml><?xml version="1.0" encoding="utf-8"?>
+<p:sld xmlns:a="http://schemas.openxmlformats.org/drawingml/2006/main" xmlns:p="http://schemas.openxmlformats.org/presentationml/2006/main" xmlns:r="http://schemas.openxmlformats.org/officeDocument/2006/relationships" xmlns:p14="http://schemas.microsoft.com/office/powerpoint/2010/main" xmlns:p15="http://schemas.microsoft.com/office/powerpoint/2012/main" xmlns:mc="http://schemas.openxmlformats.org/markup-compatibility/2006">
+  <p:cSld>
+    <p:spTree>
+      <p:nvGrpSpPr>
+        <p:cNvPr id="1" name=""/>
+        <p:cNvGrpSpPr/>
+        <p:nvPr/>
+      </p:nvGrpSpPr>
+      <p:grpSpPr>
+        <a:xfrm>
+          <a:off x="0" y="0"/>
+          <a:ext cx="0" cy="0"/>
+          <a:chOff x="0" y="0"/>
+          <a:chExt cx="0" cy="0"/>
+        </a:xfrm>
+      </p:grpSpPr>
+      <p:sp>
+        <p:nvSpPr>
+          <p:cNvPr id="90" name="CustomShape 1"/>
+          <p:cNvSpPr/>
+          <p:nvPr/>
+        </p:nvSpPr>
+        <p:spPr>
+          <a:xfrm>
+            <a:off x="457200" y="274680"/>
+            <a:ext cx="8228880" cy="1142280"/>
+          </a:xfrm>
+          <a:prstGeom prst="rect">
+            <a:avLst/>
+          </a:prstGeom>
+          <a:noFill/>
+          <a:ln>
+            <a:noFill/>
+          </a:ln>
+        </p:spPr>
+        <p:style>
+          <a:lnRef idx="0"/>
+          <a:fillRef idx="0"/>
+          <a:effectRef idx="0"/>
+          <a:fontRef idx="minor"/>
+        </p:style>
+        <p:txBody>
+          <a:bodyPr lIns="90000" rIns="90000" tIns="45000" bIns="45000">
+            <a:noAutofit/>
+          </a:bodyPr>
+          <a:p>
+            <a:pPr>
+              <a:lnSpc>
+                <a:spcPct val="100000"/>
+              </a:lnSpc>
+            </a:pPr>
+            <a:r>
+              <a:rPr b="0" lang="en-US" sz="4400" spc="-1" strike="noStrike">
+                <a:solidFill>
+                  <a:srgbClr val="000000"/>
+                </a:solidFill>
+                <a:latin typeface="Calibri"/>
+                <a:ea typeface="ＭＳ Ｐゴシック"/>
+              </a:rPr>
+              <a:t>General Truths about logs</a:t>
+            </a:r>
+            <a:endParaRPr b="0" lang="en-CA" sz="4400" spc="-1" strike="noStrike">
+              <a:latin typeface="Arial"/>
+            </a:endParaRPr>
+          </a:p>
+        </p:txBody>
+      </p:sp>
+      <p:sp>
+        <p:nvSpPr>
+          <p:cNvPr id="91" name="CustomShape 2"/>
+          <p:cNvSpPr/>
+          <p:nvPr/>
+        </p:nvSpPr>
+        <p:spPr>
+          <a:xfrm>
+            <a:off x="1143000" y="1295280"/>
+            <a:ext cx="7619400" cy="4114080"/>
+          </a:xfrm>
+          <a:prstGeom prst="rect">
+            <a:avLst/>
+          </a:prstGeom>
+          <a:noFill/>
+          <a:ln>
+            <a:noFill/>
+          </a:ln>
+        </p:spPr>
+        <p:style>
+          <a:lnRef idx="0"/>
+          <a:fillRef idx="0"/>
+          <a:effectRef idx="0"/>
+          <a:fontRef idx="minor"/>
+        </p:style>
+        <p:txBody>
+          <a:bodyPr lIns="90000" rIns="90000" tIns="45000" bIns="45000">
+            <a:noAutofit/>
+          </a:bodyPr>
+          <a:p>
+            <a:pPr marL="343080" indent="-342360">
+              <a:lnSpc>
+                <a:spcPct val="150000"/>
+              </a:lnSpc>
+              <a:spcBef>
+                <a:spcPts val="479"/>
+              </a:spcBef>
+              <a:buClr>
+                <a:srgbClr val="000000"/>
+              </a:buClr>
+              <a:buFont typeface="Symbol"/>
+              <a:buChar char=""/>
+            </a:pPr>
+            <a:r>
+              <a:rPr b="0" lang="en-US" sz="2400" spc="-1" strike="noStrike">
+                <a:solidFill>
+                  <a:srgbClr val="000000"/>
+                </a:solidFill>
+                <a:latin typeface="Calibri"/>
+                <a:ea typeface="ＭＳ Ｐゴシック"/>
+              </a:rPr>
+              <a:t>Developers spend considerable time and energy writing messages to the log file to help </a:t>
+            </a:r>
+            <a:r>
+              <a:rPr b="1" lang="en-US" sz="2400" spc="-1" strike="noStrike">
+                <a:solidFill>
+                  <a:srgbClr val="000000"/>
+                </a:solidFill>
+                <a:latin typeface="Calibri"/>
+                <a:ea typeface="ＭＳ Ｐゴシック"/>
+              </a:rPr>
+              <a:t>you</a:t>
+            </a:r>
+            <a:endParaRPr b="0" lang="en-CA" sz="2400" spc="-1" strike="noStrike">
+              <a:latin typeface="Arial"/>
+            </a:endParaRPr>
+          </a:p>
+          <a:p>
+            <a:pPr marL="343080" indent="-342360">
+              <a:lnSpc>
+                <a:spcPct val="150000"/>
+              </a:lnSpc>
+              <a:spcBef>
+                <a:spcPts val="479"/>
+              </a:spcBef>
+              <a:buClr>
+                <a:srgbClr val="000000"/>
+              </a:buClr>
+              <a:buFont typeface="Symbol"/>
+              <a:buChar char=""/>
+            </a:pPr>
+            <a:r>
+              <a:rPr b="0" lang="en-US" sz="2400" spc="-1" strike="noStrike">
+                <a:solidFill>
+                  <a:srgbClr val="000000"/>
+                </a:solidFill>
+                <a:latin typeface="Calibri"/>
+                <a:ea typeface="ＭＳ Ｐゴシック"/>
+              </a:rPr>
+              <a:t>Most logging mechanisms share these traits</a:t>
+            </a:r>
+            <a:endParaRPr b="0" lang="en-CA" sz="2400" spc="-1" strike="noStrike">
+              <a:latin typeface="Arial"/>
+            </a:endParaRPr>
+          </a:p>
+          <a:p>
+            <a:pPr marL="540000">
+              <a:lnSpc>
+                <a:spcPct val="150000"/>
+              </a:lnSpc>
+              <a:spcBef>
+                <a:spcPts val="400"/>
+              </a:spcBef>
+              <a:buClr>
+                <a:srgbClr val="000000"/>
+              </a:buClr>
+              <a:buFont typeface="Symbol" charset="2"/>
+              <a:buChar char=""/>
+            </a:pPr>
+            <a:r>
+              <a:rPr b="0" lang="en-US" sz="2000" spc="-1" strike="noStrike">
+                <a:solidFill>
+                  <a:srgbClr val="000000"/>
+                </a:solidFill>
+                <a:latin typeface="Calibri"/>
+                <a:ea typeface="ＭＳ Ｐゴシック"/>
+              </a:rPr>
+              <a:t>Time stamp</a:t>
+            </a:r>
+            <a:endParaRPr b="0" lang="en-CA" sz="2000" spc="-1" strike="noStrike">
+              <a:latin typeface="Arial"/>
+            </a:endParaRPr>
+          </a:p>
+          <a:p>
+            <a:pPr marL="540000">
+              <a:lnSpc>
+                <a:spcPct val="150000"/>
+              </a:lnSpc>
+              <a:spcBef>
+                <a:spcPts val="400"/>
+              </a:spcBef>
+              <a:buClr>
+                <a:srgbClr val="000000"/>
+              </a:buClr>
+              <a:buFont typeface="Symbol" charset="2"/>
+              <a:buChar char=""/>
+            </a:pPr>
+            <a:r>
+              <a:rPr b="0" lang="en-US" sz="2000" spc="-1" strike="noStrike">
+                <a:solidFill>
+                  <a:srgbClr val="000000"/>
+                </a:solidFill>
+                <a:latin typeface="Calibri"/>
+                <a:ea typeface="ＭＳ Ｐゴシック"/>
+              </a:rPr>
+              <a:t>Severity level (debug, info, warn, error)</a:t>
+            </a:r>
+            <a:endParaRPr b="0" lang="en-CA" sz="2000" spc="-1" strike="noStrike">
+              <a:latin typeface="Arial"/>
+            </a:endParaRPr>
+          </a:p>
+          <a:p>
+            <a:pPr marL="540000">
+              <a:lnSpc>
+                <a:spcPct val="150000"/>
+              </a:lnSpc>
+              <a:spcBef>
+                <a:spcPts val="400"/>
+              </a:spcBef>
+              <a:buClr>
+                <a:srgbClr val="000000"/>
+              </a:buClr>
+              <a:buFont typeface="Symbol" charset="2"/>
+              <a:buChar char=""/>
+            </a:pPr>
+            <a:r>
+              <a:rPr b="0" lang="en-US" sz="2000" spc="-1" strike="noStrike">
+                <a:solidFill>
+                  <a:srgbClr val="000000"/>
+                </a:solidFill>
+                <a:latin typeface="Calibri"/>
+                <a:ea typeface="ＭＳ Ｐゴシック"/>
+              </a:rPr>
+              <a:t>Ability to limit messages to one level and ‘above’</a:t>
+            </a:r>
+            <a:endParaRPr b="0" lang="en-CA" sz="2000" spc="-1" strike="noStrike">
+              <a:latin typeface="Arial"/>
+            </a:endParaRPr>
+          </a:p>
+          <a:p>
+            <a:pPr marL="540000">
+              <a:lnSpc>
+                <a:spcPct val="150000"/>
+              </a:lnSpc>
+              <a:spcBef>
+                <a:spcPts val="400"/>
+              </a:spcBef>
+              <a:buClr>
+                <a:srgbClr val="000000"/>
+              </a:buClr>
+              <a:buFont typeface="Symbol" charset="2"/>
+              <a:buChar char=""/>
+            </a:pPr>
+            <a:r>
+              <a:rPr b="0" lang="en-US" sz="2000" spc="-1" strike="noStrike">
+                <a:solidFill>
+                  <a:srgbClr val="000000"/>
+                </a:solidFill>
+                <a:latin typeface="Calibri"/>
+                <a:ea typeface="ＭＳ Ｐゴシック"/>
+              </a:rPr>
+              <a:t>Description text</a:t>
+            </a:r>
+            <a:endParaRPr b="0" lang="en-CA" sz="2000" spc="-1" strike="noStrike">
+              <a:latin typeface="Arial"/>
+            </a:endParaRPr>
+          </a:p>
+        </p:txBody>
+      </p:sp>
+    </p:spTree>
+  </p:cSld>
+  <mc:AlternateContent>
+    <mc:Choice Requires="p14">
+      <p:transition spd="slow" p14:dur="2000"/>
+    </mc:Choice>
+    <mc:Fallback>
+      <p:transition spd="slow"/>
+    </mc:Fallback>
+  </mc:AlternateContent>
+</p:sld>
+</file>
+
+<file path=ppt/slides/slide5.xml><?xml version="1.0" encoding="utf-8"?>
+<p:sld xmlns:a="http://schemas.openxmlformats.org/drawingml/2006/main" xmlns:p="http://schemas.openxmlformats.org/presentationml/2006/main" xmlns:r="http://schemas.openxmlformats.org/officeDocument/2006/relationships" xmlns:p14="http://schemas.microsoft.com/office/powerpoint/2010/main" xmlns:p15="http://schemas.microsoft.com/office/powerpoint/2012/main" xmlns:mc="http://schemas.openxmlformats.org/markup-compatibility/2006">
+  <p:cSld>
+    <p:spTree>
+      <p:nvGrpSpPr>
+        <p:cNvPr id="1" name=""/>
+        <p:cNvGrpSpPr/>
+        <p:nvPr/>
+      </p:nvGrpSpPr>
+      <p:grpSpPr>
+        <a:xfrm>
+          <a:off x="0" y="0"/>
+          <a:ext cx="0" cy="0"/>
+          <a:chOff x="0" y="0"/>
+          <a:chExt cx="0" cy="0"/>
+        </a:xfrm>
+      </p:grpSpPr>
+      <p:sp>
+        <p:nvSpPr>
+          <p:cNvPr id="92" name="CustomShape 1"/>
+          <p:cNvSpPr/>
+          <p:nvPr/>
+        </p:nvSpPr>
+        <p:spPr>
+          <a:xfrm>
+            <a:off x="457200" y="609480"/>
+            <a:ext cx="8228880" cy="4525200"/>
+          </a:xfrm>
+          <a:prstGeom prst="rect">
+            <a:avLst/>
+          </a:prstGeom>
+          <a:noFill/>
+          <a:ln>
+            <a:noFill/>
+          </a:ln>
+        </p:spPr>
+        <p:style>
+          <a:lnRef idx="0"/>
+          <a:fillRef idx="0"/>
+          <a:effectRef idx="0"/>
+          <a:fontRef idx="minor"/>
+        </p:style>
+        <p:txBody>
+          <a:bodyPr lIns="90000" rIns="90000" tIns="45000" bIns="45000">
+            <a:noAutofit/>
+          </a:bodyPr>
+          <a:p>
+            <a:pPr>
+              <a:lnSpc>
+                <a:spcPct val="100000"/>
+              </a:lnSpc>
+              <a:spcBef>
+                <a:spcPts val="641"/>
+              </a:spcBef>
+              <a:tabLst>
+                <a:tab algn="l" pos="0"/>
+              </a:tabLst>
+            </a:pPr>
+            <a:r>
+              <a:rPr b="1" lang="en-CA" sz="3200" spc="-1" strike="noStrike">
+                <a:solidFill>
+                  <a:srgbClr val="000000"/>
+                </a:solidFill>
+                <a:latin typeface="Calibri"/>
+                <a:ea typeface="ＭＳ Ｐゴシック"/>
+              </a:rPr>
+              <a:t>Why is remote logging important for security?</a:t>
+            </a:r>
+            <a:endParaRPr b="0" lang="en-CA" sz="3200" spc="-1" strike="noStrike">
+              <a:latin typeface="Arial"/>
+            </a:endParaRPr>
+          </a:p>
+          <a:p>
+            <a:pPr>
+              <a:lnSpc>
+                <a:spcPct val="100000"/>
+              </a:lnSpc>
+              <a:spcBef>
+                <a:spcPts val="641"/>
+              </a:spcBef>
+              <a:tabLst>
+                <a:tab algn="l" pos="0"/>
+              </a:tabLst>
+            </a:pPr>
+            <a:endParaRPr b="0" lang="en-CA" sz="3200" spc="-1" strike="noStrike">
+              <a:latin typeface="Arial"/>
+            </a:endParaRPr>
+          </a:p>
+          <a:p>
+            <a:pPr>
+              <a:lnSpc>
+                <a:spcPct val="100000"/>
+              </a:lnSpc>
+              <a:spcBef>
+                <a:spcPts val="641"/>
+              </a:spcBef>
+              <a:tabLst>
+                <a:tab algn="l" pos="0"/>
+              </a:tabLst>
+            </a:pPr>
+            <a:r>
+              <a:rPr b="0" lang="en-CA" sz="3200" spc="-1" strike="noStrike">
+                <a:solidFill>
+                  <a:srgbClr val="000000"/>
+                </a:solidFill>
+                <a:latin typeface="Calibri"/>
+                <a:ea typeface="ＭＳ Ｐゴシック"/>
+              </a:rPr>
+              <a:t>Consider these two facts:</a:t>
+            </a:r>
+            <a:endParaRPr b="0" lang="en-CA" sz="3200" spc="-1" strike="noStrike">
+              <a:latin typeface="Arial"/>
+            </a:endParaRPr>
+          </a:p>
+          <a:p>
+            <a:pPr marL="514440" indent="-513720">
+              <a:lnSpc>
+                <a:spcPct val="100000"/>
+              </a:lnSpc>
+              <a:spcBef>
+                <a:spcPts val="641"/>
+              </a:spcBef>
+              <a:buClr>
+                <a:srgbClr val="000000"/>
+              </a:buClr>
+              <a:buFont typeface="StarSymbol"/>
+              <a:buAutoNum type="arabicParenR"/>
+              <a:tabLst>
+                <a:tab algn="l" pos="0"/>
+              </a:tabLst>
+            </a:pPr>
+            <a:r>
+              <a:rPr b="0" lang="en-CA" sz="3200" spc="-1" strike="noStrike">
+                <a:solidFill>
+                  <a:srgbClr val="000000"/>
+                </a:solidFill>
+                <a:latin typeface="Calibri"/>
+                <a:ea typeface="ＭＳ Ｐゴシック"/>
+              </a:rPr>
+              <a:t>Security events, like failed login attempts, are logged to a file only root can access</a:t>
+            </a:r>
+            <a:endParaRPr b="0" lang="en-CA" sz="3200" spc="-1" strike="noStrike">
+              <a:latin typeface="Arial"/>
+            </a:endParaRPr>
+          </a:p>
+          <a:p>
+            <a:pPr marL="514440" indent="-513720">
+              <a:lnSpc>
+                <a:spcPct val="100000"/>
+              </a:lnSpc>
+              <a:spcBef>
+                <a:spcPts val="641"/>
+              </a:spcBef>
+              <a:buClr>
+                <a:srgbClr val="000000"/>
+              </a:buClr>
+              <a:buFont typeface="StarSymbol"/>
+              <a:buAutoNum type="arabicParenR"/>
+              <a:tabLst>
+                <a:tab algn="l" pos="0"/>
+              </a:tabLst>
+            </a:pPr>
+            <a:r>
+              <a:rPr b="0" lang="en-CA" sz="3200" spc="-1" strike="noStrike">
+                <a:solidFill>
+                  <a:srgbClr val="000000"/>
+                </a:solidFill>
+                <a:latin typeface="Calibri"/>
+                <a:ea typeface="ＭＳ Ｐゴシック"/>
+              </a:rPr>
+              <a:t>Intruders know fact 1.</a:t>
+            </a:r>
+            <a:endParaRPr b="0" lang="en-CA" sz="3200" spc="-1" strike="noStrike">
+              <a:latin typeface="Arial"/>
+            </a:endParaRPr>
+          </a:p>
+        </p:txBody>
+      </p:sp>
+    </p:spTree>
+  </p:cSld>
+  <mc:AlternateContent>
+    <mc:Choice Requires="p14">
+      <p:transition spd="slow" p14:dur="2000"/>
+    </mc:Choice>
+    <mc:Fallback>
+      <p:transition spd="slow"/>
+    </mc:Fallback>
+  </mc:AlternateContent>
+</p:sld>
+</file>
+
+<file path=ppt/slides/slide6.xml><?xml version="1.0" encoding="utf-8"?>
+<p:sld xmlns:a="http://schemas.openxmlformats.org/drawingml/2006/main" xmlns:p="http://schemas.openxmlformats.org/presentationml/2006/main" xmlns:r="http://schemas.openxmlformats.org/officeDocument/2006/relationships" xmlns:p14="http://schemas.microsoft.com/office/powerpoint/2010/main" xmlns:p15="http://schemas.microsoft.com/office/powerpoint/2012/main" xmlns:mc="http://schemas.openxmlformats.org/markup-compatibility/2006">
+  <p:cSld>
+    <p:spTree>
+      <p:nvGrpSpPr>
+        <p:cNvPr id="1" name=""/>
+        <p:cNvGrpSpPr/>
+        <p:nvPr/>
+      </p:nvGrpSpPr>
+      <p:grpSpPr>
+        <a:xfrm>
+          <a:off x="0" y="0"/>
+          <a:ext cx="0" cy="0"/>
+          <a:chOff x="0" y="0"/>
+          <a:chExt cx="0" cy="0"/>
+        </a:xfrm>
+      </p:grpSpPr>
+      <p:sp>
+        <p:nvSpPr>
+          <p:cNvPr id="93" name="CustomShape 1"/>
+          <p:cNvSpPr/>
+          <p:nvPr/>
+        </p:nvSpPr>
+        <p:spPr>
+          <a:xfrm>
+            <a:off x="457200" y="274680"/>
+            <a:ext cx="8228880" cy="1142280"/>
+          </a:xfrm>
+          <a:prstGeom prst="rect">
+            <a:avLst/>
+          </a:prstGeom>
+          <a:noFill/>
+          <a:ln>
+            <a:noFill/>
+          </a:ln>
+        </p:spPr>
+        <p:style>
+          <a:lnRef idx="0"/>
+          <a:fillRef idx="0"/>
+          <a:effectRef idx="0"/>
+          <a:fontRef idx="minor"/>
+        </p:style>
+        <p:txBody>
+          <a:bodyPr lIns="90000" rIns="90000" tIns="45000" bIns="45000">
+            <a:noAutofit/>
+          </a:bodyPr>
+          <a:p>
+            <a:pPr>
+              <a:lnSpc>
+                <a:spcPct val="100000"/>
+              </a:lnSpc>
+            </a:pPr>
+            <a:r>
+              <a:rPr b="0" lang="en-CA" sz="4400" spc="-1" strike="noStrike">
+                <a:solidFill>
+                  <a:srgbClr val="000000"/>
+                </a:solidFill>
+                <a:latin typeface="Calibri"/>
+                <a:ea typeface="ＭＳ Ｐゴシック"/>
+              </a:rPr>
+              <a:t>systemd journal</a:t>
+            </a:r>
+            <a:endParaRPr b="0" lang="en-CA" sz="4400" spc="-1" strike="noStrike">
+              <a:latin typeface="Arial"/>
+            </a:endParaRPr>
+          </a:p>
+        </p:txBody>
+      </p:sp>
+      <p:sp>
+        <p:nvSpPr>
+          <p:cNvPr id="94" name="CustomShape 2"/>
+          <p:cNvSpPr/>
+          <p:nvPr/>
+        </p:nvSpPr>
+        <p:spPr>
+          <a:xfrm>
+            <a:off x="457200" y="1600200"/>
+            <a:ext cx="8228880" cy="4525200"/>
+          </a:xfrm>
+          <a:prstGeom prst="rect">
+            <a:avLst/>
+          </a:prstGeom>
+          <a:noFill/>
+          <a:ln>
+            <a:noFill/>
+          </a:ln>
+        </p:spPr>
+        <p:style>
+          <a:lnRef idx="0"/>
+          <a:fillRef idx="0"/>
+          <a:effectRef idx="0"/>
+          <a:fontRef idx="minor"/>
+        </p:style>
+        <p:txBody>
+          <a:bodyPr lIns="90000" rIns="90000" tIns="45000" bIns="45000">
+            <a:noAutofit/>
+          </a:bodyPr>
+          <a:p>
+            <a:pPr marL="343080" indent="-342360">
+              <a:lnSpc>
+                <a:spcPct val="100000"/>
+              </a:lnSpc>
+              <a:spcBef>
+                <a:spcPts val="641"/>
+              </a:spcBef>
+              <a:buClr>
+                <a:srgbClr val="000000"/>
+              </a:buClr>
+              <a:buFont typeface="Symbol" charset="2"/>
+              <a:buChar char=""/>
+            </a:pPr>
+            <a:r>
+              <a:rPr b="0" lang="en-CA" sz="2400" spc="-1" strike="noStrike">
+                <a:solidFill>
+                  <a:srgbClr val="000000"/>
+                </a:solidFill>
+                <a:latin typeface="Calibri"/>
+                <a:ea typeface="ＭＳ Ｐゴシック"/>
+              </a:rPr>
+              <a:t>Centralized logging system</a:t>
+            </a:r>
+            <a:endParaRPr b="0" lang="en-CA" sz="2400" spc="-1" strike="noStrike">
+              <a:latin typeface="Arial"/>
+            </a:endParaRPr>
+          </a:p>
+          <a:p>
+            <a:pPr marL="343080" indent="-342360">
+              <a:lnSpc>
+                <a:spcPct val="100000"/>
+              </a:lnSpc>
+              <a:spcBef>
+                <a:spcPts val="641"/>
+              </a:spcBef>
+              <a:buClr>
+                <a:srgbClr val="000000"/>
+              </a:buClr>
+              <a:buFont typeface="Symbol" charset="2"/>
+              <a:buChar char=""/>
+            </a:pPr>
+            <a:r>
+              <a:rPr b="0" lang="en-CA" sz="2400" spc="-1" strike="noStrike">
+                <a:solidFill>
+                  <a:srgbClr val="000000"/>
+                </a:solidFill>
+                <a:latin typeface="Calibri"/>
+                <a:ea typeface="ＭＳ Ｐゴシック"/>
+              </a:rPr>
+              <a:t>Used by most modern distributions</a:t>
+            </a:r>
+            <a:endParaRPr b="0" lang="en-CA" sz="2400" spc="-1" strike="noStrike">
+              <a:latin typeface="Arial"/>
+            </a:endParaRPr>
+          </a:p>
+          <a:p>
+            <a:pPr marL="343080" indent="-342360">
+              <a:lnSpc>
+                <a:spcPct val="100000"/>
+              </a:lnSpc>
+              <a:spcBef>
+                <a:spcPts val="641"/>
+              </a:spcBef>
+              <a:buClr>
+                <a:srgbClr val="000000"/>
+              </a:buClr>
+              <a:buFont typeface="Symbol" charset="2"/>
+              <a:buChar char=""/>
+            </a:pPr>
+            <a:r>
+              <a:rPr b="0" lang="en-CA" sz="2400" spc="-1" strike="noStrike">
+                <a:solidFill>
+                  <a:srgbClr val="000000"/>
+                </a:solidFill>
+                <a:latin typeface="Calibri"/>
+                <a:ea typeface="ＭＳ Ｐゴシック"/>
+              </a:rPr>
+              <a:t>Uses </a:t>
+            </a:r>
+            <a:r>
+              <a:rPr b="1" lang="en-CA" sz="2400" spc="-1" strike="noStrike">
+                <a:solidFill>
+                  <a:srgbClr val="000000"/>
+                </a:solidFill>
+                <a:latin typeface="Calibri"/>
+                <a:ea typeface="ＭＳ Ｐゴシック"/>
+              </a:rPr>
+              <a:t>journalctl</a:t>
+            </a:r>
+            <a:r>
+              <a:rPr b="0" lang="en-CA" sz="2400" spc="-1" strike="noStrike">
+                <a:solidFill>
+                  <a:srgbClr val="000000"/>
+                </a:solidFill>
+                <a:latin typeface="Calibri"/>
+                <a:ea typeface="ＭＳ Ｐゴシック"/>
+              </a:rPr>
+              <a:t> to view logs </a:t>
+            </a:r>
+            <a:endParaRPr b="0" lang="en-CA" sz="2400" spc="-1" strike="noStrike">
+              <a:latin typeface="Arial"/>
+            </a:endParaRPr>
+          </a:p>
+        </p:txBody>
+      </p:sp>
+    </p:spTree>
+  </p:cSld>
+  <mc:AlternateContent>
+    <mc:Choice Requires="p14">
+      <p:transition spd="slow" p14:dur="2000"/>
+    </mc:Choice>
+    <mc:Fallback>
+      <p:transition spd="slow"/>
+    </mc:Fallback>
+  </mc:AlternateContent>
+</p:sld>
+</file>
+
+<file path=ppt/slides/slide7.xml><?xml version="1.0" encoding="utf-8"?>
+<p:sld xmlns:a="http://schemas.openxmlformats.org/drawingml/2006/main" xmlns:p="http://schemas.openxmlformats.org/presentationml/2006/main" xmlns:r="http://schemas.openxmlformats.org/officeDocument/2006/relationships" xmlns:p14="http://schemas.microsoft.com/office/powerpoint/2010/main" xmlns:p15="http://schemas.microsoft.com/office/powerpoint/2012/main" xmlns:mc="http://schemas.openxmlformats.org/markup-compatibility/2006">
+  <p:cSld>
+    <p:spTree>
+      <p:nvGrpSpPr>
+        <p:cNvPr id="1" name=""/>
+        <p:cNvGrpSpPr/>
+        <p:nvPr/>
+      </p:nvGrpSpPr>
+      <p:grpSpPr>
+        <a:xfrm>
+          <a:off x="0" y="0"/>
+          <a:ext cx="0" cy="0"/>
+          <a:chOff x="0" y="0"/>
+          <a:chExt cx="0" cy="0"/>
+        </a:xfrm>
+      </p:grpSpPr>
+      <p:sp>
+        <p:nvSpPr>
+          <p:cNvPr id="95" name="CustomShape 1"/>
+          <p:cNvSpPr/>
+          <p:nvPr/>
+        </p:nvSpPr>
+        <p:spPr>
+          <a:xfrm>
+            <a:off x="457200" y="274680"/>
+            <a:ext cx="8228880" cy="1142280"/>
+          </a:xfrm>
+          <a:prstGeom prst="rect">
+            <a:avLst/>
+          </a:prstGeom>
+          <a:noFill/>
+          <a:ln>
+            <a:noFill/>
+          </a:ln>
+        </p:spPr>
+        <p:style>
+          <a:lnRef idx="0"/>
+          <a:fillRef idx="0"/>
+          <a:effectRef idx="0"/>
+          <a:fontRef idx="minor"/>
+        </p:style>
+        <p:txBody>
+          <a:bodyPr lIns="90000" rIns="90000" tIns="45000" bIns="45000">
+            <a:noAutofit/>
+          </a:bodyPr>
+          <a:p>
+            <a:pPr>
+              <a:lnSpc>
+                <a:spcPct val="100000"/>
+              </a:lnSpc>
+            </a:pPr>
+            <a:r>
+              <a:rPr b="0" lang="en-CA" sz="4400" spc="-1" strike="noStrike">
+                <a:solidFill>
+                  <a:srgbClr val="000000"/>
+                </a:solidFill>
+                <a:latin typeface="Calibri"/>
+                <a:ea typeface="ＭＳ Ｐゴシック"/>
+              </a:rPr>
+              <a:t>syslog and rsyslog</a:t>
+            </a:r>
+            <a:endParaRPr b="0" lang="en-CA" sz="4400" spc="-1" strike="noStrike">
+              <a:latin typeface="Arial"/>
+            </a:endParaRPr>
+          </a:p>
+        </p:txBody>
+      </p:sp>
+      <p:sp>
+        <p:nvSpPr>
+          <p:cNvPr id="96" name="CustomShape 2"/>
+          <p:cNvSpPr/>
+          <p:nvPr/>
+        </p:nvSpPr>
+        <p:spPr>
+          <a:xfrm>
+            <a:off x="457200" y="1600200"/>
+            <a:ext cx="8228880" cy="4525200"/>
+          </a:xfrm>
+          <a:prstGeom prst="rect">
+            <a:avLst/>
+          </a:prstGeom>
+          <a:noFill/>
+          <a:ln>
+            <a:noFill/>
+          </a:ln>
+        </p:spPr>
+        <p:style>
+          <a:lnRef idx="0"/>
+          <a:fillRef idx="0"/>
+          <a:effectRef idx="0"/>
+          <a:fontRef idx="minor"/>
+        </p:style>
+        <p:txBody>
+          <a:bodyPr lIns="90000" rIns="90000" tIns="45000" bIns="45000">
+            <a:noAutofit/>
+          </a:bodyPr>
+          <a:p>
+            <a:pPr marL="343080" indent="-342360">
+              <a:lnSpc>
+                <a:spcPct val="100000"/>
+              </a:lnSpc>
+              <a:spcBef>
+                <a:spcPts val="641"/>
+              </a:spcBef>
+              <a:buClr>
+                <a:srgbClr val="000000"/>
+              </a:buClr>
+              <a:buFont typeface="Symbol" charset="2"/>
+              <a:buChar char=""/>
+            </a:pPr>
+            <a:r>
+              <a:rPr b="0" lang="en-CA" sz="2400" spc="-1" strike="noStrike">
+                <a:solidFill>
+                  <a:srgbClr val="000000"/>
+                </a:solidFill>
+                <a:latin typeface="Calibri"/>
+                <a:ea typeface="ＭＳ Ｐゴシック"/>
+              </a:rPr>
+              <a:t>Centralized logging system</a:t>
+            </a:r>
+            <a:endParaRPr b="0" lang="en-CA" sz="2400" spc="-1" strike="noStrike">
+              <a:latin typeface="Arial"/>
+            </a:endParaRPr>
+          </a:p>
+          <a:p>
+            <a:pPr marL="343080" indent="-342360">
+              <a:lnSpc>
+                <a:spcPct val="100000"/>
+              </a:lnSpc>
+              <a:spcBef>
+                <a:spcPts val="641"/>
+              </a:spcBef>
+              <a:buClr>
+                <a:srgbClr val="000000"/>
+              </a:buClr>
+              <a:buFont typeface="Symbol" charset="2"/>
+              <a:buChar char=""/>
+            </a:pPr>
+            <a:r>
+              <a:rPr b="0" lang="en-CA" sz="2400" spc="-1" strike="noStrike">
+                <a:solidFill>
+                  <a:srgbClr val="000000"/>
+                </a:solidFill>
+                <a:latin typeface="Calibri"/>
+                <a:ea typeface="ＭＳ Ｐゴシック"/>
+              </a:rPr>
+              <a:t>Supports remote logging (important for security)</a:t>
+            </a:r>
+            <a:endParaRPr b="0" lang="en-CA" sz="2400" spc="-1" strike="noStrike">
+              <a:latin typeface="Arial"/>
+            </a:endParaRPr>
+          </a:p>
+          <a:p>
+            <a:pPr marL="343080" indent="-342360">
+              <a:lnSpc>
+                <a:spcPct val="100000"/>
+              </a:lnSpc>
+              <a:spcBef>
+                <a:spcPts val="641"/>
+              </a:spcBef>
+              <a:buClr>
+                <a:srgbClr val="000000"/>
+              </a:buClr>
+              <a:buFont typeface="Symbol" charset="2"/>
+              <a:buChar char=""/>
+            </a:pPr>
+            <a:r>
+              <a:rPr b="0" lang="en-CA" sz="2400" spc="-1" strike="noStrike">
+                <a:solidFill>
+                  <a:srgbClr val="000000"/>
+                </a:solidFill>
+                <a:latin typeface="Calibri"/>
+                <a:ea typeface="ＭＳ Ｐゴシック"/>
+              </a:rPr>
+              <a:t>Log ‘level’ and ‘destination(s)’ can be controlled ‘centrally’</a:t>
+            </a:r>
+            <a:endParaRPr b="0" lang="en-CA" sz="2400" spc="-1" strike="noStrike">
+              <a:latin typeface="Arial"/>
+            </a:endParaRPr>
+          </a:p>
+        </p:txBody>
+      </p:sp>
+    </p:spTree>
+  </p:cSld>
+  <mc:AlternateContent>
+    <mc:Choice Requires="p14">
+      <p:transition spd="slow" p14:dur="2000"/>
+    </mc:Choice>
+    <mc:Fallback>
+      <p:transition spd="slow"/>
+    </mc:Fallback>
+  </mc:AlternateContent>
+</p:sld>
+</file>
+
+<file path=ppt/slides/slide8.xml><?xml version="1.0" encoding="utf-8"?>
+<p:sld xmlns:a="http://schemas.openxmlformats.org/drawingml/2006/main" xmlns:p="http://schemas.openxmlformats.org/presentationml/2006/main" xmlns:r="http://schemas.openxmlformats.org/officeDocument/2006/relationships" xmlns:p14="http://schemas.microsoft.com/office/powerpoint/2010/main" xmlns:p15="http://schemas.microsoft.com/office/powerpoint/2012/main" xmlns:mc="http://schemas.openxmlformats.org/markup-compatibility/2006">
+  <p:cSld>
+    <p:spTree>
+      <p:nvGrpSpPr>
+        <p:cNvPr id="1" name=""/>
+        <p:cNvGrpSpPr/>
+        <p:nvPr/>
+      </p:nvGrpSpPr>
+      <p:grpSpPr>
+        <a:xfrm>
+          <a:off x="0" y="0"/>
+          <a:ext cx="0" cy="0"/>
+          <a:chOff x="0" y="0"/>
+          <a:chExt cx="0" cy="0"/>
+        </a:xfrm>
+      </p:grpSpPr>
+      <p:sp>
+        <p:nvSpPr>
+          <p:cNvPr id="97" name="CustomShape 1"/>
+          <p:cNvSpPr/>
+          <p:nvPr/>
+        </p:nvSpPr>
+        <p:spPr>
+          <a:xfrm>
+            <a:off x="457200" y="274680"/>
+            <a:ext cx="8228880" cy="1142280"/>
+          </a:xfrm>
+          <a:prstGeom prst="rect">
+            <a:avLst/>
+          </a:prstGeom>
+          <a:noFill/>
+          <a:ln>
+            <a:noFill/>
+          </a:ln>
+        </p:spPr>
+        <p:style>
+          <a:lnRef idx="0"/>
+          <a:fillRef idx="0"/>
+          <a:effectRef idx="0"/>
+          <a:fontRef idx="minor"/>
+        </p:style>
+        <p:txBody>
+          <a:bodyPr lIns="90000" rIns="90000" tIns="45000" bIns="45000">
+            <a:noAutofit/>
+          </a:bodyPr>
+          <a:p>
+            <a:pPr>
+              <a:lnSpc>
+                <a:spcPct val="100000"/>
+              </a:lnSpc>
+            </a:pPr>
+            <a:r>
+              <a:rPr b="0" lang="en-CA" sz="4400" spc="-1" strike="noStrike">
+                <a:solidFill>
+                  <a:srgbClr val="000000"/>
+                </a:solidFill>
+                <a:latin typeface="Calibri"/>
+                <a:ea typeface="ＭＳ Ｐゴシック"/>
+              </a:rPr>
+              <a:t>rsyslog with the journal</a:t>
+            </a:r>
+            <a:endParaRPr b="0" lang="en-CA" sz="4400" spc="-1" strike="noStrike">
+              <a:latin typeface="Arial"/>
+            </a:endParaRPr>
+          </a:p>
+        </p:txBody>
+      </p:sp>
+      <p:sp>
+        <p:nvSpPr>
+          <p:cNvPr id="98" name="CustomShape 2"/>
+          <p:cNvSpPr/>
+          <p:nvPr/>
+        </p:nvSpPr>
+        <p:spPr>
+          <a:xfrm>
+            <a:off x="313200" y="1168200"/>
+            <a:ext cx="8228880" cy="2287800"/>
+          </a:xfrm>
+          <a:prstGeom prst="rect">
+            <a:avLst/>
+          </a:prstGeom>
+          <a:noFill/>
+          <a:ln>
+            <a:noFill/>
+          </a:ln>
+        </p:spPr>
+        <p:style>
+          <a:lnRef idx="0"/>
+          <a:fillRef idx="0"/>
+          <a:effectRef idx="0"/>
+          <a:fontRef idx="minor"/>
+        </p:style>
+        <p:txBody>
+          <a:bodyPr lIns="90000" rIns="90000" tIns="45000" bIns="45000">
+            <a:noAutofit/>
+          </a:bodyPr>
+          <a:p>
+            <a:pPr marL="343080" indent="-342360">
+              <a:lnSpc>
+                <a:spcPct val="100000"/>
+              </a:lnSpc>
+              <a:spcBef>
+                <a:spcPts val="641"/>
+              </a:spcBef>
+              <a:buClr>
+                <a:srgbClr val="000000"/>
+              </a:buClr>
+              <a:buFont typeface="Symbol" charset="2"/>
+              <a:buChar char=""/>
+            </a:pPr>
+            <a:r>
+              <a:rPr b="0" lang="en-CA" sz="2400" spc="-1" strike="noStrike">
+                <a:solidFill>
+                  <a:srgbClr val="000000"/>
+                </a:solidFill>
+                <a:latin typeface="Calibri"/>
+                <a:ea typeface="ＭＳ Ｐゴシック"/>
+              </a:rPr>
+              <a:t>When a system runs systemd, the rsyslog deamon reads and filters messages from the journal.  </a:t>
+            </a:r>
+            <a:endParaRPr b="0" lang="en-CA" sz="2400" spc="-1" strike="noStrike">
+              <a:latin typeface="Arial"/>
+            </a:endParaRPr>
+          </a:p>
+          <a:p>
+            <a:pPr marL="343080" indent="-342360">
+              <a:lnSpc>
+                <a:spcPct val="100000"/>
+              </a:lnSpc>
+              <a:spcBef>
+                <a:spcPts val="641"/>
+              </a:spcBef>
+              <a:buClr>
+                <a:srgbClr val="000000"/>
+              </a:buClr>
+              <a:buFont typeface="Symbol" charset="2"/>
+              <a:buChar char=""/>
+            </a:pPr>
+            <a:endParaRPr b="0" lang="en-CA" sz="2400" spc="-1" strike="noStrike">
+              <a:latin typeface="Arial"/>
+            </a:endParaRPr>
+          </a:p>
+          <a:p>
+            <a:pPr marL="343080" indent="-342360">
+              <a:lnSpc>
+                <a:spcPct val="100000"/>
+              </a:lnSpc>
+              <a:spcBef>
+                <a:spcPts val="641"/>
+              </a:spcBef>
+              <a:buClr>
+                <a:srgbClr val="000000"/>
+              </a:buClr>
+              <a:buFont typeface="Symbol" charset="2"/>
+              <a:buChar char=""/>
+            </a:pPr>
+            <a:r>
+              <a:rPr b="0" lang="en-CA" sz="2400" spc="-1" strike="noStrike">
+                <a:solidFill>
+                  <a:srgbClr val="000000"/>
+                </a:solidFill>
+                <a:latin typeface="Calibri"/>
+                <a:ea typeface="ＭＳ Ｐゴシック"/>
+              </a:rPr>
+              <a:t>Rsyslog is used to: </a:t>
+            </a:r>
+            <a:endParaRPr b="0" lang="en-CA" sz="2400" spc="-1" strike="noStrike">
+              <a:latin typeface="Arial"/>
+            </a:endParaRPr>
+          </a:p>
+        </p:txBody>
+      </p:sp>
+      <p:sp>
+        <p:nvSpPr>
+          <p:cNvPr id="99" name="CustomShape 3"/>
+          <p:cNvSpPr/>
+          <p:nvPr/>
+        </p:nvSpPr>
+        <p:spPr>
+          <a:xfrm>
+            <a:off x="1440000" y="3420000"/>
+            <a:ext cx="6408000" cy="2287800"/>
+          </a:xfrm>
+          <a:prstGeom prst="rect">
+            <a:avLst/>
+          </a:prstGeom>
+          <a:noFill/>
+          <a:ln>
+            <a:noFill/>
+          </a:ln>
+        </p:spPr>
+        <p:style>
+          <a:lnRef idx="0"/>
+          <a:fillRef idx="0"/>
+          <a:effectRef idx="0"/>
+          <a:fontRef idx="minor"/>
+        </p:style>
+        <p:txBody>
+          <a:bodyPr lIns="90000" rIns="90000" tIns="45000" bIns="45000">
+            <a:noAutofit/>
+          </a:bodyPr>
+          <a:p>
+            <a:pPr marL="343080" indent="-342360">
+              <a:lnSpc>
+                <a:spcPct val="100000"/>
+              </a:lnSpc>
+              <a:spcBef>
+                <a:spcPts val="641"/>
+              </a:spcBef>
+              <a:buClr>
+                <a:srgbClr val="000000"/>
+              </a:buClr>
+              <a:buFont typeface="Symbol" charset="2"/>
+              <a:buChar char=""/>
+            </a:pPr>
+            <a:r>
+              <a:rPr b="0" lang="en-CA" sz="2000" spc="-1" strike="noStrike">
+                <a:solidFill>
+                  <a:srgbClr val="000000"/>
+                </a:solidFill>
+                <a:latin typeface="Calibri"/>
+                <a:ea typeface="ＭＳ Ｐゴシック"/>
+              </a:rPr>
+              <a:t>filter messages into local text files (/var/log)</a:t>
+            </a:r>
+            <a:endParaRPr b="0" lang="en-CA" sz="2000" spc="-1" strike="noStrike">
+              <a:latin typeface="Arial"/>
+            </a:endParaRPr>
+          </a:p>
+          <a:p>
+            <a:pPr marL="343080" indent="-342360">
+              <a:lnSpc>
+                <a:spcPct val="100000"/>
+              </a:lnSpc>
+              <a:spcBef>
+                <a:spcPts val="641"/>
+              </a:spcBef>
+              <a:buClr>
+                <a:srgbClr val="000000"/>
+              </a:buClr>
+              <a:buFont typeface="Symbol" charset="2"/>
+              <a:buChar char=""/>
+            </a:pPr>
+            <a:r>
+              <a:rPr b="0" lang="en-CA" sz="2000" spc="-1" strike="noStrike">
+                <a:solidFill>
+                  <a:srgbClr val="000000"/>
+                </a:solidFill>
+                <a:latin typeface="Calibri"/>
+                <a:ea typeface="ＭＳ Ｐゴシック"/>
+              </a:rPr>
+              <a:t>Log to a remote server</a:t>
+            </a:r>
+            <a:endParaRPr b="0" lang="en-CA" sz="2000" spc="-1" strike="noStrike">
+              <a:latin typeface="Arial"/>
+            </a:endParaRPr>
+          </a:p>
+        </p:txBody>
+      </p:sp>
+    </p:spTree>
+  </p:cSld>
+  <mc:AlternateContent>
+    <mc:Choice Requires="p14">
+      <p:transition spd="slow" p14:dur="2000"/>
+    </mc:Choice>
+    <mc:Fallback>
+      <p:transition spd="slow"/>
+    </mc:Fallback>
+  </mc:AlternateContent>
+</p:sld>
+</file>
+
+<file path=ppt/slides/slide9.xml><?xml version="1.0" encoding="utf-8"?>
+<p:sld xmlns:a="http://schemas.openxmlformats.org/drawingml/2006/main" xmlns:p="http://schemas.openxmlformats.org/presentationml/2006/main" xmlns:r="http://schemas.openxmlformats.org/officeDocument/2006/relationships" xmlns:p14="http://schemas.microsoft.com/office/powerpoint/2010/main" xmlns:p15="http://schemas.microsoft.com/office/powerpoint/2012/main" xmlns:mc="http://schemas.openxmlformats.org/markup-compatibility/2006">
+  <p:cSld>
+    <p:spTree>
+      <p:nvGrpSpPr>
+        <p:cNvPr id="1" name=""/>
+        <p:cNvGrpSpPr/>
+        <p:nvPr/>
+      </p:nvGrpSpPr>
+      <p:grpSpPr>
+        <a:xfrm>
+          <a:off x="0" y="0"/>
+          <a:ext cx="0" cy="0"/>
+          <a:chOff x="0" y="0"/>
+          <a:chExt cx="0" cy="0"/>
+        </a:xfrm>
+      </p:grpSpPr>
+      <p:sp>
+        <p:nvSpPr>
+          <p:cNvPr id="100" name="CustomShape 1"/>
+          <p:cNvSpPr/>
+          <p:nvPr/>
+        </p:nvSpPr>
+        <p:spPr>
+          <a:xfrm>
+            <a:off x="457200" y="274680"/>
+            <a:ext cx="8228880" cy="1142280"/>
+          </a:xfrm>
+          <a:prstGeom prst="rect">
+            <a:avLst/>
+          </a:prstGeom>
+          <a:noFill/>
+          <a:ln>
+            <a:noFill/>
+          </a:ln>
+        </p:spPr>
+        <p:style>
+          <a:lnRef idx="0"/>
+          <a:fillRef idx="0"/>
+          <a:effectRef idx="0"/>
+          <a:fontRef idx="minor"/>
+        </p:style>
+        <p:txBody>
+          <a:bodyPr lIns="90000" rIns="90000" tIns="45000" bIns="45000">
+            <a:noAutofit/>
+          </a:bodyPr>
+          <a:p>
+            <a:pPr>
+              <a:lnSpc>
+                <a:spcPct val="100000"/>
+              </a:lnSpc>
+            </a:pPr>
+            <a:r>
+              <a:rPr b="0" lang="en-CA" sz="4400" spc="-1" strike="noStrike">
+                <a:solidFill>
+                  <a:srgbClr val="000000"/>
+                </a:solidFill>
+                <a:latin typeface="Calibri"/>
+                <a:ea typeface="ＭＳ Ｐゴシック"/>
+              </a:rPr>
+              <a:t>[r]syslog Message Structure</a:t>
+            </a:r>
+            <a:endParaRPr b="0" lang="en-CA" sz="4400" spc="-1" strike="noStrike">
+              <a:latin typeface="Arial"/>
+            </a:endParaRPr>
+          </a:p>
+        </p:txBody>
+      </p:sp>
+      <p:sp>
+        <p:nvSpPr>
+          <p:cNvPr id="101" name="CustomShape 2"/>
+          <p:cNvSpPr/>
+          <p:nvPr/>
+        </p:nvSpPr>
+        <p:spPr>
+          <a:xfrm>
+            <a:off x="457200" y="1600200"/>
+            <a:ext cx="8228880" cy="3733200"/>
+          </a:xfrm>
+          <a:prstGeom prst="rect">
+            <a:avLst/>
+          </a:prstGeom>
+          <a:noFill/>
+          <a:ln>
+            <a:noFill/>
+          </a:ln>
+        </p:spPr>
+        <p:style>
+          <a:lnRef idx="0"/>
+          <a:fillRef idx="0"/>
+          <a:effectRef idx="0"/>
+          <a:fontRef idx="minor"/>
+        </p:style>
+        <p:txBody>
+          <a:bodyPr lIns="90000" rIns="90000" tIns="45000" bIns="45000">
+            <a:noAutofit/>
+          </a:bodyPr>
+          <a:p>
+            <a:pPr>
+              <a:lnSpc>
+                <a:spcPct val="100000"/>
+              </a:lnSpc>
+              <a:spcBef>
+                <a:spcPts val="641"/>
+              </a:spcBef>
+              <a:tabLst>
+                <a:tab algn="l" pos="0"/>
+              </a:tabLst>
+            </a:pPr>
+            <a:r>
+              <a:rPr b="0" lang="en-CA" sz="3200" spc="-1" strike="noStrike">
+                <a:solidFill>
+                  <a:srgbClr val="000000"/>
+                </a:solidFill>
+                <a:latin typeface="Calibri"/>
+                <a:ea typeface="ＭＳ Ｐゴシック"/>
+              </a:rPr>
+              <a:t>facility.severity Message</a:t>
+            </a:r>
+            <a:endParaRPr b="0" lang="en-CA" sz="3200" spc="-1" strike="noStrike">
+              <a:latin typeface="Arial"/>
+            </a:endParaRPr>
+          </a:p>
+          <a:p>
+            <a:pPr>
+              <a:lnSpc>
+                <a:spcPct val="100000"/>
+              </a:lnSpc>
+              <a:spcBef>
+                <a:spcPts val="641"/>
+              </a:spcBef>
+              <a:tabLst>
+                <a:tab algn="l" pos="0"/>
+              </a:tabLst>
+            </a:pPr>
+            <a:endParaRPr b="0" lang="en-CA" sz="3200" spc="-1" strike="noStrike">
+              <a:latin typeface="Arial"/>
+            </a:endParaRPr>
+          </a:p>
+          <a:p>
+            <a:pPr>
+              <a:lnSpc>
+                <a:spcPct val="100000"/>
+              </a:lnSpc>
+              <a:spcBef>
+                <a:spcPts val="561"/>
+              </a:spcBef>
+              <a:tabLst>
+                <a:tab algn="l" pos="0"/>
+              </a:tabLst>
+            </a:pPr>
+            <a:r>
+              <a:rPr b="1" lang="en-CA" sz="2000" spc="-1" strike="noStrike">
+                <a:solidFill>
+                  <a:srgbClr val="000000"/>
+                </a:solidFill>
+                <a:latin typeface="Calibri"/>
+                <a:ea typeface="ＭＳ Ｐゴシック"/>
+              </a:rPr>
+              <a:t>Facility</a:t>
+            </a:r>
+            <a:r>
+              <a:rPr b="0" lang="en-CA" sz="2000" spc="-1" strike="noStrike">
+                <a:solidFill>
+                  <a:srgbClr val="000000"/>
+                </a:solidFill>
+                <a:latin typeface="Calibri"/>
+                <a:ea typeface="ＭＳ Ｐゴシック"/>
+              </a:rPr>
+              <a:t>: “Who” sent the message</a:t>
+            </a:r>
+            <a:endParaRPr b="0" lang="en-CA" sz="2000" spc="-1" strike="noStrike">
+              <a:latin typeface="Arial"/>
+            </a:endParaRPr>
+          </a:p>
+          <a:p>
+            <a:pPr>
+              <a:lnSpc>
+                <a:spcPct val="100000"/>
+              </a:lnSpc>
+              <a:spcBef>
+                <a:spcPts val="561"/>
+              </a:spcBef>
+              <a:tabLst>
+                <a:tab algn="l" pos="0"/>
+              </a:tabLst>
+            </a:pPr>
+            <a:r>
+              <a:rPr b="1" lang="en-CA" sz="2000" spc="-1" strike="noStrike">
+                <a:solidFill>
+                  <a:srgbClr val="000000"/>
+                </a:solidFill>
+                <a:latin typeface="Calibri"/>
+                <a:ea typeface="ＭＳ Ｐゴシック"/>
+              </a:rPr>
+              <a:t>Severity</a:t>
+            </a:r>
+            <a:r>
+              <a:rPr b="0" lang="en-CA" sz="2000" spc="-1" strike="noStrike">
+                <a:solidFill>
+                  <a:srgbClr val="000000"/>
+                </a:solidFill>
+                <a:latin typeface="Calibri"/>
+                <a:ea typeface="ＭＳ Ｐゴシック"/>
+              </a:rPr>
+              <a:t>: How “important” is the message</a:t>
+            </a:r>
+            <a:endParaRPr b="0" lang="en-CA" sz="2000" spc="-1" strike="noStrike">
+              <a:latin typeface="Arial"/>
+            </a:endParaRPr>
+          </a:p>
+          <a:p>
+            <a:pPr>
+              <a:lnSpc>
+                <a:spcPct val="100000"/>
+              </a:lnSpc>
+              <a:spcBef>
+                <a:spcPts val="561"/>
+              </a:spcBef>
+              <a:tabLst>
+                <a:tab algn="l" pos="0"/>
+              </a:tabLst>
+            </a:pPr>
+            <a:r>
+              <a:rPr b="1" lang="en-CA" sz="2000" spc="-1" strike="noStrike">
+                <a:solidFill>
+                  <a:srgbClr val="000000"/>
+                </a:solidFill>
+                <a:latin typeface="Calibri"/>
+                <a:ea typeface="ＭＳ Ｐゴシック"/>
+              </a:rPr>
+              <a:t>Message</a:t>
+            </a:r>
+            <a:r>
+              <a:rPr b="0" lang="en-CA" sz="2000" spc="-1" strike="noStrike">
+                <a:solidFill>
+                  <a:srgbClr val="000000"/>
+                </a:solidFill>
+                <a:latin typeface="Calibri"/>
+                <a:ea typeface="ＭＳ Ｐゴシック"/>
+              </a:rPr>
+              <a:t>: What the developer wanted to say to you.</a:t>
+            </a:r>
+            <a:endParaRPr b="0" lang="en-CA" sz="2000" spc="-1" strike="noStrike">
+              <a:latin typeface="Arial"/>
+            </a:endParaRPr>
+          </a:p>
+        </p:txBody>
+      </p:sp>
     </p:spTree>
   </p:cSld>
   <mc:AlternateContent>
